--- a/Semesterprojekt_VT.pptx
+++ b/Semesterprojekt_VT.pptx
@@ -6,32 +6,38 @@
     <p:sldMasterId id="2147483749" r:id="rId5"/>
   </p:sldMasterIdLst>
   <p:notesMasterIdLst>
-    <p:notesMasterId r:id="rId21"/>
+    <p:notesMasterId r:id="rId27"/>
   </p:notesMasterIdLst>
   <p:handoutMasterIdLst>
-    <p:handoutMasterId r:id="rId22"/>
+    <p:handoutMasterId r:id="rId28"/>
   </p:handoutMasterIdLst>
   <p:sldIdLst>
     <p:sldId id="472" r:id="rId6"/>
     <p:sldId id="330" r:id="rId7"/>
-    <p:sldId id="475" r:id="rId8"/>
-    <p:sldId id="483" r:id="rId9"/>
-    <p:sldId id="474" r:id="rId10"/>
-    <p:sldId id="489" r:id="rId11"/>
-    <p:sldId id="485" r:id="rId12"/>
-    <p:sldId id="486" r:id="rId13"/>
-    <p:sldId id="484" r:id="rId14"/>
-    <p:sldId id="488" r:id="rId15"/>
-    <p:sldId id="476" r:id="rId16"/>
+    <p:sldId id="489" r:id="rId8"/>
+    <p:sldId id="485" r:id="rId9"/>
+    <p:sldId id="493" r:id="rId10"/>
+    <p:sldId id="486" r:id="rId11"/>
+    <p:sldId id="484" r:id="rId12"/>
+    <p:sldId id="491" r:id="rId13"/>
+    <p:sldId id="475" r:id="rId14"/>
+    <p:sldId id="483" r:id="rId15"/>
+    <p:sldId id="474" r:id="rId16"/>
     <p:sldId id="477" r:id="rId17"/>
-    <p:sldId id="479" r:id="rId18"/>
-    <p:sldId id="481" r:id="rId19"/>
-    <p:sldId id="473" r:id="rId20"/>
+    <p:sldId id="476" r:id="rId18"/>
+    <p:sldId id="498" r:id="rId19"/>
+    <p:sldId id="494" r:id="rId20"/>
+    <p:sldId id="495" r:id="rId21"/>
+    <p:sldId id="496" r:id="rId22"/>
+    <p:sldId id="497" r:id="rId23"/>
+    <p:sldId id="479" r:id="rId24"/>
+    <p:sldId id="481" r:id="rId25"/>
+    <p:sldId id="473" r:id="rId26"/>
   </p:sldIdLst>
   <p:sldSz cx="12188825" cy="6858000"/>
   <p:notesSz cx="7023100" cy="9309100"/>
   <p:custDataLst>
-    <p:tags r:id="rId23"/>
+    <p:tags r:id="rId29"/>
   </p:custDataLst>
   <p:defaultTextStyle>
     <a:defPPr>
@@ -135,16 +141,22 @@
           <p14:sldIdLst>
             <p14:sldId id="472"/>
             <p14:sldId id="330"/>
+            <p14:sldId id="489"/>
+            <p14:sldId id="485"/>
+            <p14:sldId id="493"/>
+            <p14:sldId id="486"/>
+            <p14:sldId id="484"/>
+            <p14:sldId id="491"/>
             <p14:sldId id="475"/>
             <p14:sldId id="483"/>
             <p14:sldId id="474"/>
-            <p14:sldId id="489"/>
-            <p14:sldId id="485"/>
-            <p14:sldId id="486"/>
-            <p14:sldId id="484"/>
-            <p14:sldId id="488"/>
+            <p14:sldId id="477"/>
             <p14:sldId id="476"/>
-            <p14:sldId id="477"/>
+            <p14:sldId id="498"/>
+            <p14:sldId id="494"/>
+            <p14:sldId id="495"/>
+            <p14:sldId id="496"/>
+            <p14:sldId id="497"/>
             <p14:sldId id="479"/>
             <p14:sldId id="481"/>
             <p14:sldId id="473"/>
@@ -324,7 +336,7 @@
               <a:rPr lang="en-US" smtClean="0">
                 <a:latin typeface="Segoe UI" pitchFamily="34" charset="0"/>
               </a:rPr>
-              <a:t>12/9/2017</a:t>
+              <a:t>12/14/2017</a:t>
             </a:fld>
             <a:endParaRPr lang="en-US" dirty="0">
               <a:latin typeface="Segoe UI" pitchFamily="34" charset="0"/>
@@ -505,7 +517,7 @@
             <a:fld id="{CAE3F082-F902-42D8-A765-720E172C3194}" type="datetimeFigureOut">
               <a:rPr lang="en-US" smtClean="0"/>
               <a:pPr/>
-              <a:t>12/9/2017</a:t>
+              <a:t>12/14/2017</a:t>
             </a:fld>
             <a:endParaRPr lang="en-US" dirty="0"/>
           </a:p>
@@ -864,6 +876,93 @@
 </p:notes>
 </file>
 
+<file path=ppt/notesSlides/notesSlide10.xml><?xml version="1.0" encoding="utf-8"?>
+<p:notes xmlns:a="http://schemas.openxmlformats.org/drawingml/2006/main" xmlns:r="http://schemas.openxmlformats.org/officeDocument/2006/relationships" xmlns:p="http://schemas.openxmlformats.org/presentationml/2006/main">
+  <p:cSld>
+    <p:spTree>
+      <p:nvGrpSpPr>
+        <p:cNvPr id="1" name=""/>
+        <p:cNvGrpSpPr/>
+        <p:nvPr/>
+      </p:nvGrpSpPr>
+      <p:grpSpPr>
+        <a:xfrm>
+          <a:off x="0" y="0"/>
+          <a:ext cx="0" cy="0"/>
+          <a:chOff x="0" y="0"/>
+          <a:chExt cx="0" cy="0"/>
+        </a:xfrm>
+      </p:grpSpPr>
+      <p:sp>
+        <p:nvSpPr>
+          <p:cNvPr id="2" name="Slide Image Placeholder 1"/>
+          <p:cNvSpPr>
+            <a:spLocks noGrp="1" noRot="1" noChangeAspect="1"/>
+          </p:cNvSpPr>
+          <p:nvPr>
+            <p:ph type="sldImg"/>
+          </p:nvPr>
+        </p:nvSpPr>
+        <p:spPr/>
+      </p:sp>
+      <p:sp>
+        <p:nvSpPr>
+          <p:cNvPr id="3" name="Notes Placeholder 2"/>
+          <p:cNvSpPr>
+            <a:spLocks noGrp="1"/>
+          </p:cNvSpPr>
+          <p:nvPr>
+            <p:ph type="body" idx="1"/>
+          </p:nvPr>
+        </p:nvSpPr>
+        <p:spPr/>
+        <p:txBody>
+          <a:bodyPr/>
+          <a:lstStyle/>
+          <a:p>
+            <a:endParaRPr lang="en-US" sz="1100" dirty="0">
+              <a:latin typeface="Segoe UI" pitchFamily="34" charset="0"/>
+            </a:endParaRPr>
+          </a:p>
+        </p:txBody>
+      </p:sp>
+      <p:sp>
+        <p:nvSpPr>
+          <p:cNvPr id="4" name="Slide Number Placeholder 3"/>
+          <p:cNvSpPr>
+            <a:spLocks noGrp="1"/>
+          </p:cNvSpPr>
+          <p:nvPr>
+            <p:ph type="sldNum" sz="quarter" idx="10"/>
+          </p:nvPr>
+        </p:nvSpPr>
+        <p:spPr/>
+        <p:txBody>
+          <a:bodyPr/>
+          <a:lstStyle/>
+          <a:p>
+            <a:fld id="{8B263312-38AA-4E1E-B2B5-0F8F122B24FE}" type="slidenum">
+              <a:rPr lang="en-US" smtClean="0"/>
+              <a:pPr/>
+              <a:t>21</a:t>
+            </a:fld>
+            <a:endParaRPr lang="en-US" dirty="0"/>
+          </a:p>
+        </p:txBody>
+      </p:sp>
+    </p:spTree>
+    <p:extLst>
+      <p:ext uri="{BB962C8B-B14F-4D97-AF65-F5344CB8AC3E}">
+        <p14:creationId xmlns:p14="http://schemas.microsoft.com/office/powerpoint/2010/main" val="1110085806"/>
+      </p:ext>
+    </p:extLst>
+  </p:cSld>
+  <p:clrMapOvr>
+    <a:masterClrMapping/>
+  </p:clrMapOvr>
+</p:notes>
+</file>
+
 <file path=ppt/notesSlides/notesSlide2.xml><?xml version="1.0" encoding="utf-8"?>
 <p:notes xmlns:a="http://schemas.openxmlformats.org/drawingml/2006/main" xmlns:r="http://schemas.openxmlformats.org/officeDocument/2006/relationships" xmlns:p="http://schemas.openxmlformats.org/presentationml/2006/main">
   <p:cSld>
@@ -996,21 +1095,26 @@
           <a:bodyPr/>
           <a:lstStyle/>
           <a:p>
-            <a:pPr marL="574675" indent="-571500">
+            <a:pPr marL="574675" marR="0" lvl="0" indent="-571500" algn="l" defTabSz="1218987" rtl="0" eaLnBrk="1" fontAlgn="auto" latinLnBrk="0" hangingPunct="1">
+              <a:lnSpc>
+                <a:spcPct val="100000"/>
+              </a:lnSpc>
+              <a:spcBef>
+                <a:spcPts val="0"/>
+              </a:spcBef>
+              <a:spcAft>
+                <a:spcPts val="0"/>
+              </a:spcAft>
+              <a:buClrTx/>
+              <a:buSzTx/>
               <a:buFont typeface="Arial" panose="020B0604020202020204" pitchFamily="34" charset="0"/>
               <a:buChar char="•"/>
+              <a:tabLst/>
+              <a:defRPr/>
             </a:pPr>
             <a:r>
               <a:rPr lang="de-DE" dirty="0"/>
-              <a:t>Bidirektionale Kommunikation zwischen </a:t>
-            </a:r>
-            <a:r>
-              <a:rPr lang="de-DE" dirty="0" err="1"/>
-              <a:t>IoT</a:t>
-            </a:r>
-            <a:r>
-              <a:rPr lang="de-DE" dirty="0"/>
-              <a:t>-Geräten und einem Lösungs-Back-End</a:t>
+              <a:t>IaaS, PaaS, SaaS</a:t>
             </a:r>
           </a:p>
           <a:p>
@@ -1018,10 +1122,7 @@
               <a:buFont typeface="Arial" panose="020B0604020202020204" pitchFamily="34" charset="0"/>
               <a:buChar char="•"/>
             </a:pPr>
-            <a:r>
-              <a:rPr lang="de-DE" dirty="0"/>
-              <a:t>Sicherheit durch Authentifizierung auf Gerätebasis</a:t>
-            </a:r>
+            <a:endParaRPr lang="de-DE" dirty="0"/>
           </a:p>
           <a:p>
             <a:endParaRPr lang="de-DE" dirty="0"/>
@@ -1046,7 +1147,7 @@
             <a:fld id="{82AABF77-E2E4-44CA-BA5C-65E132CF08D8}" type="slidenum">
               <a:rPr lang="en-US" smtClean="0"/>
               <a:pPr/>
-              <a:t>6</a:t>
+              <a:t>3</a:t>
             </a:fld>
             <a:endParaRPr lang="en-US" dirty="0"/>
           </a:p>
@@ -1134,7 +1235,7 @@
             <a:fld id="{82AABF77-E2E4-44CA-BA5C-65E132CF08D8}" type="slidenum">
               <a:rPr lang="en-US" smtClean="0"/>
               <a:pPr/>
-              <a:t>7</a:t>
+              <a:t>4</a:t>
             </a:fld>
             <a:endParaRPr lang="en-US" dirty="0"/>
           </a:p>
@@ -1154,6 +1255,164 @@
 </file>
 
 <file path=ppt/notesSlides/notesSlide5.xml><?xml version="1.0" encoding="utf-8"?>
+<p:notes xmlns:a="http://schemas.openxmlformats.org/drawingml/2006/main" xmlns:r="http://schemas.openxmlformats.org/officeDocument/2006/relationships" xmlns:p="http://schemas.openxmlformats.org/presentationml/2006/main">
+  <p:cSld>
+    <p:spTree>
+      <p:nvGrpSpPr>
+        <p:cNvPr id="1" name=""/>
+        <p:cNvGrpSpPr/>
+        <p:nvPr/>
+      </p:nvGrpSpPr>
+      <p:grpSpPr>
+        <a:xfrm>
+          <a:off x="0" y="0"/>
+          <a:ext cx="0" cy="0"/>
+          <a:chOff x="0" y="0"/>
+          <a:chExt cx="0" cy="0"/>
+        </a:xfrm>
+      </p:grpSpPr>
+      <p:sp>
+        <p:nvSpPr>
+          <p:cNvPr id="2" name="Folienbildplatzhalter 1"/>
+          <p:cNvSpPr>
+            <a:spLocks noGrp="1" noRot="1" noChangeAspect="1"/>
+          </p:cNvSpPr>
+          <p:nvPr>
+            <p:ph type="sldImg"/>
+          </p:nvPr>
+        </p:nvSpPr>
+        <p:spPr/>
+      </p:sp>
+      <p:sp>
+        <p:nvSpPr>
+          <p:cNvPr id="3" name="Notizenplatzhalter 2"/>
+          <p:cNvSpPr>
+            <a:spLocks noGrp="1"/>
+          </p:cNvSpPr>
+          <p:nvPr>
+            <p:ph type="body" idx="1"/>
+          </p:nvPr>
+        </p:nvSpPr>
+        <p:spPr/>
+        <p:txBody>
+          <a:bodyPr/>
+          <a:lstStyle/>
+          <a:p>
+            <a:pPr marL="285750" indent="-285750">
+              <a:buFontTx/>
+              <a:buChar char="-"/>
+            </a:pPr>
+            <a:r>
+              <a:rPr lang="de-DE" dirty="0" err="1"/>
+              <a:t>Provisioning</a:t>
+            </a:r>
+            <a:r>
+              <a:rPr lang="de-DE" dirty="0"/>
+              <a:t> Dienst: Installation ohne Userbemühungen</a:t>
+            </a:r>
+          </a:p>
+          <a:p>
+            <a:pPr marL="285750" indent="-285750">
+              <a:buFontTx/>
+              <a:buChar char="-"/>
+            </a:pPr>
+            <a:r>
+              <a:rPr lang="de-DE" dirty="0"/>
+              <a:t>Start, </a:t>
+            </a:r>
+            <a:r>
+              <a:rPr lang="de-DE" dirty="0" err="1"/>
+              <a:t>Stop</a:t>
+            </a:r>
+            <a:r>
+              <a:rPr lang="de-DE" dirty="0"/>
+              <a:t> Geräte Status etc.</a:t>
+            </a:r>
+          </a:p>
+          <a:p>
+            <a:pPr marL="285750" indent="-285750">
+              <a:buFontTx/>
+              <a:buChar char="-"/>
+            </a:pPr>
+            <a:r>
+              <a:rPr lang="de-DE" dirty="0"/>
+              <a:t>Entwicklungsmöglichkeiten: .net, </a:t>
+            </a:r>
+            <a:r>
+              <a:rPr lang="de-DE" dirty="0" err="1"/>
+              <a:t>python</a:t>
+            </a:r>
+            <a:r>
+              <a:rPr lang="de-DE" dirty="0"/>
+              <a:t>, </a:t>
+            </a:r>
+            <a:r>
+              <a:rPr lang="de-DE" dirty="0" err="1"/>
+              <a:t>java</a:t>
+            </a:r>
+            <a:r>
+              <a:rPr lang="de-DE" dirty="0"/>
+              <a:t>, </a:t>
+            </a:r>
+            <a:r>
+              <a:rPr lang="de-DE" dirty="0" err="1"/>
+              <a:t>php</a:t>
+            </a:r>
+            <a:r>
+              <a:rPr lang="de-DE" dirty="0"/>
+              <a:t>, node.js</a:t>
+            </a:r>
+          </a:p>
+          <a:p>
+            <a:pPr marL="285750" indent="-285750">
+              <a:buFontTx/>
+              <a:buChar char="-"/>
+            </a:pPr>
+            <a:r>
+              <a:rPr lang="de-DE" dirty="0"/>
+              <a:t>Linux Server, Windows Server, PowerShell</a:t>
+            </a:r>
+          </a:p>
+        </p:txBody>
+      </p:sp>
+      <p:sp>
+        <p:nvSpPr>
+          <p:cNvPr id="4" name="Foliennummernplatzhalter 3"/>
+          <p:cNvSpPr>
+            <a:spLocks noGrp="1"/>
+          </p:cNvSpPr>
+          <p:nvPr>
+            <p:ph type="sldNum" sz="quarter" idx="10"/>
+          </p:nvPr>
+        </p:nvSpPr>
+        <p:spPr/>
+        <p:txBody>
+          <a:bodyPr/>
+          <a:lstStyle/>
+          <a:p>
+            <a:fld id="{82AABF77-E2E4-44CA-BA5C-65E132CF08D8}" type="slidenum">
+              <a:rPr lang="en-US" smtClean="0"/>
+              <a:pPr/>
+              <a:t>5</a:t>
+            </a:fld>
+            <a:endParaRPr lang="en-US" dirty="0"/>
+          </a:p>
+        </p:txBody>
+      </p:sp>
+    </p:spTree>
+    <p:extLst>
+      <p:ext uri="{BB962C8B-B14F-4D97-AF65-F5344CB8AC3E}">
+        <p14:creationId xmlns:p14="http://schemas.microsoft.com/office/powerpoint/2010/main" val="759156219"/>
+      </p:ext>
+    </p:extLst>
+  </p:cSld>
+  <p:clrMapOvr>
+    <a:masterClrMapping/>
+  </p:clrMapOvr>
+</p:notes>
+</file>
+
+<file path=ppt/notesSlides/notesSlide6.xml><?xml version="1.0" encoding="utf-8"?>
 <p:notes xmlns:a="http://schemas.openxmlformats.org/drawingml/2006/main" xmlns:r="http://schemas.openxmlformats.org/officeDocument/2006/relationships" xmlns:p="http://schemas.openxmlformats.org/presentationml/2006/main">
   <p:cSld>
     <p:spTree>
@@ -1222,7 +1481,7 @@
             <a:fld id="{82AABF77-E2E4-44CA-BA5C-65E132CF08D8}" type="slidenum">
               <a:rPr lang="en-US" smtClean="0"/>
               <a:pPr/>
-              <a:t>8</a:t>
+              <a:t>6</a:t>
             </a:fld>
             <a:endParaRPr lang="en-US" dirty="0"/>
           </a:p>
@@ -1241,7 +1500,7 @@
 </p:notes>
 </file>
 
-<file path=ppt/notesSlides/notesSlide6.xml><?xml version="1.0" encoding="utf-8"?>
+<file path=ppt/notesSlides/notesSlide7.xml><?xml version="1.0" encoding="utf-8"?>
 <p:notes xmlns:a="http://schemas.openxmlformats.org/drawingml/2006/main" xmlns:r="http://schemas.openxmlformats.org/officeDocument/2006/relationships" xmlns:p="http://schemas.openxmlformats.org/presentationml/2006/main">
   <p:cSld>
     <p:spTree>
@@ -1329,7 +1588,7 @@
             <a:fld id="{82AABF77-E2E4-44CA-BA5C-65E132CF08D8}" type="slidenum">
               <a:rPr lang="en-US" smtClean="0"/>
               <a:pPr/>
-              <a:t>9</a:t>
+              <a:t>7</a:t>
             </a:fld>
             <a:endParaRPr lang="en-US" dirty="0"/>
           </a:p>
@@ -1348,7 +1607,127 @@
 </p:notes>
 </file>
 
-<file path=ppt/notesSlides/notesSlide7.xml><?xml version="1.0" encoding="utf-8"?>
+<file path=ppt/notesSlides/notesSlide8.xml><?xml version="1.0" encoding="utf-8"?>
+<p:notes xmlns:a="http://schemas.openxmlformats.org/drawingml/2006/main" xmlns:r="http://schemas.openxmlformats.org/officeDocument/2006/relationships" xmlns:p="http://schemas.openxmlformats.org/presentationml/2006/main">
+  <p:cSld>
+    <p:spTree>
+      <p:nvGrpSpPr>
+        <p:cNvPr id="1" name=""/>
+        <p:cNvGrpSpPr/>
+        <p:nvPr/>
+      </p:nvGrpSpPr>
+      <p:grpSpPr>
+        <a:xfrm>
+          <a:off x="0" y="0"/>
+          <a:ext cx="0" cy="0"/>
+          <a:chOff x="0" y="0"/>
+          <a:chExt cx="0" cy="0"/>
+        </a:xfrm>
+      </p:grpSpPr>
+      <p:sp>
+        <p:nvSpPr>
+          <p:cNvPr id="2" name="Folienbildplatzhalter 1"/>
+          <p:cNvSpPr>
+            <a:spLocks noGrp="1" noRot="1" noChangeAspect="1"/>
+          </p:cNvSpPr>
+          <p:nvPr>
+            <p:ph type="sldImg"/>
+          </p:nvPr>
+        </p:nvSpPr>
+        <p:spPr/>
+      </p:sp>
+      <p:sp>
+        <p:nvSpPr>
+          <p:cNvPr id="3" name="Notizenplatzhalter 2"/>
+          <p:cNvSpPr>
+            <a:spLocks noGrp="1"/>
+          </p:cNvSpPr>
+          <p:nvPr>
+            <p:ph type="body" idx="1"/>
+          </p:nvPr>
+        </p:nvSpPr>
+        <p:spPr/>
+        <p:txBody>
+          <a:bodyPr/>
+          <a:lstStyle/>
+          <a:p>
+            <a:pPr marL="285750" indent="-285750">
+              <a:buFont typeface="Arial" panose="020B0604020202020204" pitchFamily="34" charset="0"/>
+              <a:buChar char="•"/>
+            </a:pPr>
+            <a:r>
+              <a:rPr lang="de-DE" dirty="0"/>
+              <a:t>Erst wenn Gerät den Erhalt bestätigt, kann die Nachricht aus der Queue gelöscht werden</a:t>
+            </a:r>
+          </a:p>
+          <a:p>
+            <a:pPr marL="285750" indent="-285750">
+              <a:buFont typeface="Arial" panose="020B0604020202020204" pitchFamily="34" charset="0"/>
+              <a:buChar char="•"/>
+            </a:pPr>
+            <a:r>
+              <a:rPr lang="de-DE" dirty="0"/>
+              <a:t>Beispielhafte Status: in Warteschlange eingereiht, Abgeschlossen, Nicht sichtbar, Unzustellbar etc.</a:t>
+            </a:r>
+          </a:p>
+          <a:p>
+            <a:pPr marL="285750" indent="-285750">
+              <a:buFont typeface="Arial" panose="020B0604020202020204" pitchFamily="34" charset="0"/>
+              <a:buChar char="•"/>
+            </a:pPr>
+            <a:r>
+              <a:rPr lang="de-DE" dirty="0"/>
+              <a:t>Per Message TTL and </a:t>
+            </a:r>
+            <a:r>
+              <a:rPr lang="de-DE" dirty="0" err="1"/>
+              <a:t>Receipts</a:t>
+            </a:r>
+            <a:r>
+              <a:rPr lang="de-DE" dirty="0"/>
+              <a:t>!</a:t>
+            </a:r>
+          </a:p>
+        </p:txBody>
+      </p:sp>
+      <p:sp>
+        <p:nvSpPr>
+          <p:cNvPr id="4" name="Foliennummernplatzhalter 3"/>
+          <p:cNvSpPr>
+            <a:spLocks noGrp="1"/>
+          </p:cNvSpPr>
+          <p:nvPr>
+            <p:ph type="sldNum" sz="quarter" idx="10"/>
+          </p:nvPr>
+        </p:nvSpPr>
+        <p:spPr/>
+        <p:txBody>
+          <a:bodyPr/>
+          <a:lstStyle/>
+          <a:p>
+            <a:fld id="{82AABF77-E2E4-44CA-BA5C-65E132CF08D8}" type="slidenum">
+              <a:rPr lang="en-US" smtClean="0"/>
+              <a:pPr/>
+              <a:t>8</a:t>
+            </a:fld>
+            <a:endParaRPr lang="en-US" dirty="0"/>
+          </a:p>
+        </p:txBody>
+      </p:sp>
+    </p:spTree>
+    <p:extLst>
+      <p:ext uri="{BB962C8B-B14F-4D97-AF65-F5344CB8AC3E}">
+        <p14:creationId xmlns:p14="http://schemas.microsoft.com/office/powerpoint/2010/main" val="3541431044"/>
+      </p:ext>
+    </p:extLst>
+  </p:cSld>
+  <p:clrMapOvr>
+    <a:masterClrMapping/>
+  </p:clrMapOvr>
+</p:notes>
+</file>
+
+<file path=ppt/notesSlides/notesSlide9.xml><?xml version="1.0" encoding="utf-8"?>
 <p:notes xmlns:a="http://schemas.openxmlformats.org/drawingml/2006/main" xmlns:r="http://schemas.openxmlformats.org/officeDocument/2006/relationships" xmlns:p="http://schemas.openxmlformats.org/presentationml/2006/main">
   <p:cSld>
     <p:spTree>
@@ -1416,7 +1795,7 @@
             <a:fld id="{8B263312-38AA-4E1E-B2B5-0F8F122B24FE}" type="slidenum">
               <a:rPr lang="en-US" smtClean="0"/>
               <a:pPr/>
-              <a:t>14</a:t>
+              <a:t>20</a:t>
             </a:fld>
             <a:endParaRPr lang="en-US" dirty="0"/>
           </a:p>
@@ -1426,93 +1805,6 @@
     <p:extLst>
       <p:ext uri="{BB962C8B-B14F-4D97-AF65-F5344CB8AC3E}">
         <p14:creationId xmlns:p14="http://schemas.microsoft.com/office/powerpoint/2010/main" val="352360790"/>
-      </p:ext>
-    </p:extLst>
-  </p:cSld>
-  <p:clrMapOvr>
-    <a:masterClrMapping/>
-  </p:clrMapOvr>
-</p:notes>
-</file>
-
-<file path=ppt/notesSlides/notesSlide8.xml><?xml version="1.0" encoding="utf-8"?>
-<p:notes xmlns:a="http://schemas.openxmlformats.org/drawingml/2006/main" xmlns:r="http://schemas.openxmlformats.org/officeDocument/2006/relationships" xmlns:p="http://schemas.openxmlformats.org/presentationml/2006/main">
-  <p:cSld>
-    <p:spTree>
-      <p:nvGrpSpPr>
-        <p:cNvPr id="1" name=""/>
-        <p:cNvGrpSpPr/>
-        <p:nvPr/>
-      </p:nvGrpSpPr>
-      <p:grpSpPr>
-        <a:xfrm>
-          <a:off x="0" y="0"/>
-          <a:ext cx="0" cy="0"/>
-          <a:chOff x="0" y="0"/>
-          <a:chExt cx="0" cy="0"/>
-        </a:xfrm>
-      </p:grpSpPr>
-      <p:sp>
-        <p:nvSpPr>
-          <p:cNvPr id="2" name="Slide Image Placeholder 1"/>
-          <p:cNvSpPr>
-            <a:spLocks noGrp="1" noRot="1" noChangeAspect="1"/>
-          </p:cNvSpPr>
-          <p:nvPr>
-            <p:ph type="sldImg"/>
-          </p:nvPr>
-        </p:nvSpPr>
-        <p:spPr/>
-      </p:sp>
-      <p:sp>
-        <p:nvSpPr>
-          <p:cNvPr id="3" name="Notes Placeholder 2"/>
-          <p:cNvSpPr>
-            <a:spLocks noGrp="1"/>
-          </p:cNvSpPr>
-          <p:nvPr>
-            <p:ph type="body" idx="1"/>
-          </p:nvPr>
-        </p:nvSpPr>
-        <p:spPr/>
-        <p:txBody>
-          <a:bodyPr/>
-          <a:lstStyle/>
-          <a:p>
-            <a:endParaRPr lang="en-US" sz="1100" dirty="0">
-              <a:latin typeface="Segoe UI" pitchFamily="34" charset="0"/>
-            </a:endParaRPr>
-          </a:p>
-        </p:txBody>
-      </p:sp>
-      <p:sp>
-        <p:nvSpPr>
-          <p:cNvPr id="4" name="Slide Number Placeholder 3"/>
-          <p:cNvSpPr>
-            <a:spLocks noGrp="1"/>
-          </p:cNvSpPr>
-          <p:nvPr>
-            <p:ph type="sldNum" sz="quarter" idx="10"/>
-          </p:nvPr>
-        </p:nvSpPr>
-        <p:spPr/>
-        <p:txBody>
-          <a:bodyPr/>
-          <a:lstStyle/>
-          <a:p>
-            <a:fld id="{8B263312-38AA-4E1E-B2B5-0F8F122B24FE}" type="slidenum">
-              <a:rPr lang="en-US" smtClean="0"/>
-              <a:pPr/>
-              <a:t>15</a:t>
-            </a:fld>
-            <a:endParaRPr lang="en-US" dirty="0"/>
-          </a:p>
-        </p:txBody>
-      </p:sp>
-    </p:spTree>
-    <p:extLst>
-      <p:ext uri="{BB962C8B-B14F-4D97-AF65-F5344CB8AC3E}">
-        <p14:creationId xmlns:p14="http://schemas.microsoft.com/office/powerpoint/2010/main" val="1110085806"/>
       </p:ext>
     </p:extLst>
   </p:cSld>
@@ -6253,1166 +6545,6 @@
           <p:cNvPr id="2" name="Titel 1">
             <a:extLst>
               <a:ext uri="{FF2B5EF4-FFF2-40B4-BE49-F238E27FC236}">
-                <a16:creationId xmlns:a16="http://schemas.microsoft.com/office/drawing/2014/main" id="{286839CA-D0E4-4426-8850-F9D998C4230F}"/>
-              </a:ext>
-            </a:extLst>
-          </p:cNvPr>
-          <p:cNvSpPr>
-            <a:spLocks noGrp="1"/>
-          </p:cNvSpPr>
-          <p:nvPr>
-            <p:ph type="title"/>
-          </p:nvPr>
-        </p:nvSpPr>
-        <p:spPr/>
-        <p:txBody>
-          <a:bodyPr/>
-          <a:lstStyle/>
-          <a:p>
-            <a:r>
-              <a:rPr lang="de-DE" dirty="0"/>
-              <a:t>Azure </a:t>
-            </a:r>
-            <a:r>
-              <a:rPr lang="de-DE" dirty="0" err="1"/>
-              <a:t>IoT</a:t>
-            </a:r>
-            <a:r>
-              <a:rPr lang="de-DE" dirty="0"/>
-              <a:t> Hub</a:t>
-            </a:r>
-          </a:p>
-        </p:txBody>
-      </p:sp>
-      <p:sp>
-        <p:nvSpPr>
-          <p:cNvPr id="3" name="Textplatzhalter 2">
-            <a:extLst>
-              <a:ext uri="{FF2B5EF4-FFF2-40B4-BE49-F238E27FC236}">
-                <a16:creationId xmlns:a16="http://schemas.microsoft.com/office/drawing/2014/main" id="{19F4AF21-F8BC-4397-86A0-ACC00AAF48AB}"/>
-              </a:ext>
-            </a:extLst>
-          </p:cNvPr>
-          <p:cNvSpPr>
-            <a:spLocks noGrp="1"/>
-          </p:cNvSpPr>
-          <p:nvPr>
-            <p:ph type="body" sz="quarter" idx="10"/>
-          </p:nvPr>
-        </p:nvSpPr>
-        <p:spPr>
-          <a:xfrm>
-            <a:off x="519112" y="1370525"/>
-            <a:ext cx="11149013" cy="3231654"/>
-          </a:xfrm>
-        </p:spPr>
-        <p:txBody>
-          <a:bodyPr/>
-          <a:lstStyle/>
-          <a:p>
-            <a:pPr marL="574675" indent="-571500">
-              <a:buFont typeface="Arial" panose="020B0604020202020204" pitchFamily="34" charset="0"/>
-              <a:buChar char="•"/>
-            </a:pPr>
-            <a:r>
-              <a:rPr lang="de-DE" dirty="0"/>
-              <a:t>Platzhalter für Realisierung (Chris)</a:t>
-            </a:r>
-          </a:p>
-          <a:p>
-            <a:pPr marL="574675" indent="-571500">
-              <a:buFont typeface="Arial" panose="020B0604020202020204" pitchFamily="34" charset="0"/>
-              <a:buChar char="•"/>
-            </a:pPr>
-            <a:r>
-              <a:rPr lang="de-DE" dirty="0"/>
-              <a:t>Punkt2</a:t>
-            </a:r>
-          </a:p>
-          <a:p>
-            <a:pPr marL="574675" indent="-571500">
-              <a:buFont typeface="Arial" panose="020B0604020202020204" pitchFamily="34" charset="0"/>
-              <a:buChar char="•"/>
-            </a:pPr>
-            <a:r>
-              <a:rPr lang="de-DE" dirty="0"/>
-              <a:t>Punkt3</a:t>
-            </a:r>
-          </a:p>
-          <a:p>
-            <a:pPr marL="574675" indent="-571500">
-              <a:buFont typeface="Arial" panose="020B0604020202020204" pitchFamily="34" charset="0"/>
-              <a:buChar char="•"/>
-            </a:pPr>
-            <a:r>
-              <a:rPr lang="de-DE" dirty="0"/>
-              <a:t>…</a:t>
-            </a:r>
-          </a:p>
-          <a:p>
-            <a:endParaRPr lang="de-DE" dirty="0"/>
-          </a:p>
-        </p:txBody>
-      </p:sp>
-    </p:spTree>
-    <p:extLst>
-      <p:ext uri="{BB962C8B-B14F-4D97-AF65-F5344CB8AC3E}">
-        <p14:creationId xmlns:p14="http://schemas.microsoft.com/office/powerpoint/2010/main" val="1946878960"/>
-      </p:ext>
-    </p:extLst>
-  </p:cSld>
-  <p:clrMapOvr>
-    <a:masterClrMapping/>
-  </p:clrMapOvr>
-  <p:transition>
-    <p:fade/>
-  </p:transition>
-</p:sld>
-</file>
-
-<file path=ppt/slides/slide11.xml><?xml version="1.0" encoding="utf-8"?>
-<p:sld xmlns:a="http://schemas.openxmlformats.org/drawingml/2006/main" xmlns:r="http://schemas.openxmlformats.org/officeDocument/2006/relationships" xmlns:p="http://schemas.openxmlformats.org/presentationml/2006/main">
-  <p:cSld>
-    <p:spTree>
-      <p:nvGrpSpPr>
-        <p:cNvPr id="1" name=""/>
-        <p:cNvGrpSpPr/>
-        <p:nvPr/>
-      </p:nvGrpSpPr>
-      <p:grpSpPr>
-        <a:xfrm>
-          <a:off x="0" y="0"/>
-          <a:ext cx="0" cy="0"/>
-          <a:chOff x="0" y="0"/>
-          <a:chExt cx="0" cy="0"/>
-        </a:xfrm>
-      </p:grpSpPr>
-      <p:sp>
-        <p:nvSpPr>
-          <p:cNvPr id="2" name="Titel 1">
-            <a:extLst>
-              <a:ext uri="{FF2B5EF4-FFF2-40B4-BE49-F238E27FC236}">
-                <a16:creationId xmlns:a16="http://schemas.microsoft.com/office/drawing/2014/main" id="{56E7ECC2-D056-4AC5-9794-77DC97DA4DA1}"/>
-              </a:ext>
-            </a:extLst>
-          </p:cNvPr>
-          <p:cNvSpPr>
-            <a:spLocks noGrp="1"/>
-          </p:cNvSpPr>
-          <p:nvPr>
-            <p:ph type="title"/>
-          </p:nvPr>
-        </p:nvSpPr>
-        <p:spPr>
-          <a:xfrm>
-            <a:off x="519112" y="402776"/>
-            <a:ext cx="11149013" cy="747897"/>
-          </a:xfrm>
-        </p:spPr>
-        <p:txBody>
-          <a:bodyPr/>
-          <a:lstStyle/>
-          <a:p>
-            <a:r>
-              <a:rPr lang="de-DE" dirty="0"/>
-              <a:t>Raspberry Pi</a:t>
-            </a:r>
-          </a:p>
-        </p:txBody>
-      </p:sp>
-      <p:sp>
-        <p:nvSpPr>
-          <p:cNvPr id="3" name="Textplatzhalter 2">
-            <a:extLst>
-              <a:ext uri="{FF2B5EF4-FFF2-40B4-BE49-F238E27FC236}">
-                <a16:creationId xmlns:a16="http://schemas.microsoft.com/office/drawing/2014/main" id="{2B3C8135-AD39-4DDA-A1F9-289D5723E6DD}"/>
-              </a:ext>
-            </a:extLst>
-          </p:cNvPr>
-          <p:cNvSpPr>
-            <a:spLocks noGrp="1"/>
-          </p:cNvSpPr>
-          <p:nvPr>
-            <p:ph type="body" sz="quarter" idx="10"/>
-          </p:nvPr>
-        </p:nvSpPr>
-        <p:spPr>
-          <a:xfrm>
-            <a:off x="519112" y="1370525"/>
-            <a:ext cx="11149013" cy="2562240"/>
-          </a:xfrm>
-        </p:spPr>
-        <p:txBody>
-          <a:bodyPr/>
-          <a:lstStyle/>
-          <a:p>
-            <a:pPr marL="574675" indent="-571500">
-              <a:buFont typeface="Arial" panose="020B0604020202020204" pitchFamily="34" charset="0"/>
-              <a:buChar char="•"/>
-            </a:pPr>
-            <a:r>
-              <a:rPr lang="de-DE" dirty="0"/>
-              <a:t>Platzhalter für Einführende Punkte</a:t>
-            </a:r>
-          </a:p>
-          <a:p>
-            <a:pPr marL="574675" indent="-571500">
-              <a:buFont typeface="Arial" panose="020B0604020202020204" pitchFamily="34" charset="0"/>
-              <a:buChar char="•"/>
-            </a:pPr>
-            <a:r>
-              <a:rPr lang="de-DE" dirty="0"/>
-              <a:t>Punkt2</a:t>
-            </a:r>
-          </a:p>
-          <a:p>
-            <a:pPr marL="574675" indent="-571500">
-              <a:buFont typeface="Arial" panose="020B0604020202020204" pitchFamily="34" charset="0"/>
-              <a:buChar char="•"/>
-            </a:pPr>
-            <a:r>
-              <a:rPr lang="de-DE" dirty="0"/>
-              <a:t>Punkt3</a:t>
-            </a:r>
-          </a:p>
-          <a:p>
-            <a:pPr marL="574675" indent="-571500">
-              <a:buFont typeface="Arial" panose="020B0604020202020204" pitchFamily="34" charset="0"/>
-              <a:buChar char="•"/>
-            </a:pPr>
-            <a:r>
-              <a:rPr lang="de-DE" dirty="0"/>
-              <a:t>…</a:t>
-            </a:r>
-          </a:p>
-        </p:txBody>
-      </p:sp>
-    </p:spTree>
-    <p:extLst>
-      <p:ext uri="{BB962C8B-B14F-4D97-AF65-F5344CB8AC3E}">
-        <p14:creationId xmlns:p14="http://schemas.microsoft.com/office/powerpoint/2010/main" val="4193839510"/>
-      </p:ext>
-    </p:extLst>
-  </p:cSld>
-  <p:clrMapOvr>
-    <a:masterClrMapping/>
-  </p:clrMapOvr>
-  <p:transition>
-    <p:fade/>
-  </p:transition>
-</p:sld>
-</file>
-
-<file path=ppt/slides/slide12.xml><?xml version="1.0" encoding="utf-8"?>
-<p:sld xmlns:a="http://schemas.openxmlformats.org/drawingml/2006/main" xmlns:r="http://schemas.openxmlformats.org/officeDocument/2006/relationships" xmlns:p="http://schemas.openxmlformats.org/presentationml/2006/main">
-  <p:cSld>
-    <p:spTree>
-      <p:nvGrpSpPr>
-        <p:cNvPr id="1" name=""/>
-        <p:cNvGrpSpPr/>
-        <p:nvPr/>
-      </p:nvGrpSpPr>
-      <p:grpSpPr>
-        <a:xfrm>
-          <a:off x="0" y="0"/>
-          <a:ext cx="0" cy="0"/>
-          <a:chOff x="0" y="0"/>
-          <a:chExt cx="0" cy="0"/>
-        </a:xfrm>
-      </p:grpSpPr>
-      <p:sp>
-        <p:nvSpPr>
-          <p:cNvPr id="2" name="Titel 1">
-            <a:extLst>
-              <a:ext uri="{FF2B5EF4-FFF2-40B4-BE49-F238E27FC236}">
-                <a16:creationId xmlns:a16="http://schemas.microsoft.com/office/drawing/2014/main" id="{1282CDCF-E5FF-4C0F-8AA4-5099B2384E86}"/>
-              </a:ext>
-            </a:extLst>
-          </p:cNvPr>
-          <p:cNvSpPr>
-            <a:spLocks noGrp="1"/>
-          </p:cNvSpPr>
-          <p:nvPr>
-            <p:ph type="title"/>
-          </p:nvPr>
-        </p:nvSpPr>
-        <p:spPr/>
-        <p:txBody>
-          <a:bodyPr/>
-          <a:lstStyle/>
-          <a:p>
-            <a:r>
-              <a:rPr lang="de-DE" dirty="0"/>
-              <a:t>Raspberry Pi</a:t>
-            </a:r>
-          </a:p>
-        </p:txBody>
-      </p:sp>
-      <p:sp>
-        <p:nvSpPr>
-          <p:cNvPr id="3" name="Textplatzhalter 2">
-            <a:extLst>
-              <a:ext uri="{FF2B5EF4-FFF2-40B4-BE49-F238E27FC236}">
-                <a16:creationId xmlns:a16="http://schemas.microsoft.com/office/drawing/2014/main" id="{D2712A2F-A09F-4EE8-A53D-29660C19CD0F}"/>
-              </a:ext>
-            </a:extLst>
-          </p:cNvPr>
-          <p:cNvSpPr>
-            <a:spLocks noGrp="1"/>
-          </p:cNvSpPr>
-          <p:nvPr>
-            <p:ph type="body" sz="quarter" idx="10"/>
-          </p:nvPr>
-        </p:nvSpPr>
-        <p:spPr>
-          <a:xfrm>
-            <a:off x="519112" y="1370525"/>
-            <a:ext cx="11149013" cy="1223412"/>
-          </a:xfrm>
-        </p:spPr>
-        <p:txBody>
-          <a:bodyPr/>
-          <a:lstStyle/>
-          <a:p>
-            <a:pPr marL="574675" indent="-571500">
-              <a:buFont typeface="Arial" panose="020B0604020202020204" pitchFamily="34" charset="0"/>
-              <a:buChar char="•"/>
-            </a:pPr>
-            <a:r>
-              <a:rPr lang="de-DE" dirty="0"/>
-              <a:t>Quelltext // Technische Sachen?</a:t>
-            </a:r>
-          </a:p>
-          <a:p>
-            <a:endParaRPr lang="de-DE" dirty="0"/>
-          </a:p>
-        </p:txBody>
-      </p:sp>
-    </p:spTree>
-    <p:extLst>
-      <p:ext uri="{BB962C8B-B14F-4D97-AF65-F5344CB8AC3E}">
-        <p14:creationId xmlns:p14="http://schemas.microsoft.com/office/powerpoint/2010/main" val="1234176067"/>
-      </p:ext>
-    </p:extLst>
-  </p:cSld>
-  <p:clrMapOvr>
-    <a:masterClrMapping/>
-  </p:clrMapOvr>
-  <p:transition>
-    <p:fade/>
-  </p:transition>
-</p:sld>
-</file>
-
-<file path=ppt/slides/slide13.xml><?xml version="1.0" encoding="utf-8"?>
-<p:sld xmlns:a="http://schemas.openxmlformats.org/drawingml/2006/main" xmlns:r="http://schemas.openxmlformats.org/officeDocument/2006/relationships" xmlns:p="http://schemas.openxmlformats.org/presentationml/2006/main">
-  <p:cSld>
-    <p:spTree>
-      <p:nvGrpSpPr>
-        <p:cNvPr id="1" name=""/>
-        <p:cNvGrpSpPr/>
-        <p:nvPr/>
-      </p:nvGrpSpPr>
-      <p:grpSpPr>
-        <a:xfrm>
-          <a:off x="0" y="0"/>
-          <a:ext cx="0" cy="0"/>
-          <a:chOff x="0" y="0"/>
-          <a:chExt cx="0" cy="0"/>
-        </a:xfrm>
-      </p:grpSpPr>
-      <p:sp>
-        <p:nvSpPr>
-          <p:cNvPr id="2" name="Titel 1">
-            <a:extLst>
-              <a:ext uri="{FF2B5EF4-FFF2-40B4-BE49-F238E27FC236}">
-                <a16:creationId xmlns:a16="http://schemas.microsoft.com/office/drawing/2014/main" id="{3050C073-C9A2-4317-BF21-625724E1E27E}"/>
-              </a:ext>
-            </a:extLst>
-          </p:cNvPr>
-          <p:cNvSpPr>
-            <a:spLocks noGrp="1"/>
-          </p:cNvSpPr>
-          <p:nvPr>
-            <p:ph type="title"/>
-          </p:nvPr>
-        </p:nvSpPr>
-        <p:spPr/>
-        <p:txBody>
-          <a:bodyPr/>
-          <a:lstStyle/>
-          <a:p>
-            <a:r>
-              <a:rPr lang="de-DE" dirty="0"/>
-              <a:t>Fazit</a:t>
-            </a:r>
-          </a:p>
-        </p:txBody>
-      </p:sp>
-      <p:sp>
-        <p:nvSpPr>
-          <p:cNvPr id="3" name="Textplatzhalter 2">
-            <a:extLst>
-              <a:ext uri="{FF2B5EF4-FFF2-40B4-BE49-F238E27FC236}">
-                <a16:creationId xmlns:a16="http://schemas.microsoft.com/office/drawing/2014/main" id="{1205B6A7-4D46-4C56-BD89-4B034F65C458}"/>
-              </a:ext>
-            </a:extLst>
-          </p:cNvPr>
-          <p:cNvSpPr>
-            <a:spLocks noGrp="1"/>
-          </p:cNvSpPr>
-          <p:nvPr>
-            <p:ph type="body" sz="quarter" idx="10"/>
-          </p:nvPr>
-        </p:nvSpPr>
-        <p:spPr>
-          <a:xfrm>
-            <a:off x="519112" y="1370525"/>
-            <a:ext cx="11149013" cy="3231654"/>
-          </a:xfrm>
-        </p:spPr>
-        <p:txBody>
-          <a:bodyPr/>
-          <a:lstStyle/>
-          <a:p>
-            <a:pPr marL="574675" indent="-571500">
-              <a:buFont typeface="Arial" panose="020B0604020202020204" pitchFamily="34" charset="0"/>
-              <a:buChar char="•"/>
-            </a:pPr>
-            <a:r>
-              <a:rPr lang="de-DE" dirty="0"/>
-              <a:t>Platzhalter für Einführende Punkte</a:t>
-            </a:r>
-          </a:p>
-          <a:p>
-            <a:pPr marL="574675" indent="-571500">
-              <a:buFont typeface="Arial" panose="020B0604020202020204" pitchFamily="34" charset="0"/>
-              <a:buChar char="•"/>
-            </a:pPr>
-            <a:r>
-              <a:rPr lang="de-DE" dirty="0"/>
-              <a:t>Punkt2</a:t>
-            </a:r>
-          </a:p>
-          <a:p>
-            <a:pPr marL="574675" indent="-571500">
-              <a:buFont typeface="Arial" panose="020B0604020202020204" pitchFamily="34" charset="0"/>
-              <a:buChar char="•"/>
-            </a:pPr>
-            <a:r>
-              <a:rPr lang="de-DE" dirty="0"/>
-              <a:t>Punkt3</a:t>
-            </a:r>
-          </a:p>
-          <a:p>
-            <a:pPr marL="574675" indent="-571500">
-              <a:buFont typeface="Arial" panose="020B0604020202020204" pitchFamily="34" charset="0"/>
-              <a:buChar char="•"/>
-            </a:pPr>
-            <a:r>
-              <a:rPr lang="de-DE" dirty="0"/>
-              <a:t>…</a:t>
-            </a:r>
-          </a:p>
-          <a:p>
-            <a:endParaRPr lang="de-DE" dirty="0"/>
-          </a:p>
-        </p:txBody>
-      </p:sp>
-    </p:spTree>
-    <p:extLst>
-      <p:ext uri="{BB962C8B-B14F-4D97-AF65-F5344CB8AC3E}">
-        <p14:creationId xmlns:p14="http://schemas.microsoft.com/office/powerpoint/2010/main" val="3101884888"/>
-      </p:ext>
-    </p:extLst>
-  </p:cSld>
-  <p:clrMapOvr>
-    <a:masterClrMapping/>
-  </p:clrMapOvr>
-  <p:transition>
-    <p:fade/>
-  </p:transition>
-</p:sld>
-</file>
-
-<file path=ppt/slides/slide14.xml><?xml version="1.0" encoding="utf-8"?>
-<p:sld xmlns:a="http://schemas.openxmlformats.org/drawingml/2006/main" xmlns:r="http://schemas.openxmlformats.org/officeDocument/2006/relationships" xmlns:p="http://schemas.openxmlformats.org/presentationml/2006/main">
-  <p:cSld>
-    <p:spTree>
-      <p:nvGrpSpPr>
-        <p:cNvPr id="1" name=""/>
-        <p:cNvGrpSpPr/>
-        <p:nvPr/>
-      </p:nvGrpSpPr>
-      <p:grpSpPr>
-        <a:xfrm>
-          <a:off x="0" y="0"/>
-          <a:ext cx="0" cy="0"/>
-          <a:chOff x="0" y="0"/>
-          <a:chExt cx="0" cy="0"/>
-        </a:xfrm>
-      </p:grpSpPr>
-      <p:sp>
-        <p:nvSpPr>
-          <p:cNvPr id="46" name="Title 3"/>
-          <p:cNvSpPr txBox="1">
-            <a:spLocks/>
-          </p:cNvSpPr>
-          <p:nvPr/>
-        </p:nvSpPr>
-        <p:spPr>
-          <a:xfrm>
-            <a:off x="1080655" y="3373872"/>
-            <a:ext cx="7222373" cy="997196"/>
-          </a:xfrm>
-          <a:prstGeom prst="rect">
-            <a:avLst/>
-          </a:prstGeom>
-        </p:spPr>
-        <p:txBody>
-          <a:bodyPr vert="horz" wrap="square" lIns="0" tIns="0" rIns="0" bIns="0" rtlCol="0" anchor="t">
-            <a:spAutoFit/>
-          </a:bodyPr>
-          <a:lstStyle>
-            <a:lvl1pPr algn="l" defTabSz="914363" rtl="0" eaLnBrk="1" latinLnBrk="0" hangingPunct="1">
-              <a:lnSpc>
-                <a:spcPct val="90000"/>
-              </a:lnSpc>
-              <a:spcBef>
-                <a:spcPct val="0"/>
-              </a:spcBef>
-              <a:buNone/>
-              <a:defRPr lang="en-US" sz="5400" b="0" kern="1200" cap="none" spc="-100" baseline="0">
-                <a:ln w="3175">
-                  <a:noFill/>
-                </a:ln>
-                <a:solidFill>
-                  <a:schemeClr val="bg1"/>
-                </a:solidFill>
-                <a:effectLst/>
-                <a:latin typeface="Segoe UI Light" pitchFamily="34" charset="0"/>
-                <a:ea typeface="+mn-ea"/>
-                <a:cs typeface="Arial" charset="0"/>
-              </a:defRPr>
-            </a:lvl1pPr>
-          </a:lstStyle>
-          <a:p>
-            <a:r>
-              <a:rPr lang="en-US" sz="7200" b="1" dirty="0"/>
-              <a:t>LIVE DEMO</a:t>
-            </a:r>
-          </a:p>
-        </p:txBody>
-      </p:sp>
-      <p:pic>
-        <p:nvPicPr>
-          <p:cNvPr id="1026" name="Picture 2" descr="Bildergebnis für azure IOT">
-            <a:extLst>
-              <a:ext uri="{FF2B5EF4-FFF2-40B4-BE49-F238E27FC236}">
-                <a16:creationId xmlns:a16="http://schemas.microsoft.com/office/drawing/2014/main" id="{90E67DF7-5188-476C-96FB-160232B5BC40}"/>
-              </a:ext>
-            </a:extLst>
-          </p:cNvPr>
-          <p:cNvPicPr>
-            <a:picLocks noChangeAspect="1" noChangeArrowheads="1"/>
-          </p:cNvPicPr>
-          <p:nvPr/>
-        </p:nvPicPr>
-        <p:blipFill rotWithShape="1">
-          <a:blip r:embed="rId3">
-            <a:extLst>
-              <a:ext uri="{BEBA8EAE-BF5A-486C-A8C5-ECC9F3942E4B}">
-                <a14:imgProps xmlns:a14="http://schemas.microsoft.com/office/drawing/2010/main">
-                  <a14:imgLayer r:embed="rId4">
-                    <a14:imgEffect>
-                      <a14:saturation sat="66000"/>
-                    </a14:imgEffect>
-                  </a14:imgLayer>
-                </a14:imgProps>
-              </a:ext>
-              <a:ext uri="{28A0092B-C50C-407E-A947-70E740481C1C}">
-                <a14:useLocalDpi xmlns:a14="http://schemas.microsoft.com/office/drawing/2010/main" val="0"/>
-              </a:ext>
-            </a:extLst>
-          </a:blip>
-          <a:srcRect l="22484" r="22208"/>
-          <a:stretch/>
-        </p:blipFill>
-        <p:spPr bwMode="auto">
-          <a:xfrm>
-            <a:off x="7315201" y="294151"/>
-            <a:ext cx="4294909" cy="4076917"/>
-          </a:xfrm>
-          <a:prstGeom prst="rect">
-            <a:avLst/>
-          </a:prstGeom>
-          <a:noFill/>
-          <a:extLst>
-            <a:ext uri="{909E8E84-426E-40DD-AFC4-6F175D3DCCD1}">
-              <a14:hiddenFill xmlns:a14="http://schemas.microsoft.com/office/drawing/2010/main">
-                <a:solidFill>
-                  <a:srgbClr val="FFFFFF"/>
-                </a:solidFill>
-              </a14:hiddenFill>
-            </a:ext>
-          </a:extLst>
-        </p:spPr>
-      </p:pic>
-    </p:spTree>
-    <p:extLst>
-      <p:ext uri="{BB962C8B-B14F-4D97-AF65-F5344CB8AC3E}">
-        <p14:creationId xmlns:p14="http://schemas.microsoft.com/office/powerpoint/2010/main" val="1452383377"/>
-      </p:ext>
-    </p:extLst>
-  </p:cSld>
-  <p:clrMapOvr>
-    <a:masterClrMapping/>
-  </p:clrMapOvr>
-  <mc:AlternateContent xmlns:mc="http://schemas.openxmlformats.org/markup-compatibility/2006" xmlns:p14="http://schemas.microsoft.com/office/powerpoint/2010/main">
-    <mc:Choice Requires="p14">
-      <p:transition spd="med" p14:dur="700">
-        <p:fade/>
-      </p:transition>
-    </mc:Choice>
-    <mc:Fallback xmlns="">
-      <p:transition spd="med">
-        <p:fade/>
-      </p:transition>
-    </mc:Fallback>
-  </mc:AlternateContent>
-</p:sld>
-</file>
-
-<file path=ppt/slides/slide15.xml><?xml version="1.0" encoding="utf-8"?>
-<p:sld xmlns:a="http://schemas.openxmlformats.org/drawingml/2006/main" xmlns:r="http://schemas.openxmlformats.org/officeDocument/2006/relationships" xmlns:p="http://schemas.openxmlformats.org/presentationml/2006/main">
-  <p:cSld>
-    <p:spTree>
-      <p:nvGrpSpPr>
-        <p:cNvPr id="1" name=""/>
-        <p:cNvGrpSpPr/>
-        <p:nvPr/>
-      </p:nvGrpSpPr>
-      <p:grpSpPr>
-        <a:xfrm>
-          <a:off x="0" y="0"/>
-          <a:ext cx="0" cy="0"/>
-          <a:chOff x="0" y="0"/>
-          <a:chExt cx="0" cy="0"/>
-        </a:xfrm>
-      </p:grpSpPr>
-      <p:sp>
-        <p:nvSpPr>
-          <p:cNvPr id="46" name="Title 3"/>
-          <p:cNvSpPr txBox="1">
-            <a:spLocks/>
-          </p:cNvSpPr>
-          <p:nvPr/>
-        </p:nvSpPr>
-        <p:spPr>
-          <a:xfrm>
-            <a:off x="1080655" y="3373872"/>
-            <a:ext cx="7222373" cy="997196"/>
-          </a:xfrm>
-          <a:prstGeom prst="rect">
-            <a:avLst/>
-          </a:prstGeom>
-        </p:spPr>
-        <p:txBody>
-          <a:bodyPr vert="horz" wrap="square" lIns="0" tIns="0" rIns="0" bIns="0" rtlCol="0" anchor="t">
-            <a:spAutoFit/>
-          </a:bodyPr>
-          <a:lstStyle>
-            <a:lvl1pPr algn="l" defTabSz="914363" rtl="0" eaLnBrk="1" latinLnBrk="0" hangingPunct="1">
-              <a:lnSpc>
-                <a:spcPct val="90000"/>
-              </a:lnSpc>
-              <a:spcBef>
-                <a:spcPct val="0"/>
-              </a:spcBef>
-              <a:buNone/>
-              <a:defRPr lang="en-US" sz="5400" b="0" kern="1200" cap="none" spc="-100" baseline="0">
-                <a:ln w="3175">
-                  <a:noFill/>
-                </a:ln>
-                <a:solidFill>
-                  <a:schemeClr val="bg1"/>
-                </a:solidFill>
-                <a:effectLst/>
-                <a:latin typeface="Segoe UI Light" pitchFamily="34" charset="0"/>
-                <a:ea typeface="+mn-ea"/>
-                <a:cs typeface="Arial" charset="0"/>
-              </a:defRPr>
-            </a:lvl1pPr>
-          </a:lstStyle>
-          <a:p>
-            <a:r>
-              <a:rPr lang="en-US" sz="7200" b="1" dirty="0" err="1"/>
-              <a:t>Noch</a:t>
-            </a:r>
-            <a:r>
-              <a:rPr lang="en-US" sz="7200" b="1" dirty="0"/>
-              <a:t> </a:t>
-            </a:r>
-            <a:r>
-              <a:rPr lang="en-US" sz="7200" b="1" dirty="0" err="1"/>
-              <a:t>Fragen</a:t>
-            </a:r>
-            <a:r>
-              <a:rPr lang="en-US" sz="7200" b="1" dirty="0"/>
-              <a:t>?</a:t>
-            </a:r>
-          </a:p>
-        </p:txBody>
-      </p:sp>
-      <p:pic>
-        <p:nvPicPr>
-          <p:cNvPr id="1026" name="Picture 2" descr="Bildergebnis für azure IOT">
-            <a:extLst>
-              <a:ext uri="{FF2B5EF4-FFF2-40B4-BE49-F238E27FC236}">
-                <a16:creationId xmlns:a16="http://schemas.microsoft.com/office/drawing/2014/main" id="{90E67DF7-5188-476C-96FB-160232B5BC40}"/>
-              </a:ext>
-            </a:extLst>
-          </p:cNvPr>
-          <p:cNvPicPr>
-            <a:picLocks noChangeAspect="1" noChangeArrowheads="1"/>
-          </p:cNvPicPr>
-          <p:nvPr/>
-        </p:nvPicPr>
-        <p:blipFill rotWithShape="1">
-          <a:blip r:embed="rId3">
-            <a:extLst>
-              <a:ext uri="{BEBA8EAE-BF5A-486C-A8C5-ECC9F3942E4B}">
-                <a14:imgProps xmlns:a14="http://schemas.microsoft.com/office/drawing/2010/main">
-                  <a14:imgLayer r:embed="rId4">
-                    <a14:imgEffect>
-                      <a14:saturation sat="66000"/>
-                    </a14:imgEffect>
-                  </a14:imgLayer>
-                </a14:imgProps>
-              </a:ext>
-              <a:ext uri="{28A0092B-C50C-407E-A947-70E740481C1C}">
-                <a14:useLocalDpi xmlns:a14="http://schemas.microsoft.com/office/drawing/2010/main" val="0"/>
-              </a:ext>
-            </a:extLst>
-          </a:blip>
-          <a:srcRect l="22484" r="22208"/>
-          <a:stretch/>
-        </p:blipFill>
-        <p:spPr bwMode="auto">
-          <a:xfrm>
-            <a:off x="7315201" y="294151"/>
-            <a:ext cx="4294909" cy="4076917"/>
-          </a:xfrm>
-          <a:prstGeom prst="rect">
-            <a:avLst/>
-          </a:prstGeom>
-          <a:noFill/>
-          <a:extLst>
-            <a:ext uri="{909E8E84-426E-40DD-AFC4-6F175D3DCCD1}">
-              <a14:hiddenFill xmlns:a14="http://schemas.microsoft.com/office/drawing/2010/main">
-                <a:solidFill>
-                  <a:srgbClr val="FFFFFF"/>
-                </a:solidFill>
-              </a14:hiddenFill>
-            </a:ext>
-          </a:extLst>
-        </p:spPr>
-      </p:pic>
-    </p:spTree>
-    <p:extLst>
-      <p:ext uri="{BB962C8B-B14F-4D97-AF65-F5344CB8AC3E}">
-        <p14:creationId xmlns:p14="http://schemas.microsoft.com/office/powerpoint/2010/main" val="2873770234"/>
-      </p:ext>
-    </p:extLst>
-  </p:cSld>
-  <p:clrMapOvr>
-    <a:masterClrMapping/>
-  </p:clrMapOvr>
-  <mc:AlternateContent xmlns:mc="http://schemas.openxmlformats.org/markup-compatibility/2006" xmlns:p14="http://schemas.microsoft.com/office/powerpoint/2010/main">
-    <mc:Choice Requires="p14">
-      <p:transition spd="med" p14:dur="700">
-        <p:fade/>
-      </p:transition>
-    </mc:Choice>
-    <mc:Fallback xmlns="">
-      <p:transition spd="med">
-        <p:fade/>
-      </p:transition>
-    </mc:Fallback>
-  </mc:AlternateContent>
-</p:sld>
-</file>
-
-<file path=ppt/slides/slide2.xml><?xml version="1.0" encoding="utf-8"?>
-<p:sld xmlns:a="http://schemas.openxmlformats.org/drawingml/2006/main" xmlns:r="http://schemas.openxmlformats.org/officeDocument/2006/relationships" xmlns:p="http://schemas.openxmlformats.org/presentationml/2006/main">
-  <p:cSld>
-    <p:spTree>
-      <p:nvGrpSpPr>
-        <p:cNvPr id="1" name=""/>
-        <p:cNvGrpSpPr/>
-        <p:nvPr/>
-      </p:nvGrpSpPr>
-      <p:grpSpPr>
-        <a:xfrm>
-          <a:off x="0" y="0"/>
-          <a:ext cx="0" cy="0"/>
-          <a:chOff x="0" y="0"/>
-          <a:chExt cx="0" cy="0"/>
-        </a:xfrm>
-      </p:grpSpPr>
-      <p:sp>
-        <p:nvSpPr>
-          <p:cNvPr id="8" name="Titel 7">
-            <a:extLst>
-              <a:ext uri="{FF2B5EF4-FFF2-40B4-BE49-F238E27FC236}">
-                <a16:creationId xmlns:a16="http://schemas.microsoft.com/office/drawing/2014/main" id="{E7BB79B2-7F27-4579-924C-935E43BBB7D2}"/>
-              </a:ext>
-            </a:extLst>
-          </p:cNvPr>
-          <p:cNvSpPr>
-            <a:spLocks noGrp="1"/>
-          </p:cNvSpPr>
-          <p:nvPr>
-            <p:ph type="title"/>
-          </p:nvPr>
-        </p:nvSpPr>
-        <p:spPr/>
-        <p:txBody>
-          <a:bodyPr/>
-          <a:lstStyle/>
-          <a:p>
-            <a:r>
-              <a:rPr lang="de-DE" dirty="0"/>
-              <a:t>Übersicht</a:t>
-            </a:r>
-          </a:p>
-        </p:txBody>
-      </p:sp>
-      <p:sp>
-        <p:nvSpPr>
-          <p:cNvPr id="9" name="Textplatzhalter 8">
-            <a:extLst>
-              <a:ext uri="{FF2B5EF4-FFF2-40B4-BE49-F238E27FC236}">
-                <a16:creationId xmlns:a16="http://schemas.microsoft.com/office/drawing/2014/main" id="{ECD85AF2-25AF-4400-B538-3E425863B521}"/>
-              </a:ext>
-            </a:extLst>
-          </p:cNvPr>
-          <p:cNvSpPr>
-            <a:spLocks noGrp="1"/>
-          </p:cNvSpPr>
-          <p:nvPr>
-            <p:ph type="body" sz="quarter" idx="10"/>
-          </p:nvPr>
-        </p:nvSpPr>
-        <p:spPr>
-          <a:xfrm>
-            <a:off x="519112" y="1370525"/>
-            <a:ext cx="11149013" cy="3901068"/>
-          </a:xfrm>
-        </p:spPr>
-        <p:txBody>
-          <a:bodyPr/>
-          <a:lstStyle/>
-          <a:p>
-            <a:pPr marL="574675" indent="-571500">
-              <a:buFont typeface="Arial" panose="020B0604020202020204" pitchFamily="34" charset="0"/>
-              <a:buChar char="•"/>
-            </a:pPr>
-            <a:r>
-              <a:rPr lang="de-DE" dirty="0"/>
-              <a:t>Aufgabenstellung</a:t>
-            </a:r>
-          </a:p>
-          <a:p>
-            <a:pPr marL="574675" indent="-571500">
-              <a:buFont typeface="Arial" panose="020B0604020202020204" pitchFamily="34" charset="0"/>
-              <a:buChar char="•"/>
-            </a:pPr>
-            <a:r>
-              <a:rPr lang="de-DE" dirty="0"/>
-              <a:t>Aufbau</a:t>
-            </a:r>
-          </a:p>
-          <a:p>
-            <a:pPr marL="574675" indent="-571500">
-              <a:buFont typeface="Arial" panose="020B0604020202020204" pitchFamily="34" charset="0"/>
-              <a:buChar char="•"/>
-            </a:pPr>
-            <a:r>
-              <a:rPr lang="de-DE" dirty="0"/>
-              <a:t>Azure </a:t>
-            </a:r>
-            <a:r>
-              <a:rPr lang="de-DE" dirty="0" err="1"/>
-              <a:t>IoT</a:t>
-            </a:r>
-            <a:r>
-              <a:rPr lang="de-DE" dirty="0"/>
-              <a:t> Hub</a:t>
-            </a:r>
-          </a:p>
-          <a:p>
-            <a:pPr marL="574675" indent="-571500">
-              <a:buFont typeface="Arial" panose="020B0604020202020204" pitchFamily="34" charset="0"/>
-              <a:buChar char="•"/>
-            </a:pPr>
-            <a:r>
-              <a:rPr lang="de-DE" dirty="0"/>
-              <a:t>Raspberry Pi</a:t>
-            </a:r>
-          </a:p>
-          <a:p>
-            <a:pPr marL="574675" indent="-571500">
-              <a:buFont typeface="Arial" panose="020B0604020202020204" pitchFamily="34" charset="0"/>
-              <a:buChar char="•"/>
-            </a:pPr>
-            <a:r>
-              <a:rPr lang="de-DE" dirty="0"/>
-              <a:t>Fazit</a:t>
-            </a:r>
-          </a:p>
-          <a:p>
-            <a:pPr marL="574675" indent="-571500">
-              <a:buFont typeface="Arial" panose="020B0604020202020204" pitchFamily="34" charset="0"/>
-              <a:buChar char="•"/>
-            </a:pPr>
-            <a:r>
-              <a:rPr lang="de-DE" dirty="0" err="1"/>
-              <a:t>Livedemo</a:t>
-            </a:r>
-            <a:endParaRPr lang="de-DE" dirty="0"/>
-          </a:p>
-        </p:txBody>
-      </p:sp>
-    </p:spTree>
-    <p:extLst>
-      <p:ext uri="{BB962C8B-B14F-4D97-AF65-F5344CB8AC3E}">
-        <p14:creationId xmlns:p14="http://schemas.microsoft.com/office/powerpoint/2010/main" val="402916855"/>
-      </p:ext>
-    </p:extLst>
-  </p:cSld>
-  <p:clrMapOvr>
-    <a:masterClrMapping/>
-  </p:clrMapOvr>
-  <mc:AlternateContent xmlns:mc="http://schemas.openxmlformats.org/markup-compatibility/2006" xmlns:p14="http://schemas.microsoft.com/office/powerpoint/2010/main">
-    <mc:Choice Requires="p14">
-      <p:transition spd="med" p14:dur="700">
-        <p:fade/>
-      </p:transition>
-    </mc:Choice>
-    <mc:Fallback xmlns="">
-      <p:transition spd="med">
-        <p:fade/>
-      </p:transition>
-    </mc:Fallback>
-  </mc:AlternateContent>
-</p:sld>
-</file>
-
-<file path=ppt/slides/slide3.xml><?xml version="1.0" encoding="utf-8"?>
-<p:sld xmlns:a="http://schemas.openxmlformats.org/drawingml/2006/main" xmlns:r="http://schemas.openxmlformats.org/officeDocument/2006/relationships" xmlns:p="http://schemas.openxmlformats.org/presentationml/2006/main">
-  <p:cSld>
-    <p:spTree>
-      <p:nvGrpSpPr>
-        <p:cNvPr id="1" name=""/>
-        <p:cNvGrpSpPr/>
-        <p:nvPr/>
-      </p:nvGrpSpPr>
-      <p:grpSpPr>
-        <a:xfrm>
-          <a:off x="0" y="0"/>
-          <a:ext cx="0" cy="0"/>
-          <a:chOff x="0" y="0"/>
-          <a:chExt cx="0" cy="0"/>
-        </a:xfrm>
-      </p:grpSpPr>
-      <p:sp>
-        <p:nvSpPr>
-          <p:cNvPr id="2" name="Titel 1">
-            <a:extLst>
-              <a:ext uri="{FF2B5EF4-FFF2-40B4-BE49-F238E27FC236}">
-                <a16:creationId xmlns:a16="http://schemas.microsoft.com/office/drawing/2014/main" id="{F3B1DF59-7C47-4EAD-A8D4-6FEE48239861}"/>
-              </a:ext>
-            </a:extLst>
-          </p:cNvPr>
-          <p:cNvSpPr>
-            <a:spLocks noGrp="1"/>
-          </p:cNvSpPr>
-          <p:nvPr>
-            <p:ph type="title"/>
-          </p:nvPr>
-        </p:nvSpPr>
-        <p:spPr/>
-        <p:txBody>
-          <a:bodyPr/>
-          <a:lstStyle/>
-          <a:p>
-            <a:r>
-              <a:rPr lang="de-DE" dirty="0"/>
-              <a:t>Aufgabenstellung</a:t>
-            </a:r>
-          </a:p>
-        </p:txBody>
-      </p:sp>
-      <p:sp>
-        <p:nvSpPr>
-          <p:cNvPr id="3" name="Textplatzhalter 2">
-            <a:extLst>
-              <a:ext uri="{FF2B5EF4-FFF2-40B4-BE49-F238E27FC236}">
-                <a16:creationId xmlns:a16="http://schemas.microsoft.com/office/drawing/2014/main" id="{8A570CE4-75B5-4BE5-A5BD-57563AA286D8}"/>
-              </a:ext>
-            </a:extLst>
-          </p:cNvPr>
-          <p:cNvSpPr>
-            <a:spLocks noGrp="1"/>
-          </p:cNvSpPr>
-          <p:nvPr>
-            <p:ph type="body" sz="quarter" idx="10"/>
-          </p:nvPr>
-        </p:nvSpPr>
-        <p:spPr>
-          <a:xfrm>
-            <a:off x="519112" y="1370525"/>
-            <a:ext cx="11149013" cy="4570482"/>
-          </a:xfrm>
-        </p:spPr>
-        <p:txBody>
-          <a:bodyPr/>
-          <a:lstStyle/>
-          <a:p>
-            <a:pPr marL="574675" indent="-571500">
-              <a:buFont typeface="Arial" panose="020B0604020202020204" pitchFamily="34" charset="0"/>
-              <a:buChar char="•"/>
-            </a:pPr>
-            <a:r>
-              <a:rPr lang="de-DE" dirty="0"/>
-              <a:t>Bodenfeuchtigkeit von 3 Weinbergen überwachen</a:t>
-            </a:r>
-          </a:p>
-          <a:p>
-            <a:pPr marL="574675" indent="-571500">
-              <a:buFont typeface="Arial" panose="020B0604020202020204" pitchFamily="34" charset="0"/>
-              <a:buChar char="•"/>
-            </a:pPr>
-            <a:r>
-              <a:rPr lang="de-DE" dirty="0"/>
-              <a:t>Ca. 3000 Sensoren </a:t>
-            </a:r>
-          </a:p>
-          <a:p>
-            <a:pPr marL="574675" indent="-571500">
-              <a:buFont typeface="Arial" panose="020B0604020202020204" pitchFamily="34" charset="0"/>
-              <a:buChar char="•"/>
-            </a:pPr>
-            <a:r>
-              <a:rPr lang="de-DE" dirty="0"/>
-              <a:t>Unterschreiten mehr als 200 einen Schwellwert</a:t>
-            </a:r>
-          </a:p>
-          <a:p>
-            <a:r>
-              <a:rPr lang="de-DE" dirty="0">
-                <a:solidFill>
-                  <a:srgbClr val="FFFFFF"/>
-                </a:solidFill>
-                <a:cs typeface="Segoe UI Light" panose="020B0502040204020203" pitchFamily="34" charset="0"/>
-                <a:sym typeface="Wingdings" panose="05000000000000000000" pitchFamily="2" charset="2"/>
-              </a:rPr>
-              <a:t>     	  </a:t>
-            </a:r>
-            <a:r>
-              <a:rPr lang="de-DE" dirty="0">
-                <a:solidFill>
-                  <a:srgbClr val="FFFFFF"/>
-                </a:solidFill>
-                <a:latin typeface="Segoe UI Light" panose="020B0502040204020203" pitchFamily="34" charset="0"/>
-                <a:cs typeface="Segoe UI Light" panose="020B0502040204020203" pitchFamily="34" charset="0"/>
-                <a:sym typeface="Wingdings" panose="05000000000000000000" pitchFamily="2" charset="2"/>
-              </a:rPr>
-              <a:t></a:t>
-            </a:r>
-            <a:r>
-              <a:rPr lang="de-DE" dirty="0">
-                <a:solidFill>
-                  <a:srgbClr val="FFFFFF"/>
-                </a:solidFill>
-                <a:latin typeface="Segoe UI Light" panose="020B0502040204020203" pitchFamily="34" charset="0"/>
-                <a:cs typeface="Segoe UI Light" panose="020B0502040204020203" pitchFamily="34" charset="0"/>
-              </a:rPr>
-              <a:t>Aufforderung zur Bewässerung</a:t>
-            </a:r>
-          </a:p>
-          <a:p>
-            <a:pPr marL="574675" indent="-571500">
-              <a:buFont typeface="Arial" panose="020B0604020202020204" pitchFamily="34" charset="0"/>
-              <a:buChar char="•"/>
-            </a:pPr>
-            <a:r>
-              <a:rPr lang="de-DE" dirty="0"/>
-              <a:t>Raspberry Pi für Sensoranbindung</a:t>
-            </a:r>
-          </a:p>
-          <a:p>
-            <a:pPr marL="574675" indent="-571500">
-              <a:buFont typeface="Arial" panose="020B0604020202020204" pitchFamily="34" charset="0"/>
-              <a:buChar char="•"/>
-            </a:pPr>
-            <a:r>
-              <a:rPr lang="de-DE" dirty="0"/>
-              <a:t>Azure </a:t>
-            </a:r>
-            <a:r>
-              <a:rPr lang="de-DE" dirty="0" err="1"/>
-              <a:t>IoT</a:t>
-            </a:r>
-            <a:r>
-              <a:rPr lang="de-DE" dirty="0"/>
-              <a:t> Hub als Backend</a:t>
-            </a:r>
-          </a:p>
-          <a:p>
-            <a:endParaRPr lang="de-DE" dirty="0"/>
-          </a:p>
-        </p:txBody>
-      </p:sp>
-    </p:spTree>
-    <p:extLst>
-      <p:ext uri="{BB962C8B-B14F-4D97-AF65-F5344CB8AC3E}">
-        <p14:creationId xmlns:p14="http://schemas.microsoft.com/office/powerpoint/2010/main" val="1180156787"/>
-      </p:ext>
-    </p:extLst>
-  </p:cSld>
-  <p:clrMapOvr>
-    <a:masterClrMapping/>
-  </p:clrMapOvr>
-  <p:transition>
-    <p:fade/>
-  </p:transition>
-</p:sld>
-</file>
-
-<file path=ppt/slides/slide4.xml><?xml version="1.0" encoding="utf-8"?>
-<p:sld xmlns:a="http://schemas.openxmlformats.org/drawingml/2006/main" xmlns:r="http://schemas.openxmlformats.org/officeDocument/2006/relationships" xmlns:p="http://schemas.openxmlformats.org/presentationml/2006/main">
-  <p:cSld>
-    <p:spTree>
-      <p:nvGrpSpPr>
-        <p:cNvPr id="1" name=""/>
-        <p:cNvGrpSpPr/>
-        <p:nvPr/>
-      </p:nvGrpSpPr>
-      <p:grpSpPr>
-        <a:xfrm>
-          <a:off x="0" y="0"/>
-          <a:ext cx="0" cy="0"/>
-          <a:chOff x="0" y="0"/>
-          <a:chExt cx="0" cy="0"/>
-        </a:xfrm>
-      </p:grpSpPr>
-      <p:sp>
-        <p:nvSpPr>
-          <p:cNvPr id="2" name="Titel 1">
-            <a:extLst>
-              <a:ext uri="{FF2B5EF4-FFF2-40B4-BE49-F238E27FC236}">
                 <a16:creationId xmlns:a16="http://schemas.microsoft.com/office/drawing/2014/main" id="{F3B1DF59-7C47-4EAD-A8D4-6FEE48239861}"/>
               </a:ext>
             </a:extLst>
@@ -7536,7 +6668,7 @@
 </p:sld>
 </file>
 
-<file path=ppt/slides/slide5.xml><?xml version="1.0" encoding="utf-8"?>
+<file path=ppt/slides/slide11.xml><?xml version="1.0" encoding="utf-8"?>
 <p:sld xmlns:a="http://schemas.openxmlformats.org/drawingml/2006/main" xmlns:r="http://schemas.openxmlformats.org/officeDocument/2006/relationships" xmlns:p="http://schemas.openxmlformats.org/presentationml/2006/main">
   <p:cSld>
     <p:spTree>
@@ -8723,7 +7855,2248 @@
 </p:sld>
 </file>
 
-<file path=ppt/slides/slide6.xml><?xml version="1.0" encoding="utf-8"?>
+<file path=ppt/slides/slide12.xml><?xml version="1.0" encoding="utf-8"?>
+<p:sld xmlns:a="http://schemas.openxmlformats.org/drawingml/2006/main" xmlns:r="http://schemas.openxmlformats.org/officeDocument/2006/relationships" xmlns:p="http://schemas.openxmlformats.org/presentationml/2006/main">
+  <p:cSld>
+    <p:spTree>
+      <p:nvGrpSpPr>
+        <p:cNvPr id="1" name=""/>
+        <p:cNvGrpSpPr/>
+        <p:nvPr/>
+      </p:nvGrpSpPr>
+      <p:grpSpPr>
+        <a:xfrm>
+          <a:off x="0" y="0"/>
+          <a:ext cx="0" cy="0"/>
+          <a:chOff x="0" y="0"/>
+          <a:chExt cx="0" cy="0"/>
+        </a:xfrm>
+      </p:grpSpPr>
+      <p:sp>
+        <p:nvSpPr>
+          <p:cNvPr id="2" name="Titel 1">
+            <a:extLst>
+              <a:ext uri="{FF2B5EF4-FFF2-40B4-BE49-F238E27FC236}">
+                <a16:creationId xmlns:a16="http://schemas.microsoft.com/office/drawing/2014/main" id="{1282CDCF-E5FF-4C0F-8AA4-5099B2384E86}"/>
+              </a:ext>
+            </a:extLst>
+          </p:cNvPr>
+          <p:cNvSpPr>
+            <a:spLocks noGrp="1"/>
+          </p:cNvSpPr>
+          <p:nvPr>
+            <p:ph type="title"/>
+          </p:nvPr>
+        </p:nvSpPr>
+        <p:spPr/>
+        <p:txBody>
+          <a:bodyPr/>
+          <a:lstStyle/>
+          <a:p>
+            <a:r>
+              <a:rPr lang="de-DE" dirty="0"/>
+              <a:t>Raspberry Pi</a:t>
+            </a:r>
+          </a:p>
+        </p:txBody>
+      </p:sp>
+      <p:sp>
+        <p:nvSpPr>
+          <p:cNvPr id="3" name="Textplatzhalter 2">
+            <a:extLst>
+              <a:ext uri="{FF2B5EF4-FFF2-40B4-BE49-F238E27FC236}">
+                <a16:creationId xmlns:a16="http://schemas.microsoft.com/office/drawing/2014/main" id="{D2712A2F-A09F-4EE8-A53D-29660C19CD0F}"/>
+              </a:ext>
+            </a:extLst>
+          </p:cNvPr>
+          <p:cNvSpPr>
+            <a:spLocks noGrp="1"/>
+          </p:cNvSpPr>
+          <p:nvPr>
+            <p:ph type="body" sz="quarter" idx="10"/>
+          </p:nvPr>
+        </p:nvSpPr>
+        <p:spPr>
+          <a:xfrm>
+            <a:off x="519112" y="1370525"/>
+            <a:ext cx="11149013" cy="4208844"/>
+          </a:xfrm>
+        </p:spPr>
+        <p:txBody>
+          <a:bodyPr/>
+          <a:lstStyle/>
+          <a:p>
+            <a:pPr marL="574560" indent="-570960">
+              <a:lnSpc>
+                <a:spcPct val="100000"/>
+              </a:lnSpc>
+              <a:buSzPct val="45000"/>
+              <a:buFont typeface="Symbol"/>
+              <a:buChar char=""/>
+            </a:pPr>
+            <a:r>
+              <a:rPr lang="de-DE" spc="-94" dirty="0">
+                <a:solidFill>
+                  <a:srgbClr val="FFFFFF"/>
+                </a:solidFill>
+                <a:uFill>
+                  <a:solidFill>
+                    <a:srgbClr val="FFFFFF"/>
+                  </a:solidFill>
+                </a:uFill>
+                <a:latin typeface="Segoe UI Light"/>
+              </a:rPr>
+              <a:t>Implementierung in Python </a:t>
+            </a:r>
+            <a:endParaRPr lang="de-DE" sz="1800" spc="-1" dirty="0">
+              <a:solidFill>
+                <a:srgbClr val="000000"/>
+              </a:solidFill>
+              <a:uFill>
+                <a:solidFill>
+                  <a:srgbClr val="FFFFFF"/>
+                </a:solidFill>
+              </a:uFill>
+              <a:latin typeface="Arial"/>
+            </a:endParaRPr>
+          </a:p>
+          <a:p>
+            <a:pPr marL="574560" indent="-570960">
+              <a:lnSpc>
+                <a:spcPct val="100000"/>
+              </a:lnSpc>
+              <a:buSzPct val="45000"/>
+              <a:buFont typeface="Symbol"/>
+              <a:buChar char=""/>
+            </a:pPr>
+            <a:r>
+              <a:rPr lang="de-DE" spc="-94" dirty="0">
+                <a:solidFill>
+                  <a:srgbClr val="FFFFFF"/>
+                </a:solidFill>
+                <a:uFill>
+                  <a:solidFill>
+                    <a:srgbClr val="FFFFFF"/>
+                  </a:solidFill>
+                </a:uFill>
+                <a:latin typeface="Segoe UI Light"/>
+              </a:rPr>
+              <a:t>Linux </a:t>
+            </a:r>
+            <a:r>
+              <a:rPr lang="de-DE" spc="-94" dirty="0" err="1">
+                <a:solidFill>
+                  <a:srgbClr val="FFFFFF"/>
+                </a:solidFill>
+                <a:uFill>
+                  <a:solidFill>
+                    <a:srgbClr val="FFFFFF"/>
+                  </a:solidFill>
+                </a:uFill>
+                <a:latin typeface="Segoe UI Light"/>
+              </a:rPr>
+              <a:t>Spidev</a:t>
+            </a:r>
+            <a:r>
+              <a:rPr lang="de-DE" spc="-94" dirty="0">
+                <a:solidFill>
+                  <a:srgbClr val="FFFFFF"/>
+                </a:solidFill>
+                <a:uFill>
+                  <a:solidFill>
+                    <a:srgbClr val="FFFFFF"/>
+                  </a:solidFill>
+                </a:uFill>
+                <a:latin typeface="Segoe UI Light"/>
+              </a:rPr>
+              <a:t> Treiber</a:t>
+            </a:r>
+            <a:endParaRPr lang="de-DE" sz="1800" spc="-1" dirty="0">
+              <a:solidFill>
+                <a:srgbClr val="000000"/>
+              </a:solidFill>
+              <a:uFill>
+                <a:solidFill>
+                  <a:srgbClr val="FFFFFF"/>
+                </a:solidFill>
+              </a:uFill>
+              <a:latin typeface="Arial"/>
+            </a:endParaRPr>
+          </a:p>
+          <a:p>
+            <a:pPr marL="574560" indent="-570960">
+              <a:lnSpc>
+                <a:spcPct val="100000"/>
+              </a:lnSpc>
+              <a:buSzPct val="45000"/>
+              <a:buFont typeface="Symbol"/>
+              <a:buChar char=""/>
+            </a:pPr>
+            <a:r>
+              <a:rPr lang="de-DE" spc="-94" dirty="0">
+                <a:solidFill>
+                  <a:srgbClr val="FFFFFF"/>
+                </a:solidFill>
+                <a:uFill>
+                  <a:solidFill>
+                    <a:srgbClr val="FFFFFF"/>
+                  </a:solidFill>
+                </a:uFill>
+                <a:latin typeface="Segoe UI Light"/>
+              </a:rPr>
+              <a:t>Azure SDK </a:t>
+            </a:r>
+            <a:r>
+              <a:rPr lang="de-DE" spc="-94" dirty="0" err="1">
+                <a:solidFill>
+                  <a:srgbClr val="FFFFFF"/>
+                </a:solidFill>
+                <a:uFill>
+                  <a:solidFill>
+                    <a:srgbClr val="FFFFFF"/>
+                  </a:solidFill>
+                </a:uFill>
+                <a:latin typeface="Segoe UI Light"/>
+              </a:rPr>
+              <a:t>for</a:t>
+            </a:r>
+            <a:r>
+              <a:rPr lang="de-DE" spc="-94" dirty="0">
+                <a:solidFill>
+                  <a:srgbClr val="FFFFFF"/>
+                </a:solidFill>
+                <a:uFill>
+                  <a:solidFill>
+                    <a:srgbClr val="FFFFFF"/>
+                  </a:solidFill>
+                </a:uFill>
+                <a:latin typeface="Segoe UI Light"/>
+              </a:rPr>
+              <a:t> Python</a:t>
+            </a:r>
+            <a:endParaRPr lang="de-DE" sz="1800" spc="-1" dirty="0">
+              <a:solidFill>
+                <a:srgbClr val="000000"/>
+              </a:solidFill>
+              <a:uFill>
+                <a:solidFill>
+                  <a:srgbClr val="FFFFFF"/>
+                </a:solidFill>
+              </a:uFill>
+              <a:latin typeface="Arial"/>
+            </a:endParaRPr>
+          </a:p>
+          <a:p>
+            <a:pPr marL="574560" indent="-570960">
+              <a:lnSpc>
+                <a:spcPct val="100000"/>
+              </a:lnSpc>
+              <a:buSzPct val="45000"/>
+              <a:buFont typeface="Symbol"/>
+              <a:buChar char=""/>
+            </a:pPr>
+            <a:r>
+              <a:rPr lang="de-DE" spc="-94" dirty="0">
+                <a:solidFill>
+                  <a:srgbClr val="FFFFFF"/>
+                </a:solidFill>
+                <a:uFill>
+                  <a:solidFill>
+                    <a:srgbClr val="FFFFFF"/>
+                  </a:solidFill>
+                </a:uFill>
+                <a:latin typeface="Segoe UI Light"/>
+              </a:rPr>
+              <a:t>MQTT Protocol</a:t>
+            </a:r>
+            <a:endParaRPr lang="de-DE" sz="1800" spc="-1" dirty="0">
+              <a:solidFill>
+                <a:srgbClr val="000000"/>
+              </a:solidFill>
+              <a:uFill>
+                <a:solidFill>
+                  <a:srgbClr val="FFFFFF"/>
+                </a:solidFill>
+              </a:uFill>
+              <a:latin typeface="Arial"/>
+            </a:endParaRPr>
+          </a:p>
+          <a:p>
+            <a:pPr marL="574560" indent="-570960">
+              <a:lnSpc>
+                <a:spcPct val="100000"/>
+              </a:lnSpc>
+              <a:buSzPct val="45000"/>
+              <a:buFont typeface="Symbol"/>
+              <a:buChar char=""/>
+            </a:pPr>
+            <a:r>
+              <a:rPr lang="de-DE" spc="-94" dirty="0">
+                <a:solidFill>
+                  <a:srgbClr val="FFFFFF"/>
+                </a:solidFill>
+                <a:uFill>
+                  <a:solidFill>
+                    <a:srgbClr val="FFFFFF"/>
+                  </a:solidFill>
+                </a:uFill>
+                <a:latin typeface="Segoe UI Light"/>
+              </a:rPr>
+              <a:t>MCP3008 AD-Wandler</a:t>
+            </a:r>
+            <a:endParaRPr lang="de-DE" sz="1800" spc="-1" dirty="0">
+              <a:solidFill>
+                <a:srgbClr val="000000"/>
+              </a:solidFill>
+              <a:uFill>
+                <a:solidFill>
+                  <a:srgbClr val="FFFFFF"/>
+                </a:solidFill>
+              </a:uFill>
+              <a:latin typeface="Arial"/>
+            </a:endParaRPr>
+          </a:p>
+          <a:p>
+            <a:endParaRPr lang="de-DE" dirty="0"/>
+          </a:p>
+        </p:txBody>
+      </p:sp>
+    </p:spTree>
+    <p:extLst>
+      <p:ext uri="{BB962C8B-B14F-4D97-AF65-F5344CB8AC3E}">
+        <p14:creationId xmlns:p14="http://schemas.microsoft.com/office/powerpoint/2010/main" val="1234176067"/>
+      </p:ext>
+    </p:extLst>
+  </p:cSld>
+  <p:clrMapOvr>
+    <a:masterClrMapping/>
+  </p:clrMapOvr>
+  <p:transition>
+    <p:fade/>
+  </p:transition>
+</p:sld>
+</file>
+
+<file path=ppt/slides/slide13.xml><?xml version="1.0" encoding="utf-8"?>
+<p:sld xmlns:a="http://schemas.openxmlformats.org/drawingml/2006/main" xmlns:r="http://schemas.openxmlformats.org/officeDocument/2006/relationships" xmlns:p="http://schemas.openxmlformats.org/presentationml/2006/main">
+  <p:cSld>
+    <p:spTree>
+      <p:nvGrpSpPr>
+        <p:cNvPr id="1" name=""/>
+        <p:cNvGrpSpPr/>
+        <p:nvPr/>
+      </p:nvGrpSpPr>
+      <p:grpSpPr>
+        <a:xfrm>
+          <a:off x="0" y="0"/>
+          <a:ext cx="0" cy="0"/>
+          <a:chOff x="0" y="0"/>
+          <a:chExt cx="0" cy="0"/>
+        </a:xfrm>
+      </p:grpSpPr>
+      <p:sp>
+        <p:nvSpPr>
+          <p:cNvPr id="2" name="Titel 1">
+            <a:extLst>
+              <a:ext uri="{FF2B5EF4-FFF2-40B4-BE49-F238E27FC236}">
+                <a16:creationId xmlns:a16="http://schemas.microsoft.com/office/drawing/2014/main" id="{56E7ECC2-D056-4AC5-9794-77DC97DA4DA1}"/>
+              </a:ext>
+            </a:extLst>
+          </p:cNvPr>
+          <p:cNvSpPr>
+            <a:spLocks noGrp="1"/>
+          </p:cNvSpPr>
+          <p:nvPr>
+            <p:ph type="title"/>
+          </p:nvPr>
+        </p:nvSpPr>
+        <p:spPr>
+          <a:xfrm>
+            <a:off x="519112" y="402776"/>
+            <a:ext cx="11149013" cy="747897"/>
+          </a:xfrm>
+        </p:spPr>
+        <p:txBody>
+          <a:bodyPr/>
+          <a:lstStyle/>
+          <a:p>
+            <a:r>
+              <a:rPr lang="de-DE" dirty="0"/>
+              <a:t>Raspberry Pi</a:t>
+            </a:r>
+          </a:p>
+        </p:txBody>
+      </p:sp>
+      <p:sp>
+        <p:nvSpPr>
+          <p:cNvPr id="3" name="Textplatzhalter 2">
+            <a:extLst>
+              <a:ext uri="{FF2B5EF4-FFF2-40B4-BE49-F238E27FC236}">
+                <a16:creationId xmlns:a16="http://schemas.microsoft.com/office/drawing/2014/main" id="{2B3C8135-AD39-4DDA-A1F9-289D5723E6DD}"/>
+              </a:ext>
+            </a:extLst>
+          </p:cNvPr>
+          <p:cNvSpPr>
+            <a:spLocks noGrp="1"/>
+          </p:cNvSpPr>
+          <p:nvPr>
+            <p:ph type="body" sz="quarter" idx="10"/>
+          </p:nvPr>
+        </p:nvSpPr>
+        <p:spPr>
+          <a:xfrm>
+            <a:off x="519112" y="1370525"/>
+            <a:ext cx="11149013" cy="4154984"/>
+          </a:xfrm>
+        </p:spPr>
+        <p:txBody>
+          <a:bodyPr/>
+          <a:lstStyle/>
+          <a:p>
+            <a:pPr marL="574560" indent="-570960">
+              <a:lnSpc>
+                <a:spcPct val="100000"/>
+              </a:lnSpc>
+              <a:buFont typeface="Arial"/>
+              <a:buChar char="•"/>
+            </a:pPr>
+            <a:r>
+              <a:rPr lang="de-DE" spc="-94" dirty="0">
+                <a:solidFill>
+                  <a:srgbClr val="FFFFFF"/>
+                </a:solidFill>
+                <a:uFill>
+                  <a:solidFill>
+                    <a:srgbClr val="FFFFFF"/>
+                  </a:solidFill>
+                </a:uFill>
+                <a:latin typeface="Segoe UI Light"/>
+              </a:rPr>
+              <a:t>Feuchtigkeitswert wird </a:t>
+            </a:r>
+            <a:r>
+              <a:rPr lang="de-DE" spc="-94" dirty="0" err="1">
+                <a:solidFill>
+                  <a:srgbClr val="FFFFFF"/>
+                </a:solidFill>
+                <a:uFill>
+                  <a:solidFill>
+                    <a:srgbClr val="FFFFFF"/>
+                  </a:solidFill>
+                </a:uFill>
+                <a:latin typeface="Segoe UI Light"/>
+              </a:rPr>
+              <a:t>ausgelsen</a:t>
+            </a:r>
+            <a:r>
+              <a:rPr lang="de-DE" spc="-94" dirty="0">
+                <a:solidFill>
+                  <a:srgbClr val="FFFFFF"/>
+                </a:solidFill>
+                <a:uFill>
+                  <a:solidFill>
+                    <a:srgbClr val="FFFFFF"/>
+                  </a:solidFill>
+                </a:uFill>
+                <a:latin typeface="Segoe UI Light"/>
+              </a:rPr>
+              <a:t> </a:t>
+            </a:r>
+            <a:endParaRPr lang="de-DE" sz="1800" spc="-1" dirty="0">
+              <a:solidFill>
+                <a:srgbClr val="000000"/>
+              </a:solidFill>
+              <a:uFill>
+                <a:solidFill>
+                  <a:srgbClr val="FFFFFF"/>
+                </a:solidFill>
+              </a:uFill>
+              <a:latin typeface="Arial"/>
+            </a:endParaRPr>
+          </a:p>
+          <a:p>
+            <a:pPr marL="574560" indent="-570960">
+              <a:lnSpc>
+                <a:spcPct val="100000"/>
+              </a:lnSpc>
+              <a:buFont typeface="Arial"/>
+              <a:buChar char="•"/>
+            </a:pPr>
+            <a:r>
+              <a:rPr lang="de-DE" spc="-94" dirty="0">
+                <a:solidFill>
+                  <a:srgbClr val="FFFFFF"/>
+                </a:solidFill>
+                <a:uFill>
+                  <a:solidFill>
+                    <a:srgbClr val="FFFFFF"/>
+                  </a:solidFill>
+                </a:uFill>
+                <a:latin typeface="Segoe UI Light"/>
+              </a:rPr>
+              <a:t>Wert wird als Prozentwert berechnet</a:t>
+            </a:r>
+            <a:endParaRPr lang="de-DE" sz="1800" spc="-1" dirty="0">
+              <a:solidFill>
+                <a:srgbClr val="000000"/>
+              </a:solidFill>
+              <a:uFill>
+                <a:solidFill>
+                  <a:srgbClr val="FFFFFF"/>
+                </a:solidFill>
+              </a:uFill>
+              <a:latin typeface="Arial"/>
+            </a:endParaRPr>
+          </a:p>
+          <a:p>
+            <a:pPr marL="574560" indent="-570960">
+              <a:lnSpc>
+                <a:spcPct val="100000"/>
+              </a:lnSpc>
+              <a:buFont typeface="Arial"/>
+              <a:buChar char="•"/>
+            </a:pPr>
+            <a:r>
+              <a:rPr lang="de-DE" spc="-94" dirty="0">
+                <a:solidFill>
+                  <a:srgbClr val="FFFFFF"/>
+                </a:solidFill>
+                <a:uFill>
+                  <a:solidFill>
+                    <a:srgbClr val="FFFFFF"/>
+                  </a:solidFill>
+                </a:uFill>
+                <a:latin typeface="Segoe UI Light"/>
+              </a:rPr>
+              <a:t>Verbindung wird mit den Connection String aufgebaut</a:t>
+            </a:r>
+            <a:endParaRPr lang="de-DE" sz="1800" spc="-1" dirty="0">
+              <a:solidFill>
+                <a:srgbClr val="000000"/>
+              </a:solidFill>
+              <a:uFill>
+                <a:solidFill>
+                  <a:srgbClr val="FFFFFF"/>
+                </a:solidFill>
+              </a:uFill>
+              <a:latin typeface="Arial"/>
+            </a:endParaRPr>
+          </a:p>
+          <a:p>
+            <a:pPr marL="574560" indent="-570960">
+              <a:lnSpc>
+                <a:spcPct val="100000"/>
+              </a:lnSpc>
+              <a:buFont typeface="Arial"/>
+              <a:buChar char="•"/>
+            </a:pPr>
+            <a:r>
+              <a:rPr lang="de-DE" spc="-94" dirty="0">
+                <a:solidFill>
+                  <a:srgbClr val="FFFFFF"/>
+                </a:solidFill>
+                <a:uFill>
+                  <a:solidFill>
+                    <a:srgbClr val="FFFFFF"/>
+                  </a:solidFill>
+                </a:uFill>
+                <a:latin typeface="Segoe UI Light"/>
+              </a:rPr>
+              <a:t>Senden des Wertes als JSON </a:t>
+            </a:r>
+            <a:r>
+              <a:rPr lang="de-DE" spc="-94" dirty="0" err="1">
+                <a:solidFill>
+                  <a:srgbClr val="FFFFFF"/>
+                </a:solidFill>
+                <a:uFill>
+                  <a:solidFill>
+                    <a:srgbClr val="FFFFFF"/>
+                  </a:solidFill>
+                </a:uFill>
+                <a:latin typeface="Segoe UI Light"/>
+              </a:rPr>
+              <a:t>Object</a:t>
+            </a:r>
+            <a:r>
+              <a:rPr lang="de-DE" spc="-94" dirty="0">
+                <a:solidFill>
+                  <a:srgbClr val="FFFFFF"/>
+                </a:solidFill>
+                <a:uFill>
+                  <a:solidFill>
+                    <a:srgbClr val="FFFFFF"/>
+                  </a:solidFill>
+                </a:uFill>
+                <a:latin typeface="Segoe UI Light"/>
+              </a:rPr>
+              <a:t> zum </a:t>
+            </a:r>
+            <a:r>
+              <a:rPr lang="de-DE" spc="-94" dirty="0" err="1">
+                <a:solidFill>
+                  <a:srgbClr val="FFFFFF"/>
+                </a:solidFill>
+                <a:uFill>
+                  <a:solidFill>
+                    <a:srgbClr val="FFFFFF"/>
+                  </a:solidFill>
+                </a:uFill>
+                <a:latin typeface="Segoe UI Light"/>
+              </a:rPr>
+              <a:t>Iot</a:t>
+            </a:r>
+            <a:r>
+              <a:rPr lang="de-DE" spc="-94" dirty="0">
+                <a:solidFill>
+                  <a:srgbClr val="FFFFFF"/>
+                </a:solidFill>
+                <a:uFill>
+                  <a:solidFill>
+                    <a:srgbClr val="FFFFFF"/>
+                  </a:solidFill>
+                </a:uFill>
+                <a:latin typeface="Segoe UI Light"/>
+              </a:rPr>
+              <a:t> Hub </a:t>
+            </a:r>
+            <a:endParaRPr lang="de-DE" sz="1800" spc="-1" dirty="0">
+              <a:solidFill>
+                <a:srgbClr val="000000"/>
+              </a:solidFill>
+              <a:uFill>
+                <a:solidFill>
+                  <a:srgbClr val="FFFFFF"/>
+                </a:solidFill>
+              </a:uFill>
+              <a:latin typeface="Arial"/>
+            </a:endParaRPr>
+          </a:p>
+          <a:p>
+            <a:pPr marL="574560" indent="-570960">
+              <a:lnSpc>
+                <a:spcPct val="100000"/>
+              </a:lnSpc>
+              <a:buFont typeface="Arial"/>
+              <a:buChar char="•"/>
+            </a:pPr>
+            <a:r>
+              <a:rPr lang="de-DE" spc="-94" dirty="0" err="1">
+                <a:solidFill>
+                  <a:srgbClr val="FFFFFF"/>
+                </a:solidFill>
+                <a:uFill>
+                  <a:solidFill>
+                    <a:srgbClr val="FFFFFF"/>
+                  </a:solidFill>
+                </a:uFill>
+                <a:latin typeface="Segoe UI Light"/>
+              </a:rPr>
+              <a:t>Zeitinterval</a:t>
+            </a:r>
+            <a:r>
+              <a:rPr lang="de-DE" spc="-94" dirty="0">
+                <a:solidFill>
+                  <a:srgbClr val="FFFFFF"/>
+                </a:solidFill>
+                <a:uFill>
+                  <a:solidFill>
+                    <a:srgbClr val="FFFFFF"/>
+                  </a:solidFill>
+                </a:uFill>
+                <a:latin typeface="Segoe UI Light"/>
+              </a:rPr>
+              <a:t> abwarten </a:t>
+            </a:r>
+            <a:endParaRPr lang="de-DE" sz="1800" spc="-1" dirty="0">
+              <a:solidFill>
+                <a:srgbClr val="000000"/>
+              </a:solidFill>
+              <a:uFill>
+                <a:solidFill>
+                  <a:srgbClr val="FFFFFF"/>
+                </a:solidFill>
+              </a:uFill>
+              <a:latin typeface="Arial"/>
+            </a:endParaRPr>
+          </a:p>
+        </p:txBody>
+      </p:sp>
+    </p:spTree>
+    <p:extLst>
+      <p:ext uri="{BB962C8B-B14F-4D97-AF65-F5344CB8AC3E}">
+        <p14:creationId xmlns:p14="http://schemas.microsoft.com/office/powerpoint/2010/main" val="4193839510"/>
+      </p:ext>
+    </p:extLst>
+  </p:cSld>
+  <p:clrMapOvr>
+    <a:masterClrMapping/>
+  </p:clrMapOvr>
+  <p:transition>
+    <p:fade/>
+  </p:transition>
+</p:sld>
+</file>
+
+<file path=ppt/slides/slide14.xml><?xml version="1.0" encoding="utf-8"?>
+<p:sld xmlns:a="http://schemas.openxmlformats.org/drawingml/2006/main" xmlns:r="http://schemas.openxmlformats.org/officeDocument/2006/relationships" xmlns:p="http://schemas.openxmlformats.org/presentationml/2006/main">
+  <p:cSld>
+    <p:spTree>
+      <p:nvGrpSpPr>
+        <p:cNvPr id="1" name=""/>
+        <p:cNvGrpSpPr/>
+        <p:nvPr/>
+      </p:nvGrpSpPr>
+      <p:grpSpPr>
+        <a:xfrm>
+          <a:off x="0" y="0"/>
+          <a:ext cx="0" cy="0"/>
+          <a:chOff x="0" y="0"/>
+          <a:chExt cx="0" cy="0"/>
+        </a:xfrm>
+      </p:grpSpPr>
+      <p:pic>
+        <p:nvPicPr>
+          <p:cNvPr id="6" name="Picture 1">
+            <a:extLst>
+              <a:ext uri="{FF2B5EF4-FFF2-40B4-BE49-F238E27FC236}">
+                <a16:creationId xmlns:a16="http://schemas.microsoft.com/office/drawing/2014/main" id="{936D8FB5-2172-4CC8-A3FC-09F04E71CE8F}"/>
+              </a:ext>
+            </a:extLst>
+          </p:cNvPr>
+          <p:cNvPicPr>
+            <a:picLocks noChangeAspect="1"/>
+          </p:cNvPicPr>
+          <p:nvPr/>
+        </p:nvPicPr>
+        <p:blipFill>
+          <a:blip r:embed="rId2" cstate="print">
+            <a:extLst>
+              <a:ext uri="{28A0092B-C50C-407E-A947-70E740481C1C}">
+                <a14:useLocalDpi xmlns:a14="http://schemas.microsoft.com/office/drawing/2010/main" val="0"/>
+              </a:ext>
+            </a:extLst>
+          </a:blip>
+          <a:stretch>
+            <a:fillRect/>
+          </a:stretch>
+        </p:blipFill>
+        <p:spPr>
+          <a:xfrm>
+            <a:off x="9312686" y="1785087"/>
+            <a:ext cx="972000" cy="972000"/>
+          </a:xfrm>
+          <a:prstGeom prst="rect">
+            <a:avLst/>
+          </a:prstGeom>
+        </p:spPr>
+      </p:pic>
+      <p:sp>
+        <p:nvSpPr>
+          <p:cNvPr id="3" name="Flussdiagramm: Verbinder zu einer anderen Seite 2">
+            <a:extLst>
+              <a:ext uri="{FF2B5EF4-FFF2-40B4-BE49-F238E27FC236}">
+                <a16:creationId xmlns:a16="http://schemas.microsoft.com/office/drawing/2014/main" id="{A8FE2DC5-0295-48C6-9CAD-3E958CFD6C43}"/>
+              </a:ext>
+            </a:extLst>
+          </p:cNvPr>
+          <p:cNvSpPr/>
+          <p:nvPr/>
+        </p:nvSpPr>
+        <p:spPr bwMode="auto">
+          <a:xfrm rot="16200000">
+            <a:off x="5439403" y="2389792"/>
+            <a:ext cx="827018" cy="1176400"/>
+          </a:xfrm>
+          <a:prstGeom prst="flowChartOffpageConnector">
+            <a:avLst/>
+          </a:prstGeom>
+          <a:solidFill>
+            <a:srgbClr val="FFFFFF">
+              <a:alpha val="79000"/>
+            </a:srgbClr>
+          </a:solidFill>
+          <a:ln>
+            <a:noFill/>
+            <a:headEnd type="none" w="med" len="med"/>
+            <a:tailEnd type="none" w="med" len="med"/>
+          </a:ln>
+          <a:effectLst/>
+        </p:spPr>
+        <p:style>
+          <a:lnRef idx="1">
+            <a:schemeClr val="accent2"/>
+          </a:lnRef>
+          <a:fillRef idx="3">
+            <a:schemeClr val="accent2"/>
+          </a:fillRef>
+          <a:effectRef idx="2">
+            <a:schemeClr val="accent2"/>
+          </a:effectRef>
+          <a:fontRef idx="minor">
+            <a:schemeClr val="lt1"/>
+          </a:fontRef>
+        </p:style>
+        <p:txBody>
+          <a:bodyPr vert="horz" wrap="square" lIns="91436" tIns="45718" rIns="91436" bIns="45718" numCol="1" rtlCol="0" anchor="ctr" anchorCtr="0" compatLnSpc="1">
+            <a:prstTxWarp prst="textNoShape">
+              <a:avLst/>
+            </a:prstTxWarp>
+          </a:bodyPr>
+          <a:lstStyle/>
+          <a:p>
+            <a:pPr algn="ctr" defTabSz="914099" fontAlgn="base">
+              <a:spcBef>
+                <a:spcPct val="0"/>
+              </a:spcBef>
+              <a:spcAft>
+                <a:spcPct val="0"/>
+              </a:spcAft>
+            </a:pPr>
+            <a:endParaRPr lang="de-DE" sz="2200" dirty="0">
+              <a:gradFill>
+                <a:gsLst>
+                  <a:gs pos="0">
+                    <a:srgbClr val="FFFFFF"/>
+                  </a:gs>
+                  <a:gs pos="100000">
+                    <a:srgbClr val="FFFFFF"/>
+                  </a:gs>
+                </a:gsLst>
+                <a:lin ang="5400000" scaled="0"/>
+              </a:gradFill>
+            </a:endParaRPr>
+          </a:p>
+        </p:txBody>
+      </p:sp>
+      <p:pic>
+        <p:nvPicPr>
+          <p:cNvPr id="1026" name="Picture 2" descr="Bildergebnis für browser clipart">
+            <a:extLst>
+              <a:ext uri="{FF2B5EF4-FFF2-40B4-BE49-F238E27FC236}">
+                <a16:creationId xmlns:a16="http://schemas.microsoft.com/office/drawing/2014/main" id="{E01CADAA-C775-42CA-BB4C-507125BD3BAA}"/>
+              </a:ext>
+            </a:extLst>
+          </p:cNvPr>
+          <p:cNvPicPr>
+            <a:picLocks noChangeAspect="1" noChangeArrowheads="1"/>
+          </p:cNvPicPr>
+          <p:nvPr/>
+        </p:nvPicPr>
+        <p:blipFill>
+          <a:blip r:embed="rId3" cstate="print">
+            <a:extLst>
+              <a:ext uri="{BEBA8EAE-BF5A-486C-A8C5-ECC9F3942E4B}">
+                <a14:imgProps xmlns:a14="http://schemas.microsoft.com/office/drawing/2010/main">
+                  <a14:imgLayer r:embed="rId4">
+                    <a14:imgEffect>
+                      <a14:colorTemperature colorTemp="7200"/>
+                    </a14:imgEffect>
+                  </a14:imgLayer>
+                </a14:imgProps>
+              </a:ext>
+              <a:ext uri="{28A0092B-C50C-407E-A947-70E740481C1C}">
+                <a14:useLocalDpi xmlns:a14="http://schemas.microsoft.com/office/drawing/2010/main" val="0"/>
+              </a:ext>
+            </a:extLst>
+          </a:blip>
+          <a:srcRect/>
+          <a:stretch>
+            <a:fillRect/>
+          </a:stretch>
+        </p:blipFill>
+        <p:spPr bwMode="auto">
+          <a:xfrm>
+            <a:off x="7589383" y="4348865"/>
+            <a:ext cx="1149261" cy="1149261"/>
+          </a:xfrm>
+          <a:prstGeom prst="rect">
+            <a:avLst/>
+          </a:prstGeom>
+          <a:noFill/>
+          <a:effectLst>
+            <a:outerShdw blurRad="50800" dist="38100" dir="13500000" algn="br" rotWithShape="0">
+              <a:prstClr val="black">
+                <a:alpha val="40000"/>
+              </a:prstClr>
+            </a:outerShdw>
+          </a:effectLst>
+          <a:extLst>
+            <a:ext uri="{909E8E84-426E-40DD-AFC4-6F175D3DCCD1}">
+              <a14:hiddenFill xmlns:a14="http://schemas.microsoft.com/office/drawing/2010/main">
+                <a:solidFill>
+                  <a:srgbClr val="FFFFFF"/>
+                </a:solidFill>
+              </a14:hiddenFill>
+            </a:ext>
+          </a:extLst>
+        </p:spPr>
+      </p:pic>
+      <p:sp>
+        <p:nvSpPr>
+          <p:cNvPr id="22" name="Sechseck 21">
+            <a:extLst>
+              <a:ext uri="{FF2B5EF4-FFF2-40B4-BE49-F238E27FC236}">
+                <a16:creationId xmlns:a16="http://schemas.microsoft.com/office/drawing/2014/main" id="{D0570B96-90B9-4AEC-AEAA-0871FAC1E8BE}"/>
+              </a:ext>
+            </a:extLst>
+          </p:cNvPr>
+          <p:cNvSpPr/>
+          <p:nvPr/>
+        </p:nvSpPr>
+        <p:spPr bwMode="auto">
+          <a:xfrm>
+            <a:off x="8726501" y="2564482"/>
+            <a:ext cx="2101920" cy="827019"/>
+          </a:xfrm>
+          <a:prstGeom prst="hexagon">
+            <a:avLst/>
+          </a:prstGeom>
+          <a:solidFill>
+            <a:srgbClr val="FFFFFF">
+              <a:alpha val="79000"/>
+            </a:srgbClr>
+          </a:solidFill>
+          <a:ln>
+            <a:noFill/>
+            <a:headEnd type="none" w="med" len="med"/>
+            <a:tailEnd type="none" w="med" len="med"/>
+          </a:ln>
+          <a:effectLst/>
+        </p:spPr>
+        <p:style>
+          <a:lnRef idx="1">
+            <a:schemeClr val="accent2"/>
+          </a:lnRef>
+          <a:fillRef idx="3">
+            <a:schemeClr val="accent2"/>
+          </a:fillRef>
+          <a:effectRef idx="2">
+            <a:schemeClr val="accent2"/>
+          </a:effectRef>
+          <a:fontRef idx="minor">
+            <a:schemeClr val="lt1"/>
+          </a:fontRef>
+        </p:style>
+        <p:txBody>
+          <a:bodyPr vert="horz" wrap="square" lIns="91436" tIns="45718" rIns="91436" bIns="45718" numCol="1" rtlCol="0" anchor="ctr" anchorCtr="0" compatLnSpc="1">
+            <a:prstTxWarp prst="textNoShape">
+              <a:avLst/>
+            </a:prstTxWarp>
+          </a:bodyPr>
+          <a:lstStyle/>
+          <a:p>
+            <a:pPr algn="ctr" defTabSz="914099" fontAlgn="base">
+              <a:spcBef>
+                <a:spcPct val="0"/>
+              </a:spcBef>
+              <a:spcAft>
+                <a:spcPct val="0"/>
+              </a:spcAft>
+            </a:pPr>
+            <a:endParaRPr lang="de-DE" sz="2200" dirty="0">
+              <a:gradFill>
+                <a:gsLst>
+                  <a:gs pos="0">
+                    <a:srgbClr val="FFFFFF"/>
+                  </a:gs>
+                  <a:gs pos="100000">
+                    <a:srgbClr val="FFFFFF"/>
+                  </a:gs>
+                </a:gsLst>
+                <a:lin ang="5400000" scaled="0"/>
+              </a:gradFill>
+            </a:endParaRPr>
+          </a:p>
+        </p:txBody>
+      </p:sp>
+      <p:sp>
+        <p:nvSpPr>
+          <p:cNvPr id="2" name="Titel 1">
+            <a:extLst>
+              <a:ext uri="{FF2B5EF4-FFF2-40B4-BE49-F238E27FC236}">
+                <a16:creationId xmlns:a16="http://schemas.microsoft.com/office/drawing/2014/main" id="{9B3CC5AB-8EF1-4081-9AE5-2A18AFDD45DB}"/>
+              </a:ext>
+            </a:extLst>
+          </p:cNvPr>
+          <p:cNvSpPr>
+            <a:spLocks noGrp="1"/>
+          </p:cNvSpPr>
+          <p:nvPr>
+            <p:ph type="title"/>
+          </p:nvPr>
+        </p:nvSpPr>
+        <p:spPr>
+          <a:xfrm>
+            <a:off x="519112" y="402776"/>
+            <a:ext cx="11149013" cy="747897"/>
+          </a:xfrm>
+        </p:spPr>
+        <p:txBody>
+          <a:bodyPr/>
+          <a:lstStyle/>
+          <a:p>
+            <a:r>
+              <a:rPr lang="de-DE" dirty="0"/>
+              <a:t>Azure </a:t>
+            </a:r>
+            <a:r>
+              <a:rPr lang="de-DE" dirty="0" err="1"/>
+              <a:t>IoT</a:t>
+            </a:r>
+            <a:r>
+              <a:rPr lang="de-DE" dirty="0"/>
+              <a:t> Hub</a:t>
+            </a:r>
+          </a:p>
+        </p:txBody>
+      </p:sp>
+      <p:pic>
+        <p:nvPicPr>
+          <p:cNvPr id="9" name="Grafik 8">
+            <a:extLst>
+              <a:ext uri="{FF2B5EF4-FFF2-40B4-BE49-F238E27FC236}">
+                <a16:creationId xmlns:a16="http://schemas.microsoft.com/office/drawing/2014/main" id="{A71F0CC0-508E-4425-82BF-1D676CF9EAAC}"/>
+              </a:ext>
+            </a:extLst>
+          </p:cNvPr>
+          <p:cNvPicPr>
+            <a:picLocks noChangeAspect="1"/>
+          </p:cNvPicPr>
+          <p:nvPr/>
+        </p:nvPicPr>
+        <p:blipFill>
+          <a:blip r:embed="rId5">
+            <a:biLevel thresh="25000"/>
+            <a:extLst>
+              <a:ext uri="{BEBA8EAE-BF5A-486C-A8C5-ECC9F3942E4B}">
+                <a14:imgProps xmlns:a14="http://schemas.microsoft.com/office/drawing/2010/main">
+                  <a14:imgLayer r:embed="rId6">
+                    <a14:imgEffect>
+                      <a14:backgroundRemoval t="5778" b="94667" l="3556" r="91111">
+                        <a14:foregroundMark x1="29778" y1="28889" x2="28444" y2="32889"/>
+                        <a14:foregroundMark x1="50667" y1="40889" x2="52444" y2="41778"/>
+                        <a14:foregroundMark x1="74667" y1="51111" x2="73778" y2="50667"/>
+                        <a14:foregroundMark x1="54222" y1="61333" x2="54222" y2="61333"/>
+                        <a14:foregroundMark x1="30667" y1="71111" x2="30667" y2="71111"/>
+                        <a14:foregroundMark x1="11111" y1="82667" x2="11111" y2="87111"/>
+                        <a14:foregroundMark x1="11111" y1="82222" x2="11111" y2="82667"/>
+                        <a14:foregroundMark x1="11111" y1="80889" x2="11111" y2="82222"/>
+                        <a14:foregroundMark x1="9464" y1="82667" x2="8889" y2="87556"/>
+                        <a14:foregroundMark x1="9516" y1="82222" x2="9464" y2="82667"/>
+                        <a14:foregroundMark x1="9778" y1="80000" x2="9516" y2="82222"/>
+                        <a14:foregroundMark x1="8000" y1="79556" x2="8444" y2="86667"/>
+                        <a14:foregroundMark x1="30186" y1="84481" x2="80000" y2="92000"/>
+                        <a14:foregroundMark x1="15222" y1="82222" x2="16713" y2="82447"/>
+                        <a14:foregroundMark x1="9333" y1="81333" x2="15222" y2="82222"/>
+                        <a14:foregroundMark x1="80000" y1="92000" x2="11111" y2="90222"/>
+                        <a14:foregroundMark x1="9511" y1="82222" x2="9333" y2="81333"/>
+                        <a14:foregroundMark x1="9600" y1="82667" x2="9511" y2="82222"/>
+                        <a14:foregroundMark x1="11111" y1="90222" x2="9600" y2="82667"/>
+                        <a14:foregroundMark x1="10688" y1="16000" x2="32000" y2="7556"/>
+                        <a14:foregroundMark x1="8444" y1="16889" x2="10688" y2="16000"/>
+                        <a14:foregroundMark x1="32000" y1="7556" x2="58222" y2="10222"/>
+                        <a14:foregroundMark x1="58222" y1="10222" x2="81333" y2="8889"/>
+                        <a14:foregroundMark x1="81333" y1="8889" x2="86667" y2="21333"/>
+                        <a14:foregroundMark x1="15593" y1="16000" x2="26222" y2="6667"/>
+                        <a14:foregroundMark x1="14075" y1="17333" x2="15593" y2="16000"/>
+                        <a14:foregroundMark x1="8000" y1="22667" x2="14075" y2="17333"/>
+                        <a14:foregroundMark x1="26222" y1="6667" x2="48889" y2="6222"/>
+                        <a14:foregroundMark x1="48889" y1="6222" x2="73333" y2="6222"/>
+                        <a14:foregroundMark x1="73333" y1="6222" x2="88000" y2="19556"/>
+                        <a14:foregroundMark x1="3556" y1="21778" x2="4444" y2="23111"/>
+                        <a14:foregroundMark x1="5778" y1="93778" x2="29333" y2="92444"/>
+                        <a14:foregroundMark x1="29333" y1="92444" x2="54222" y2="94667"/>
+                        <a14:foregroundMark x1="54222" y1="94667" x2="77333" y2="93333"/>
+                        <a14:foregroundMark x1="77333" y1="93333" x2="88444" y2="77333"/>
+                        <a14:foregroundMark x1="83556" y1="92889" x2="89778" y2="77778"/>
+                        <a14:foregroundMark x1="90222" y1="93333" x2="91111" y2="94667"/>
+                        <a14:foregroundMark x1="31556" y1="84889" x2="30222" y2="84889"/>
+                        <a14:backgroundMark x1="18667" y1="82222" x2="19556" y2="82222"/>
+                        <a14:backgroundMark x1="19556" y1="82222" x2="18222" y2="83111"/>
+                        <a14:backgroundMark x1="22222" y1="83111" x2="20000" y2="83111"/>
+                        <a14:backgroundMark x1="29085" y1="83102" x2="17333" y2="82667"/>
+                        <a14:backgroundMark x1="17333" y1="82222" x2="16889" y2="82222"/>
+                        <a14:backgroundMark x1="18222" y1="82222" x2="16889" y2="82667"/>
+                        <a14:backgroundMark x1="16000" y1="82667" x2="16000" y2="82667"/>
+                        <a14:backgroundMark x1="16444" y1="82222" x2="16444" y2="82222"/>
+                        <a14:backgroundMark x1="31556" y1="84000" x2="31556" y2="84000"/>
+                        <a14:backgroundMark x1="31111" y1="84000" x2="31111" y2="84000"/>
+                        <a14:backgroundMark x1="29778" y1="84444" x2="29778" y2="84444"/>
+                        <a14:backgroundMark x1="16444" y1="16000" x2="16444" y2="16000"/>
+                        <a14:backgroundMark x1="17333" y1="16000" x2="17333" y2="16000"/>
+                        <a14:backgroundMark x1="16000" y1="17333" x2="16000" y2="17333"/>
+                      </a14:backgroundRemoval>
+                    </a14:imgEffect>
+                  </a14:imgLayer>
+                </a14:imgProps>
+              </a:ext>
+              <a:ext uri="{28A0092B-C50C-407E-A947-70E740481C1C}">
+                <a14:useLocalDpi xmlns:a14="http://schemas.microsoft.com/office/drawing/2010/main" val="0"/>
+              </a:ext>
+            </a:extLst>
+          </a:blip>
+          <a:stretch>
+            <a:fillRect/>
+          </a:stretch>
+        </p:blipFill>
+        <p:spPr>
+          <a:xfrm>
+            <a:off x="909820" y="2028753"/>
+            <a:ext cx="972000" cy="972000"/>
+          </a:xfrm>
+          <a:prstGeom prst="rect">
+            <a:avLst/>
+          </a:prstGeom>
+        </p:spPr>
+      </p:pic>
+      <p:sp>
+        <p:nvSpPr>
+          <p:cNvPr id="13" name="Textfeld 12">
+            <a:extLst>
+              <a:ext uri="{FF2B5EF4-FFF2-40B4-BE49-F238E27FC236}">
+                <a16:creationId xmlns:a16="http://schemas.microsoft.com/office/drawing/2014/main" id="{2F471AC1-D053-4588-AF30-7ADEF02E1920}"/>
+              </a:ext>
+            </a:extLst>
+          </p:cNvPr>
+          <p:cNvSpPr txBox="1"/>
+          <p:nvPr/>
+        </p:nvSpPr>
+        <p:spPr>
+          <a:xfrm>
+            <a:off x="674469" y="1435894"/>
+            <a:ext cx="1442703" cy="443198"/>
+          </a:xfrm>
+          <a:prstGeom prst="rect">
+            <a:avLst/>
+          </a:prstGeom>
+          <a:noFill/>
+        </p:spPr>
+        <p:txBody>
+          <a:bodyPr wrap="none" lIns="0" tIns="0" rIns="0" bIns="0" rtlCol="0">
+            <a:spAutoFit/>
+          </a:bodyPr>
+          <a:lstStyle/>
+          <a:p>
+            <a:pPr>
+              <a:lnSpc>
+                <a:spcPct val="90000"/>
+              </a:lnSpc>
+              <a:spcBef>
+                <a:spcPct val="20000"/>
+              </a:spcBef>
+              <a:buSzPct val="80000"/>
+            </a:pPr>
+            <a:r>
+              <a:rPr lang="de-DE" sz="3200" dirty="0" err="1">
+                <a:solidFill>
+                  <a:srgbClr val="FFFFFF"/>
+                </a:solidFill>
+              </a:rPr>
+              <a:t>IoT</a:t>
+            </a:r>
+            <a:r>
+              <a:rPr lang="de-DE" sz="3200" dirty="0">
+                <a:solidFill>
+                  <a:srgbClr val="FFFFFF"/>
+                </a:solidFill>
+              </a:rPr>
+              <a:t> Hub</a:t>
+            </a:r>
+          </a:p>
+        </p:txBody>
+      </p:sp>
+      <p:sp>
+        <p:nvSpPr>
+          <p:cNvPr id="17" name="Textfeld 16">
+            <a:extLst>
+              <a:ext uri="{FF2B5EF4-FFF2-40B4-BE49-F238E27FC236}">
+                <a16:creationId xmlns:a16="http://schemas.microsoft.com/office/drawing/2014/main" id="{A8ECF179-4840-4755-87BD-8F9DB0F68FC0}"/>
+              </a:ext>
+            </a:extLst>
+          </p:cNvPr>
+          <p:cNvSpPr txBox="1"/>
+          <p:nvPr/>
+        </p:nvSpPr>
+        <p:spPr>
+          <a:xfrm>
+            <a:off x="4199850" y="1435894"/>
+            <a:ext cx="1570751" cy="443198"/>
+          </a:xfrm>
+          <a:prstGeom prst="rect">
+            <a:avLst/>
+          </a:prstGeom>
+          <a:noFill/>
+        </p:spPr>
+        <p:txBody>
+          <a:bodyPr wrap="none" lIns="0" tIns="0" rIns="0" bIns="0" rtlCol="0">
+            <a:spAutoFit/>
+          </a:bodyPr>
+          <a:lstStyle/>
+          <a:p>
+            <a:pPr>
+              <a:lnSpc>
+                <a:spcPct val="90000"/>
+              </a:lnSpc>
+              <a:spcBef>
+                <a:spcPct val="20000"/>
+              </a:spcBef>
+              <a:buSzPct val="80000"/>
+            </a:pPr>
+            <a:r>
+              <a:rPr lang="de-DE" sz="3200" dirty="0">
+                <a:solidFill>
+                  <a:srgbClr val="FFFFFF"/>
+                </a:solidFill>
+              </a:rPr>
+              <a:t>Web Job</a:t>
+            </a:r>
+          </a:p>
+        </p:txBody>
+      </p:sp>
+      <p:sp>
+        <p:nvSpPr>
+          <p:cNvPr id="18" name="Textfeld 17">
+            <a:extLst>
+              <a:ext uri="{FF2B5EF4-FFF2-40B4-BE49-F238E27FC236}">
+                <a16:creationId xmlns:a16="http://schemas.microsoft.com/office/drawing/2014/main" id="{4116CEED-52FD-4456-9E83-9BBE957C8B24}"/>
+              </a:ext>
+            </a:extLst>
+          </p:cNvPr>
+          <p:cNvSpPr txBox="1"/>
+          <p:nvPr/>
+        </p:nvSpPr>
+        <p:spPr>
+          <a:xfrm>
+            <a:off x="8953198" y="1279167"/>
+            <a:ext cx="1690976" cy="443198"/>
+          </a:xfrm>
+          <a:prstGeom prst="rect">
+            <a:avLst/>
+          </a:prstGeom>
+          <a:noFill/>
+        </p:spPr>
+        <p:txBody>
+          <a:bodyPr wrap="none" lIns="0" tIns="0" rIns="0" bIns="0" rtlCol="0">
+            <a:spAutoFit/>
+          </a:bodyPr>
+          <a:lstStyle/>
+          <a:p>
+            <a:pPr>
+              <a:lnSpc>
+                <a:spcPct val="90000"/>
+              </a:lnSpc>
+              <a:spcBef>
+                <a:spcPct val="20000"/>
+              </a:spcBef>
+              <a:buSzPct val="80000"/>
+            </a:pPr>
+            <a:r>
+              <a:rPr lang="de-DE" sz="3200" dirty="0">
+                <a:solidFill>
+                  <a:srgbClr val="FFFFFF"/>
+                </a:solidFill>
+              </a:rPr>
+              <a:t>Web App</a:t>
+            </a:r>
+          </a:p>
+        </p:txBody>
+      </p:sp>
+      <p:pic>
+        <p:nvPicPr>
+          <p:cNvPr id="45" name="Grafik 44">
+            <a:extLst>
+              <a:ext uri="{FF2B5EF4-FFF2-40B4-BE49-F238E27FC236}">
+                <a16:creationId xmlns:a16="http://schemas.microsoft.com/office/drawing/2014/main" id="{35D61643-AC9C-4763-8654-41E52F05E881}"/>
+              </a:ext>
+            </a:extLst>
+          </p:cNvPr>
+          <p:cNvPicPr>
+            <a:picLocks noChangeAspect="1"/>
+          </p:cNvPicPr>
+          <p:nvPr/>
+        </p:nvPicPr>
+        <p:blipFill>
+          <a:blip r:embed="rId7" cstate="print">
+            <a:extLst>
+              <a:ext uri="{28A0092B-C50C-407E-A947-70E740481C1C}">
+                <a14:useLocalDpi xmlns:a14="http://schemas.microsoft.com/office/drawing/2010/main" val="0"/>
+              </a:ext>
+            </a:extLst>
+          </a:blip>
+          <a:stretch>
+            <a:fillRect/>
+          </a:stretch>
+        </p:blipFill>
+        <p:spPr>
+          <a:xfrm>
+            <a:off x="1469832" y="3932175"/>
+            <a:ext cx="3583743" cy="2389162"/>
+          </a:xfrm>
+          <a:prstGeom prst="rect">
+            <a:avLst/>
+          </a:prstGeom>
+        </p:spPr>
+      </p:pic>
+      <p:sp>
+        <p:nvSpPr>
+          <p:cNvPr id="2062" name="Textfeld 2061">
+            <a:extLst>
+              <a:ext uri="{FF2B5EF4-FFF2-40B4-BE49-F238E27FC236}">
+                <a16:creationId xmlns:a16="http://schemas.microsoft.com/office/drawing/2014/main" id="{408A54A0-1CAB-45D9-86B2-527336E7EF79}"/>
+              </a:ext>
+            </a:extLst>
+          </p:cNvPr>
+          <p:cNvSpPr txBox="1"/>
+          <p:nvPr/>
+        </p:nvSpPr>
+        <p:spPr>
+          <a:xfrm>
+            <a:off x="2193360" y="4084575"/>
+            <a:ext cx="2511424" cy="96950"/>
+          </a:xfrm>
+          <a:prstGeom prst="rect">
+            <a:avLst/>
+          </a:prstGeom>
+          <a:solidFill>
+            <a:srgbClr val="FFFFFF"/>
+          </a:solidFill>
+        </p:spPr>
+        <p:txBody>
+          <a:bodyPr wrap="square" lIns="0" tIns="0" rIns="0" bIns="0" rtlCol="0">
+            <a:spAutoFit/>
+          </a:bodyPr>
+          <a:lstStyle/>
+          <a:p>
+            <a:pPr>
+              <a:lnSpc>
+                <a:spcPct val="90000"/>
+              </a:lnSpc>
+              <a:spcBef>
+                <a:spcPct val="20000"/>
+              </a:spcBef>
+              <a:buSzPct val="80000"/>
+            </a:pPr>
+            <a:r>
+              <a:rPr lang="de-DE" sz="700" b="1" dirty="0">
+                <a:gradFill>
+                  <a:gsLst>
+                    <a:gs pos="0">
+                      <a:srgbClr val="292929">
+                        <a:lumMod val="90000"/>
+                        <a:lumOff val="10000"/>
+                      </a:srgbClr>
+                    </a:gs>
+                    <a:gs pos="86000">
+                      <a:srgbClr val="292929">
+                        <a:lumMod val="90000"/>
+                        <a:lumOff val="10000"/>
+                      </a:srgbClr>
+                    </a:gs>
+                  </a:gsLst>
+                  <a:lin ang="5400000" scaled="0"/>
+                </a:gradFill>
+              </a:rPr>
+              <a:t>http://vtiothubwebsite.azurewebsites.net/HumidityInfo</a:t>
+            </a:r>
+          </a:p>
+        </p:txBody>
+      </p:sp>
+      <p:pic>
+        <p:nvPicPr>
+          <p:cNvPr id="4" name="Grafik 3">
+            <a:extLst>
+              <a:ext uri="{FF2B5EF4-FFF2-40B4-BE49-F238E27FC236}">
+                <a16:creationId xmlns:a16="http://schemas.microsoft.com/office/drawing/2014/main" id="{F89EA312-30CB-4E45-AC92-4BBDDFD2936E}"/>
+              </a:ext>
+            </a:extLst>
+          </p:cNvPr>
+          <p:cNvPicPr>
+            <a:picLocks noChangeAspect="1"/>
+          </p:cNvPicPr>
+          <p:nvPr/>
+        </p:nvPicPr>
+        <p:blipFill>
+          <a:blip r:embed="rId8">
+            <a:extLst>
+              <a:ext uri="{28A0092B-C50C-407E-A947-70E740481C1C}">
+                <a14:useLocalDpi xmlns:a14="http://schemas.microsoft.com/office/drawing/2010/main" val="0"/>
+              </a:ext>
+            </a:extLst>
+          </a:blip>
+          <a:stretch>
+            <a:fillRect/>
+          </a:stretch>
+        </p:blipFill>
+        <p:spPr>
+          <a:xfrm>
+            <a:off x="1554675" y="4404434"/>
+            <a:ext cx="3414056" cy="1889924"/>
+          </a:xfrm>
+          <a:prstGeom prst="rect">
+            <a:avLst/>
+          </a:prstGeom>
+        </p:spPr>
+      </p:pic>
+      <p:sp>
+        <p:nvSpPr>
+          <p:cNvPr id="25" name="Textfeld 24">
+            <a:extLst>
+              <a:ext uri="{FF2B5EF4-FFF2-40B4-BE49-F238E27FC236}">
+                <a16:creationId xmlns:a16="http://schemas.microsoft.com/office/drawing/2014/main" id="{E2C53BE0-AD64-4868-B5F2-FD797ABB6CB6}"/>
+              </a:ext>
+            </a:extLst>
+          </p:cNvPr>
+          <p:cNvSpPr txBox="1"/>
+          <p:nvPr/>
+        </p:nvSpPr>
+        <p:spPr>
+          <a:xfrm>
+            <a:off x="5236301" y="2692976"/>
+            <a:ext cx="1204811" cy="615553"/>
+          </a:xfrm>
+          <a:prstGeom prst="rect">
+            <a:avLst/>
+          </a:prstGeom>
+          <a:noFill/>
+        </p:spPr>
+        <p:txBody>
+          <a:bodyPr wrap="square" lIns="0" tIns="0" rIns="0" bIns="0" rtlCol="0">
+            <a:spAutoFit/>
+          </a:bodyPr>
+          <a:lstStyle/>
+          <a:p>
+            <a:pPr algn="ctr">
+              <a:lnSpc>
+                <a:spcPct val="90000"/>
+              </a:lnSpc>
+              <a:spcBef>
+                <a:spcPct val="20000"/>
+              </a:spcBef>
+              <a:buSzPct val="80000"/>
+            </a:pPr>
+            <a:r>
+              <a:rPr lang="de-DE" sz="2000" dirty="0" err="1">
+                <a:solidFill>
+                  <a:schemeClr val="accent6">
+                    <a:lumMod val="75000"/>
+                  </a:schemeClr>
+                </a:solidFill>
+              </a:rPr>
+              <a:t>SignalR</a:t>
+            </a:r>
+            <a:endParaRPr lang="de-DE" sz="2000" dirty="0">
+              <a:solidFill>
+                <a:schemeClr val="accent6">
+                  <a:lumMod val="75000"/>
+                </a:schemeClr>
+              </a:solidFill>
+            </a:endParaRPr>
+          </a:p>
+          <a:p>
+            <a:pPr algn="ctr">
+              <a:lnSpc>
+                <a:spcPct val="90000"/>
+              </a:lnSpc>
+              <a:spcBef>
+                <a:spcPct val="20000"/>
+              </a:spcBef>
+              <a:buSzPct val="80000"/>
+            </a:pPr>
+            <a:r>
+              <a:rPr lang="de-DE" sz="2000" dirty="0">
+                <a:solidFill>
+                  <a:schemeClr val="accent6">
+                    <a:lumMod val="75000"/>
+                  </a:schemeClr>
+                </a:solidFill>
+              </a:rPr>
+              <a:t>Client</a:t>
+            </a:r>
+          </a:p>
+        </p:txBody>
+      </p:sp>
+      <p:sp>
+        <p:nvSpPr>
+          <p:cNvPr id="26" name="Textfeld 25">
+            <a:extLst>
+              <a:ext uri="{FF2B5EF4-FFF2-40B4-BE49-F238E27FC236}">
+                <a16:creationId xmlns:a16="http://schemas.microsoft.com/office/drawing/2014/main" id="{6EFBC478-D68B-435A-917B-456DE2E646C2}"/>
+              </a:ext>
+            </a:extLst>
+          </p:cNvPr>
+          <p:cNvSpPr txBox="1"/>
+          <p:nvPr/>
+        </p:nvSpPr>
+        <p:spPr>
+          <a:xfrm>
+            <a:off x="9196281" y="2692976"/>
+            <a:ext cx="1204811" cy="615553"/>
+          </a:xfrm>
+          <a:prstGeom prst="rect">
+            <a:avLst/>
+          </a:prstGeom>
+          <a:noFill/>
+        </p:spPr>
+        <p:txBody>
+          <a:bodyPr wrap="square" lIns="0" tIns="0" rIns="0" bIns="0" rtlCol="0">
+            <a:spAutoFit/>
+          </a:bodyPr>
+          <a:lstStyle/>
+          <a:p>
+            <a:pPr algn="ctr">
+              <a:lnSpc>
+                <a:spcPct val="90000"/>
+              </a:lnSpc>
+              <a:spcBef>
+                <a:spcPct val="20000"/>
+              </a:spcBef>
+              <a:buSzPct val="80000"/>
+            </a:pPr>
+            <a:r>
+              <a:rPr lang="de-DE" sz="2000" dirty="0" err="1">
+                <a:solidFill>
+                  <a:schemeClr val="accent6">
+                    <a:lumMod val="75000"/>
+                  </a:schemeClr>
+                </a:solidFill>
+              </a:rPr>
+              <a:t>SignalR</a:t>
+            </a:r>
+            <a:endParaRPr lang="de-DE" sz="2000" dirty="0">
+              <a:solidFill>
+                <a:schemeClr val="accent6">
+                  <a:lumMod val="75000"/>
+                </a:schemeClr>
+              </a:solidFill>
+            </a:endParaRPr>
+          </a:p>
+          <a:p>
+            <a:pPr algn="ctr">
+              <a:lnSpc>
+                <a:spcPct val="90000"/>
+              </a:lnSpc>
+              <a:spcBef>
+                <a:spcPct val="20000"/>
+              </a:spcBef>
+              <a:buSzPct val="80000"/>
+            </a:pPr>
+            <a:r>
+              <a:rPr lang="de-DE" sz="2000" dirty="0">
+                <a:solidFill>
+                  <a:schemeClr val="accent6">
+                    <a:lumMod val="75000"/>
+                  </a:schemeClr>
+                </a:solidFill>
+              </a:rPr>
+              <a:t>Hub</a:t>
+            </a:r>
+          </a:p>
+        </p:txBody>
+      </p:sp>
+      <p:sp>
+        <p:nvSpPr>
+          <p:cNvPr id="43" name="Flussdiagramm: Verbinder zu einer anderen Seite 42">
+            <a:extLst>
+              <a:ext uri="{FF2B5EF4-FFF2-40B4-BE49-F238E27FC236}">
+                <a16:creationId xmlns:a16="http://schemas.microsoft.com/office/drawing/2014/main" id="{C711097C-645F-4026-8AF7-2225E723E580}"/>
+              </a:ext>
+            </a:extLst>
+          </p:cNvPr>
+          <p:cNvSpPr/>
+          <p:nvPr/>
+        </p:nvSpPr>
+        <p:spPr bwMode="auto">
+          <a:xfrm rot="16200000">
+            <a:off x="7818600" y="5115279"/>
+            <a:ext cx="827018" cy="1176400"/>
+          </a:xfrm>
+          <a:prstGeom prst="flowChartOffpageConnector">
+            <a:avLst/>
+          </a:prstGeom>
+          <a:solidFill>
+            <a:srgbClr val="FFFFFF">
+              <a:alpha val="79000"/>
+            </a:srgbClr>
+          </a:solidFill>
+          <a:ln>
+            <a:noFill/>
+            <a:headEnd type="none" w="med" len="med"/>
+            <a:tailEnd type="none" w="med" len="med"/>
+          </a:ln>
+          <a:effectLst/>
+        </p:spPr>
+        <p:style>
+          <a:lnRef idx="1">
+            <a:schemeClr val="accent2"/>
+          </a:lnRef>
+          <a:fillRef idx="3">
+            <a:schemeClr val="accent2"/>
+          </a:fillRef>
+          <a:effectRef idx="2">
+            <a:schemeClr val="accent2"/>
+          </a:effectRef>
+          <a:fontRef idx="minor">
+            <a:schemeClr val="lt1"/>
+          </a:fontRef>
+        </p:style>
+        <p:txBody>
+          <a:bodyPr vert="horz" wrap="square" lIns="91436" tIns="45718" rIns="91436" bIns="45718" numCol="1" rtlCol="0" anchor="ctr" anchorCtr="0" compatLnSpc="1">
+            <a:prstTxWarp prst="textNoShape">
+              <a:avLst/>
+            </a:prstTxWarp>
+          </a:bodyPr>
+          <a:lstStyle/>
+          <a:p>
+            <a:pPr algn="ctr" defTabSz="914099" fontAlgn="base">
+              <a:spcBef>
+                <a:spcPct val="0"/>
+              </a:spcBef>
+              <a:spcAft>
+                <a:spcPct val="0"/>
+              </a:spcAft>
+            </a:pPr>
+            <a:endParaRPr lang="de-DE" sz="2200" dirty="0">
+              <a:gradFill>
+                <a:gsLst>
+                  <a:gs pos="0">
+                    <a:srgbClr val="FFFFFF"/>
+                  </a:gs>
+                  <a:gs pos="100000">
+                    <a:srgbClr val="FFFFFF"/>
+                  </a:gs>
+                </a:gsLst>
+                <a:lin ang="5400000" scaled="0"/>
+              </a:gradFill>
+            </a:endParaRPr>
+          </a:p>
+        </p:txBody>
+      </p:sp>
+      <p:sp>
+        <p:nvSpPr>
+          <p:cNvPr id="44" name="Textfeld 43">
+            <a:extLst>
+              <a:ext uri="{FF2B5EF4-FFF2-40B4-BE49-F238E27FC236}">
+                <a16:creationId xmlns:a16="http://schemas.microsoft.com/office/drawing/2014/main" id="{C332AC0B-4522-4D3D-8067-75A612FC68D6}"/>
+              </a:ext>
+            </a:extLst>
+          </p:cNvPr>
+          <p:cNvSpPr txBox="1"/>
+          <p:nvPr/>
+        </p:nvSpPr>
+        <p:spPr>
+          <a:xfrm>
+            <a:off x="7560268" y="5395703"/>
+            <a:ext cx="1204811" cy="615553"/>
+          </a:xfrm>
+          <a:prstGeom prst="rect">
+            <a:avLst/>
+          </a:prstGeom>
+          <a:noFill/>
+        </p:spPr>
+        <p:txBody>
+          <a:bodyPr wrap="square" lIns="0" tIns="0" rIns="0" bIns="0" rtlCol="0">
+            <a:spAutoFit/>
+          </a:bodyPr>
+          <a:lstStyle/>
+          <a:p>
+            <a:pPr algn="ctr">
+              <a:lnSpc>
+                <a:spcPct val="90000"/>
+              </a:lnSpc>
+              <a:spcBef>
+                <a:spcPct val="20000"/>
+              </a:spcBef>
+              <a:buSzPct val="80000"/>
+            </a:pPr>
+            <a:r>
+              <a:rPr lang="de-DE" sz="2000" dirty="0" err="1">
+                <a:solidFill>
+                  <a:schemeClr val="accent6">
+                    <a:lumMod val="75000"/>
+                  </a:schemeClr>
+                </a:solidFill>
+              </a:rPr>
+              <a:t>SignalR</a:t>
+            </a:r>
+            <a:endParaRPr lang="de-DE" sz="2000" dirty="0">
+              <a:solidFill>
+                <a:schemeClr val="accent6">
+                  <a:lumMod val="75000"/>
+                </a:schemeClr>
+              </a:solidFill>
+            </a:endParaRPr>
+          </a:p>
+          <a:p>
+            <a:pPr algn="ctr">
+              <a:lnSpc>
+                <a:spcPct val="90000"/>
+              </a:lnSpc>
+              <a:spcBef>
+                <a:spcPct val="20000"/>
+              </a:spcBef>
+              <a:buSzPct val="80000"/>
+            </a:pPr>
+            <a:r>
+              <a:rPr lang="de-DE" sz="2000" dirty="0">
+                <a:solidFill>
+                  <a:schemeClr val="accent6">
+                    <a:lumMod val="75000"/>
+                  </a:schemeClr>
+                </a:solidFill>
+              </a:rPr>
+              <a:t>Client</a:t>
+            </a:r>
+          </a:p>
+        </p:txBody>
+      </p:sp>
+      <p:cxnSp>
+        <p:nvCxnSpPr>
+          <p:cNvPr id="2050" name="Gerade Verbindung mit Pfeil 2049">
+            <a:extLst>
+              <a:ext uri="{FF2B5EF4-FFF2-40B4-BE49-F238E27FC236}">
+                <a16:creationId xmlns:a16="http://schemas.microsoft.com/office/drawing/2014/main" id="{2FD8CF7B-58A0-43B4-95E4-BAD144E8991C}"/>
+              </a:ext>
+            </a:extLst>
+          </p:cNvPr>
+          <p:cNvCxnSpPr>
+            <a:cxnSpLocks/>
+          </p:cNvCxnSpPr>
+          <p:nvPr/>
+        </p:nvCxnSpPr>
+        <p:spPr>
+          <a:xfrm>
+            <a:off x="6588356" y="2977991"/>
+            <a:ext cx="2002054" cy="0"/>
+          </a:xfrm>
+          <a:prstGeom prst="straightConnector1">
+            <a:avLst/>
+          </a:prstGeom>
+          <a:ln w="200025">
+            <a:solidFill>
+              <a:srgbClr val="FFFFFF">
+                <a:alpha val="79000"/>
+              </a:srgbClr>
+            </a:solidFill>
+            <a:tailEnd type="triangle"/>
+          </a:ln>
+        </p:spPr>
+        <p:style>
+          <a:lnRef idx="3">
+            <a:schemeClr val="dk1"/>
+          </a:lnRef>
+          <a:fillRef idx="0">
+            <a:schemeClr val="dk1"/>
+          </a:fillRef>
+          <a:effectRef idx="2">
+            <a:schemeClr val="dk1"/>
+          </a:effectRef>
+          <a:fontRef idx="minor">
+            <a:schemeClr val="tx1"/>
+          </a:fontRef>
+        </p:style>
+      </p:cxnSp>
+      <p:cxnSp>
+        <p:nvCxnSpPr>
+          <p:cNvPr id="2056" name="Verbinder: gewinkelt 2055">
+            <a:extLst>
+              <a:ext uri="{FF2B5EF4-FFF2-40B4-BE49-F238E27FC236}">
+                <a16:creationId xmlns:a16="http://schemas.microsoft.com/office/drawing/2014/main" id="{05B46CAB-893F-4BB9-B622-EC093E03B8ED}"/>
+              </a:ext>
+            </a:extLst>
+          </p:cNvPr>
+          <p:cNvCxnSpPr>
+            <a:cxnSpLocks/>
+          </p:cNvCxnSpPr>
+          <p:nvPr/>
+        </p:nvCxnSpPr>
+        <p:spPr>
+          <a:xfrm flipH="1">
+            <a:off x="9357591" y="2977991"/>
+            <a:ext cx="1673930" cy="2797166"/>
+          </a:xfrm>
+          <a:prstGeom prst="bentConnector4">
+            <a:avLst>
+              <a:gd name="adj1" fmla="val -37231"/>
+              <a:gd name="adj2" fmla="val 99373"/>
+            </a:avLst>
+          </a:prstGeom>
+          <a:ln w="200025">
+            <a:solidFill>
+              <a:srgbClr val="FFFFFF">
+                <a:alpha val="79000"/>
+              </a:srgbClr>
+            </a:solidFill>
+            <a:tailEnd type="triangle"/>
+          </a:ln>
+        </p:spPr>
+        <p:style>
+          <a:lnRef idx="3">
+            <a:schemeClr val="dk1"/>
+          </a:lnRef>
+          <a:fillRef idx="0">
+            <a:schemeClr val="dk1"/>
+          </a:fillRef>
+          <a:effectRef idx="2">
+            <a:schemeClr val="dk1"/>
+          </a:effectRef>
+          <a:fontRef idx="minor">
+            <a:schemeClr val="tx1"/>
+          </a:fontRef>
+        </p:style>
+      </p:cxnSp>
+      <p:sp>
+        <p:nvSpPr>
+          <p:cNvPr id="53" name="Textfeld 52">
+            <a:extLst>
+              <a:ext uri="{FF2B5EF4-FFF2-40B4-BE49-F238E27FC236}">
+                <a16:creationId xmlns:a16="http://schemas.microsoft.com/office/drawing/2014/main" id="{60FD60BA-77FE-4D44-9EC5-221D40E84771}"/>
+              </a:ext>
+            </a:extLst>
+          </p:cNvPr>
+          <p:cNvSpPr txBox="1"/>
+          <p:nvPr/>
+        </p:nvSpPr>
+        <p:spPr>
+          <a:xfrm>
+            <a:off x="7441610" y="3942410"/>
+            <a:ext cx="1442126" cy="443198"/>
+          </a:xfrm>
+          <a:prstGeom prst="rect">
+            <a:avLst/>
+          </a:prstGeom>
+          <a:noFill/>
+        </p:spPr>
+        <p:txBody>
+          <a:bodyPr wrap="none" lIns="0" tIns="0" rIns="0" bIns="0" rtlCol="0">
+            <a:spAutoFit/>
+          </a:bodyPr>
+          <a:lstStyle/>
+          <a:p>
+            <a:pPr>
+              <a:lnSpc>
+                <a:spcPct val="90000"/>
+              </a:lnSpc>
+              <a:spcBef>
+                <a:spcPct val="20000"/>
+              </a:spcBef>
+              <a:buSzPct val="80000"/>
+            </a:pPr>
+            <a:r>
+              <a:rPr lang="de-DE" sz="3200" dirty="0">
+                <a:solidFill>
+                  <a:srgbClr val="FFFFFF"/>
+                </a:solidFill>
+              </a:rPr>
+              <a:t>Browser</a:t>
+            </a:r>
+          </a:p>
+        </p:txBody>
+      </p:sp>
+      <p:pic>
+        <p:nvPicPr>
+          <p:cNvPr id="10" name="Grafik 9">
+            <a:extLst>
+              <a:ext uri="{FF2B5EF4-FFF2-40B4-BE49-F238E27FC236}">
+                <a16:creationId xmlns:a16="http://schemas.microsoft.com/office/drawing/2014/main" id="{3A90B427-1BBE-4D66-8769-313E799C5F68}"/>
+              </a:ext>
+            </a:extLst>
+          </p:cNvPr>
+          <p:cNvPicPr>
+            <a:picLocks noChangeAspect="1"/>
+          </p:cNvPicPr>
+          <p:nvPr/>
+        </p:nvPicPr>
+        <p:blipFill>
+          <a:blip r:embed="rId9" cstate="print">
+            <a:biLevel thresh="25000"/>
+            <a:extLst>
+              <a:ext uri="{28A0092B-C50C-407E-A947-70E740481C1C}">
+                <a14:useLocalDpi xmlns:a14="http://schemas.microsoft.com/office/drawing/2010/main" val="0"/>
+              </a:ext>
+            </a:extLst>
+          </a:blip>
+          <a:stretch>
+            <a:fillRect/>
+          </a:stretch>
+        </p:blipFill>
+        <p:spPr>
+          <a:xfrm>
+            <a:off x="4547201" y="1984067"/>
+            <a:ext cx="972000" cy="972000"/>
+          </a:xfrm>
+          <a:prstGeom prst="rect">
+            <a:avLst/>
+          </a:prstGeom>
+        </p:spPr>
+      </p:pic>
+      <p:cxnSp>
+        <p:nvCxnSpPr>
+          <p:cNvPr id="67" name="Gerade Verbindung mit Pfeil 66">
+            <a:extLst>
+              <a:ext uri="{FF2B5EF4-FFF2-40B4-BE49-F238E27FC236}">
+                <a16:creationId xmlns:a16="http://schemas.microsoft.com/office/drawing/2014/main" id="{6B389CE6-3B5A-4E38-AC50-A62A1679C58C}"/>
+              </a:ext>
+            </a:extLst>
+          </p:cNvPr>
+          <p:cNvCxnSpPr>
+            <a:cxnSpLocks/>
+          </p:cNvCxnSpPr>
+          <p:nvPr/>
+        </p:nvCxnSpPr>
+        <p:spPr>
+          <a:xfrm>
+            <a:off x="2225060" y="2514753"/>
+            <a:ext cx="2002054" cy="0"/>
+          </a:xfrm>
+          <a:prstGeom prst="straightConnector1">
+            <a:avLst/>
+          </a:prstGeom>
+          <a:ln w="200025">
+            <a:solidFill>
+              <a:srgbClr val="FFFFFF">
+                <a:alpha val="79000"/>
+              </a:srgbClr>
+            </a:solidFill>
+            <a:tailEnd type="triangle"/>
+          </a:ln>
+        </p:spPr>
+        <p:style>
+          <a:lnRef idx="3">
+            <a:schemeClr val="dk1"/>
+          </a:lnRef>
+          <a:fillRef idx="0">
+            <a:schemeClr val="dk1"/>
+          </a:fillRef>
+          <a:effectRef idx="2">
+            <a:schemeClr val="dk1"/>
+          </a:effectRef>
+          <a:fontRef idx="minor">
+            <a:schemeClr val="tx1"/>
+          </a:fontRef>
+        </p:style>
+      </p:cxnSp>
+      <p:cxnSp>
+        <p:nvCxnSpPr>
+          <p:cNvPr id="68" name="Gerade Verbindung mit Pfeil 67">
+            <a:extLst>
+              <a:ext uri="{FF2B5EF4-FFF2-40B4-BE49-F238E27FC236}">
+                <a16:creationId xmlns:a16="http://schemas.microsoft.com/office/drawing/2014/main" id="{73EBC583-15D9-41BA-A39C-8D9E7D70E734}"/>
+              </a:ext>
+            </a:extLst>
+          </p:cNvPr>
+          <p:cNvCxnSpPr>
+            <a:cxnSpLocks/>
+          </p:cNvCxnSpPr>
+          <p:nvPr/>
+        </p:nvCxnSpPr>
+        <p:spPr>
+          <a:xfrm flipH="1">
+            <a:off x="5227269" y="4923495"/>
+            <a:ext cx="2087931" cy="0"/>
+          </a:xfrm>
+          <a:prstGeom prst="straightConnector1">
+            <a:avLst/>
+          </a:prstGeom>
+          <a:ln w="200025">
+            <a:solidFill>
+              <a:srgbClr val="FFFFFF">
+                <a:alpha val="79000"/>
+              </a:srgbClr>
+            </a:solidFill>
+            <a:tailEnd type="triangle"/>
+          </a:ln>
+        </p:spPr>
+        <p:style>
+          <a:lnRef idx="3">
+            <a:schemeClr val="dk1"/>
+          </a:lnRef>
+          <a:fillRef idx="0">
+            <a:schemeClr val="dk1"/>
+          </a:fillRef>
+          <a:effectRef idx="2">
+            <a:schemeClr val="dk1"/>
+          </a:effectRef>
+          <a:fontRef idx="minor">
+            <a:schemeClr val="tx1"/>
+          </a:fontRef>
+        </p:style>
+      </p:cxnSp>
+    </p:spTree>
+    <p:extLst>
+      <p:ext uri="{BB962C8B-B14F-4D97-AF65-F5344CB8AC3E}">
+        <p14:creationId xmlns:p14="http://schemas.microsoft.com/office/powerpoint/2010/main" val="636044417"/>
+      </p:ext>
+    </p:extLst>
+  </p:cSld>
+  <p:clrMapOvr>
+    <a:masterClrMapping/>
+  </p:clrMapOvr>
+  <p:transition>
+    <p:fade/>
+  </p:transition>
+</p:sld>
+</file>
+
+<file path=ppt/slides/slide15.xml><?xml version="1.0" encoding="utf-8"?>
+<p:sld xmlns:a="http://schemas.openxmlformats.org/drawingml/2006/main" xmlns:r="http://schemas.openxmlformats.org/officeDocument/2006/relationships" xmlns:p="http://schemas.openxmlformats.org/presentationml/2006/main">
+  <p:cSld>
+    <p:spTree>
+      <p:nvGrpSpPr>
+        <p:cNvPr id="1" name=""/>
+        <p:cNvGrpSpPr/>
+        <p:nvPr/>
+      </p:nvGrpSpPr>
+      <p:grpSpPr>
+        <a:xfrm>
+          <a:off x="0" y="0"/>
+          <a:ext cx="0" cy="0"/>
+          <a:chOff x="0" y="0"/>
+          <a:chExt cx="0" cy="0"/>
+        </a:xfrm>
+      </p:grpSpPr>
+      <p:sp>
+        <p:nvSpPr>
+          <p:cNvPr id="2" name="Titel 1">
+            <a:extLst>
+              <a:ext uri="{FF2B5EF4-FFF2-40B4-BE49-F238E27FC236}">
+                <a16:creationId xmlns:a16="http://schemas.microsoft.com/office/drawing/2014/main" id="{286839CA-D0E4-4426-8850-F9D998C4230F}"/>
+              </a:ext>
+            </a:extLst>
+          </p:cNvPr>
+          <p:cNvSpPr>
+            <a:spLocks noGrp="1"/>
+          </p:cNvSpPr>
+          <p:nvPr>
+            <p:ph type="title"/>
+          </p:nvPr>
+        </p:nvSpPr>
+        <p:spPr/>
+        <p:txBody>
+          <a:bodyPr/>
+          <a:lstStyle/>
+          <a:p>
+            <a:r>
+              <a:rPr lang="de-DE" dirty="0" err="1"/>
+              <a:t>WebSite</a:t>
+            </a:r>
+            <a:r>
+              <a:rPr lang="de-DE" dirty="0"/>
+              <a:t>: </a:t>
+            </a:r>
+            <a:r>
+              <a:rPr lang="de-DE" dirty="0" err="1"/>
+              <a:t>IoTSignalRHub</a:t>
+            </a:r>
+            <a:endParaRPr lang="de-DE" dirty="0"/>
+          </a:p>
+        </p:txBody>
+      </p:sp>
+      <p:sp>
+        <p:nvSpPr>
+          <p:cNvPr id="5" name="Textplatzhalter 4">
+            <a:extLst>
+              <a:ext uri="{FF2B5EF4-FFF2-40B4-BE49-F238E27FC236}">
+                <a16:creationId xmlns:a16="http://schemas.microsoft.com/office/drawing/2014/main" id="{D22FCCCC-A959-45C6-9683-1F619AEE273B}"/>
+              </a:ext>
+            </a:extLst>
+          </p:cNvPr>
+          <p:cNvSpPr>
+            <a:spLocks noGrp="1"/>
+          </p:cNvSpPr>
+          <p:nvPr>
+            <p:ph type="body" sz="quarter" idx="10"/>
+          </p:nvPr>
+        </p:nvSpPr>
+        <p:spPr/>
+        <p:txBody>
+          <a:bodyPr/>
+          <a:lstStyle/>
+          <a:p>
+            <a:endParaRPr lang="de-DE"/>
+          </a:p>
+        </p:txBody>
+      </p:sp>
+      <p:pic>
+        <p:nvPicPr>
+          <p:cNvPr id="4" name="Grafik 3">
+            <a:extLst>
+              <a:ext uri="{FF2B5EF4-FFF2-40B4-BE49-F238E27FC236}">
+                <a16:creationId xmlns:a16="http://schemas.microsoft.com/office/drawing/2014/main" id="{025C2EEF-DDD8-44B5-963A-2E4CD189A6B1}"/>
+              </a:ext>
+            </a:extLst>
+          </p:cNvPr>
+          <p:cNvPicPr>
+            <a:picLocks noChangeAspect="1"/>
+          </p:cNvPicPr>
+          <p:nvPr/>
+        </p:nvPicPr>
+        <p:blipFill>
+          <a:blip r:embed="rId2"/>
+          <a:stretch>
+            <a:fillRect/>
+          </a:stretch>
+        </p:blipFill>
+        <p:spPr>
+          <a:xfrm>
+            <a:off x="519112" y="1370525"/>
+            <a:ext cx="11172246" cy="3973635"/>
+          </a:xfrm>
+          <a:prstGeom prst="rect">
+            <a:avLst/>
+          </a:prstGeom>
+        </p:spPr>
+      </p:pic>
+    </p:spTree>
+    <p:extLst>
+      <p:ext uri="{BB962C8B-B14F-4D97-AF65-F5344CB8AC3E}">
+        <p14:creationId xmlns:p14="http://schemas.microsoft.com/office/powerpoint/2010/main" val="800724199"/>
+      </p:ext>
+    </p:extLst>
+  </p:cSld>
+  <p:clrMapOvr>
+    <a:masterClrMapping/>
+  </p:clrMapOvr>
+  <p:transition>
+    <p:fade/>
+  </p:transition>
+</p:sld>
+</file>
+
+<file path=ppt/slides/slide16.xml><?xml version="1.0" encoding="utf-8"?>
+<p:sld xmlns:a="http://schemas.openxmlformats.org/drawingml/2006/main" xmlns:r="http://schemas.openxmlformats.org/officeDocument/2006/relationships" xmlns:p="http://schemas.openxmlformats.org/presentationml/2006/main">
+  <p:cSld>
+    <p:spTree>
+      <p:nvGrpSpPr>
+        <p:cNvPr id="1" name=""/>
+        <p:cNvGrpSpPr/>
+        <p:nvPr/>
+      </p:nvGrpSpPr>
+      <p:grpSpPr>
+        <a:xfrm>
+          <a:off x="0" y="0"/>
+          <a:ext cx="0" cy="0"/>
+          <a:chOff x="0" y="0"/>
+          <a:chExt cx="0" cy="0"/>
+        </a:xfrm>
+      </p:grpSpPr>
+      <p:sp>
+        <p:nvSpPr>
+          <p:cNvPr id="2" name="Titel 1">
+            <a:extLst>
+              <a:ext uri="{FF2B5EF4-FFF2-40B4-BE49-F238E27FC236}">
+                <a16:creationId xmlns:a16="http://schemas.microsoft.com/office/drawing/2014/main" id="{286839CA-D0E4-4426-8850-F9D998C4230F}"/>
+              </a:ext>
+            </a:extLst>
+          </p:cNvPr>
+          <p:cNvSpPr>
+            <a:spLocks noGrp="1"/>
+          </p:cNvSpPr>
+          <p:nvPr>
+            <p:ph type="title"/>
+          </p:nvPr>
+        </p:nvSpPr>
+        <p:spPr/>
+        <p:txBody>
+          <a:bodyPr/>
+          <a:lstStyle/>
+          <a:p>
+            <a:r>
+              <a:rPr lang="de-DE" dirty="0" err="1"/>
+              <a:t>WebSite</a:t>
+            </a:r>
+            <a:r>
+              <a:rPr lang="de-DE" dirty="0"/>
+              <a:t> + </a:t>
+            </a:r>
+            <a:r>
+              <a:rPr lang="de-DE" dirty="0" err="1"/>
+              <a:t>WebJob</a:t>
+            </a:r>
+            <a:r>
+              <a:rPr lang="de-DE" dirty="0"/>
+              <a:t>: </a:t>
+            </a:r>
+            <a:r>
+              <a:rPr lang="de-DE" dirty="0" err="1"/>
+              <a:t>HumidityInfo</a:t>
+            </a:r>
+            <a:endParaRPr lang="de-DE" dirty="0"/>
+          </a:p>
+        </p:txBody>
+      </p:sp>
+      <p:sp>
+        <p:nvSpPr>
+          <p:cNvPr id="5" name="Textplatzhalter 4">
+            <a:extLst>
+              <a:ext uri="{FF2B5EF4-FFF2-40B4-BE49-F238E27FC236}">
+                <a16:creationId xmlns:a16="http://schemas.microsoft.com/office/drawing/2014/main" id="{D22FCCCC-A959-45C6-9683-1F619AEE273B}"/>
+              </a:ext>
+            </a:extLst>
+          </p:cNvPr>
+          <p:cNvSpPr>
+            <a:spLocks noGrp="1"/>
+          </p:cNvSpPr>
+          <p:nvPr>
+            <p:ph type="body" sz="quarter" idx="10"/>
+          </p:nvPr>
+        </p:nvSpPr>
+        <p:spPr/>
+        <p:txBody>
+          <a:bodyPr/>
+          <a:lstStyle/>
+          <a:p>
+            <a:endParaRPr lang="de-DE" dirty="0"/>
+          </a:p>
+        </p:txBody>
+      </p:sp>
+      <p:pic>
+        <p:nvPicPr>
+          <p:cNvPr id="3" name="Grafik 2">
+            <a:extLst>
+              <a:ext uri="{FF2B5EF4-FFF2-40B4-BE49-F238E27FC236}">
+                <a16:creationId xmlns:a16="http://schemas.microsoft.com/office/drawing/2014/main" id="{F26FE683-C754-416D-B668-C13F48B4194E}"/>
+              </a:ext>
+            </a:extLst>
+          </p:cNvPr>
+          <p:cNvPicPr>
+            <a:picLocks noChangeAspect="1"/>
+          </p:cNvPicPr>
+          <p:nvPr/>
+        </p:nvPicPr>
+        <p:blipFill>
+          <a:blip r:embed="rId2"/>
+          <a:stretch>
+            <a:fillRect/>
+          </a:stretch>
+        </p:blipFill>
+        <p:spPr>
+          <a:xfrm>
+            <a:off x="519112" y="1370525"/>
+            <a:ext cx="8767128" cy="4896691"/>
+          </a:xfrm>
+          <a:prstGeom prst="rect">
+            <a:avLst/>
+          </a:prstGeom>
+        </p:spPr>
+      </p:pic>
+    </p:spTree>
+    <p:extLst>
+      <p:ext uri="{BB962C8B-B14F-4D97-AF65-F5344CB8AC3E}">
+        <p14:creationId xmlns:p14="http://schemas.microsoft.com/office/powerpoint/2010/main" val="4136225061"/>
+      </p:ext>
+    </p:extLst>
+  </p:cSld>
+  <p:clrMapOvr>
+    <a:masterClrMapping/>
+  </p:clrMapOvr>
+  <p:transition>
+    <p:fade/>
+  </p:transition>
+</p:sld>
+</file>
+
+<file path=ppt/slides/slide17.xml><?xml version="1.0" encoding="utf-8"?>
 <p:sld xmlns:a="http://schemas.openxmlformats.org/drawingml/2006/main" xmlns:r="http://schemas.openxmlformats.org/officeDocument/2006/relationships" xmlns:p="http://schemas.openxmlformats.org/presentationml/2006/main">
   <p:cSld>
     <p:spTree>
@@ -8763,6 +10136,440 @@
           <a:p>
             <a:r>
               <a:rPr lang="de-DE" dirty="0"/>
+              <a:t>Web-Job</a:t>
+            </a:r>
+          </a:p>
+        </p:txBody>
+      </p:sp>
+      <p:sp>
+        <p:nvSpPr>
+          <p:cNvPr id="5" name="Textplatzhalter 4">
+            <a:extLst>
+              <a:ext uri="{FF2B5EF4-FFF2-40B4-BE49-F238E27FC236}">
+                <a16:creationId xmlns:a16="http://schemas.microsoft.com/office/drawing/2014/main" id="{D22FCCCC-A959-45C6-9683-1F619AEE273B}"/>
+              </a:ext>
+            </a:extLst>
+          </p:cNvPr>
+          <p:cNvSpPr>
+            <a:spLocks noGrp="1"/>
+          </p:cNvSpPr>
+          <p:nvPr>
+            <p:ph type="body" sz="quarter" idx="10"/>
+          </p:nvPr>
+        </p:nvSpPr>
+        <p:spPr/>
+        <p:txBody>
+          <a:bodyPr/>
+          <a:lstStyle/>
+          <a:p>
+            <a:endParaRPr lang="de-DE" dirty="0"/>
+          </a:p>
+        </p:txBody>
+      </p:sp>
+      <p:pic>
+        <p:nvPicPr>
+          <p:cNvPr id="7" name="Grafik 6">
+            <a:extLst>
+              <a:ext uri="{FF2B5EF4-FFF2-40B4-BE49-F238E27FC236}">
+                <a16:creationId xmlns:a16="http://schemas.microsoft.com/office/drawing/2014/main" id="{B9A516F4-257A-40A1-ACF3-22BF7AD43BE4}"/>
+              </a:ext>
+            </a:extLst>
+          </p:cNvPr>
+          <p:cNvPicPr>
+            <a:picLocks noChangeAspect="1"/>
+          </p:cNvPicPr>
+          <p:nvPr/>
+        </p:nvPicPr>
+        <p:blipFill>
+          <a:blip r:embed="rId2"/>
+          <a:stretch>
+            <a:fillRect/>
+          </a:stretch>
+        </p:blipFill>
+        <p:spPr>
+          <a:xfrm>
+            <a:off x="102552" y="1370525"/>
+            <a:ext cx="11878530" cy="4491795"/>
+          </a:xfrm>
+          <a:prstGeom prst="rect">
+            <a:avLst/>
+          </a:prstGeom>
+        </p:spPr>
+      </p:pic>
+    </p:spTree>
+    <p:extLst>
+      <p:ext uri="{BB962C8B-B14F-4D97-AF65-F5344CB8AC3E}">
+        <p14:creationId xmlns:p14="http://schemas.microsoft.com/office/powerpoint/2010/main" val="2239907236"/>
+      </p:ext>
+    </p:extLst>
+  </p:cSld>
+  <p:clrMapOvr>
+    <a:masterClrMapping/>
+  </p:clrMapOvr>
+  <p:transition>
+    <p:fade/>
+  </p:transition>
+</p:sld>
+</file>
+
+<file path=ppt/slides/slide18.xml><?xml version="1.0" encoding="utf-8"?>
+<p:sld xmlns:a="http://schemas.openxmlformats.org/drawingml/2006/main" xmlns:r="http://schemas.openxmlformats.org/officeDocument/2006/relationships" xmlns:p="http://schemas.openxmlformats.org/presentationml/2006/main">
+  <p:cSld>
+    <p:spTree>
+      <p:nvGrpSpPr>
+        <p:cNvPr id="1" name=""/>
+        <p:cNvGrpSpPr/>
+        <p:nvPr/>
+      </p:nvGrpSpPr>
+      <p:grpSpPr>
+        <a:xfrm>
+          <a:off x="0" y="0"/>
+          <a:ext cx="0" cy="0"/>
+          <a:chOff x="0" y="0"/>
+          <a:chExt cx="0" cy="0"/>
+        </a:xfrm>
+      </p:grpSpPr>
+      <p:sp>
+        <p:nvSpPr>
+          <p:cNvPr id="2" name="Titel 1">
+            <a:extLst>
+              <a:ext uri="{FF2B5EF4-FFF2-40B4-BE49-F238E27FC236}">
+                <a16:creationId xmlns:a16="http://schemas.microsoft.com/office/drawing/2014/main" id="{286839CA-D0E4-4426-8850-F9D998C4230F}"/>
+              </a:ext>
+            </a:extLst>
+          </p:cNvPr>
+          <p:cNvSpPr>
+            <a:spLocks noGrp="1"/>
+          </p:cNvSpPr>
+          <p:nvPr>
+            <p:ph type="title"/>
+          </p:nvPr>
+        </p:nvSpPr>
+        <p:spPr/>
+        <p:txBody>
+          <a:bodyPr/>
+          <a:lstStyle/>
+          <a:p>
+            <a:r>
+              <a:rPr lang="de-DE" dirty="0" err="1"/>
+              <a:t>WebBrowser</a:t>
+            </a:r>
+            <a:r>
+              <a:rPr lang="de-DE" dirty="0"/>
+              <a:t>: JavaScript</a:t>
+            </a:r>
+          </a:p>
+        </p:txBody>
+      </p:sp>
+      <p:sp>
+        <p:nvSpPr>
+          <p:cNvPr id="5" name="Textplatzhalter 4">
+            <a:extLst>
+              <a:ext uri="{FF2B5EF4-FFF2-40B4-BE49-F238E27FC236}">
+                <a16:creationId xmlns:a16="http://schemas.microsoft.com/office/drawing/2014/main" id="{D22FCCCC-A959-45C6-9683-1F619AEE273B}"/>
+              </a:ext>
+            </a:extLst>
+          </p:cNvPr>
+          <p:cNvSpPr>
+            <a:spLocks noGrp="1"/>
+          </p:cNvSpPr>
+          <p:nvPr>
+            <p:ph type="body" sz="quarter" idx="10"/>
+          </p:nvPr>
+        </p:nvSpPr>
+        <p:spPr/>
+        <p:txBody>
+          <a:bodyPr/>
+          <a:lstStyle/>
+          <a:p>
+            <a:endParaRPr lang="de-DE" dirty="0"/>
+          </a:p>
+        </p:txBody>
+      </p:sp>
+      <p:pic>
+        <p:nvPicPr>
+          <p:cNvPr id="4" name="Grafik 3">
+            <a:extLst>
+              <a:ext uri="{FF2B5EF4-FFF2-40B4-BE49-F238E27FC236}">
+                <a16:creationId xmlns:a16="http://schemas.microsoft.com/office/drawing/2014/main" id="{A8141B77-238C-4C03-B537-B8142D7D280F}"/>
+              </a:ext>
+            </a:extLst>
+          </p:cNvPr>
+          <p:cNvPicPr>
+            <a:picLocks noChangeAspect="1"/>
+          </p:cNvPicPr>
+          <p:nvPr/>
+        </p:nvPicPr>
+        <p:blipFill>
+          <a:blip r:embed="rId2"/>
+          <a:stretch>
+            <a:fillRect/>
+          </a:stretch>
+        </p:blipFill>
+        <p:spPr>
+          <a:xfrm>
+            <a:off x="519112" y="1318631"/>
+            <a:ext cx="11217381" cy="3029849"/>
+          </a:xfrm>
+          <a:prstGeom prst="rect">
+            <a:avLst/>
+          </a:prstGeom>
+        </p:spPr>
+      </p:pic>
+    </p:spTree>
+    <p:extLst>
+      <p:ext uri="{BB962C8B-B14F-4D97-AF65-F5344CB8AC3E}">
+        <p14:creationId xmlns:p14="http://schemas.microsoft.com/office/powerpoint/2010/main" val="3300635047"/>
+      </p:ext>
+    </p:extLst>
+  </p:cSld>
+  <p:clrMapOvr>
+    <a:masterClrMapping/>
+  </p:clrMapOvr>
+  <p:transition>
+    <p:fade/>
+  </p:transition>
+</p:sld>
+</file>
+
+<file path=ppt/slides/slide19.xml><?xml version="1.0" encoding="utf-8"?>
+<p:sld xmlns:a="http://schemas.openxmlformats.org/drawingml/2006/main" xmlns:r="http://schemas.openxmlformats.org/officeDocument/2006/relationships" xmlns:p="http://schemas.openxmlformats.org/presentationml/2006/main">
+  <p:cSld>
+    <p:spTree>
+      <p:nvGrpSpPr>
+        <p:cNvPr id="1" name=""/>
+        <p:cNvGrpSpPr/>
+        <p:nvPr/>
+      </p:nvGrpSpPr>
+      <p:grpSpPr>
+        <a:xfrm>
+          <a:off x="0" y="0"/>
+          <a:ext cx="0" cy="0"/>
+          <a:chOff x="0" y="0"/>
+          <a:chExt cx="0" cy="0"/>
+        </a:xfrm>
+      </p:grpSpPr>
+      <p:sp>
+        <p:nvSpPr>
+          <p:cNvPr id="2" name="Titel 1">
+            <a:extLst>
+              <a:ext uri="{FF2B5EF4-FFF2-40B4-BE49-F238E27FC236}">
+                <a16:creationId xmlns:a16="http://schemas.microsoft.com/office/drawing/2014/main" id="{3050C073-C9A2-4317-BF21-625724E1E27E}"/>
+              </a:ext>
+            </a:extLst>
+          </p:cNvPr>
+          <p:cNvSpPr>
+            <a:spLocks noGrp="1"/>
+          </p:cNvSpPr>
+          <p:nvPr>
+            <p:ph type="title"/>
+          </p:nvPr>
+        </p:nvSpPr>
+        <p:spPr/>
+        <p:txBody>
+          <a:bodyPr/>
+          <a:lstStyle/>
+          <a:p>
+            <a:r>
+              <a:rPr lang="de-DE" dirty="0"/>
+              <a:t>Ausblick</a:t>
+            </a:r>
+          </a:p>
+        </p:txBody>
+      </p:sp>
+      <p:sp>
+        <p:nvSpPr>
+          <p:cNvPr id="3" name="Textplatzhalter 2">
+            <a:extLst>
+              <a:ext uri="{FF2B5EF4-FFF2-40B4-BE49-F238E27FC236}">
+                <a16:creationId xmlns:a16="http://schemas.microsoft.com/office/drawing/2014/main" id="{1205B6A7-4D46-4C56-BD89-4B034F65C458}"/>
+              </a:ext>
+            </a:extLst>
+          </p:cNvPr>
+          <p:cNvSpPr>
+            <a:spLocks noGrp="1"/>
+          </p:cNvSpPr>
+          <p:nvPr>
+            <p:ph type="body" sz="quarter" idx="10"/>
+          </p:nvPr>
+        </p:nvSpPr>
+        <p:spPr>
+          <a:xfrm>
+            <a:off x="519112" y="1370525"/>
+            <a:ext cx="11149013" cy="4339650"/>
+          </a:xfrm>
+        </p:spPr>
+        <p:txBody>
+          <a:bodyPr/>
+          <a:lstStyle/>
+          <a:p>
+            <a:pPr marL="574675" indent="-571500">
+              <a:buFont typeface="Arial" panose="020B0604020202020204" pitchFamily="34" charset="0"/>
+              <a:buChar char="•"/>
+            </a:pPr>
+            <a:r>
+              <a:rPr lang="de-DE" dirty="0"/>
+              <a:t>Zusätzliches Gerät, welches die Bewässerung automatisiert steuert</a:t>
+            </a:r>
+          </a:p>
+          <a:p>
+            <a:pPr marL="574675" indent="-571500">
+              <a:buFont typeface="Arial" panose="020B0604020202020204" pitchFamily="34" charset="0"/>
+              <a:buChar char="•"/>
+            </a:pPr>
+            <a:r>
+              <a:rPr lang="de-DE" dirty="0"/>
+              <a:t>Maschinelles Lernen für wetterabhängiges Bewässern</a:t>
+            </a:r>
+          </a:p>
+          <a:p>
+            <a:pPr marL="574675" indent="-571500">
+              <a:buFont typeface="Arial" panose="020B0604020202020204" pitchFamily="34" charset="0"/>
+              <a:buChar char="•"/>
+            </a:pPr>
+            <a:r>
+              <a:rPr lang="de-DE" dirty="0"/>
+              <a:t>Punkt 3</a:t>
+            </a:r>
+          </a:p>
+          <a:p>
+            <a:pPr marL="574675" indent="-571500">
+              <a:buFont typeface="Arial" panose="020B0604020202020204" pitchFamily="34" charset="0"/>
+              <a:buChar char="•"/>
+            </a:pPr>
+            <a:r>
+              <a:rPr lang="de-DE" dirty="0"/>
+              <a:t>Punkt 4</a:t>
+            </a:r>
+          </a:p>
+          <a:p>
+            <a:endParaRPr lang="de-DE" dirty="0"/>
+          </a:p>
+        </p:txBody>
+      </p:sp>
+    </p:spTree>
+    <p:extLst>
+      <p:ext uri="{BB962C8B-B14F-4D97-AF65-F5344CB8AC3E}">
+        <p14:creationId xmlns:p14="http://schemas.microsoft.com/office/powerpoint/2010/main" val="3101884888"/>
+      </p:ext>
+    </p:extLst>
+  </p:cSld>
+  <p:clrMapOvr>
+    <a:masterClrMapping/>
+  </p:clrMapOvr>
+  <p:transition>
+    <p:fade/>
+  </p:transition>
+</p:sld>
+</file>
+
+<file path=ppt/slides/slide2.xml><?xml version="1.0" encoding="utf-8"?>
+<p:sld xmlns:a="http://schemas.openxmlformats.org/drawingml/2006/main" xmlns:r="http://schemas.openxmlformats.org/officeDocument/2006/relationships" xmlns:p="http://schemas.openxmlformats.org/presentationml/2006/main">
+  <p:cSld>
+    <p:spTree>
+      <p:nvGrpSpPr>
+        <p:cNvPr id="1" name=""/>
+        <p:cNvGrpSpPr/>
+        <p:nvPr/>
+      </p:nvGrpSpPr>
+      <p:grpSpPr>
+        <a:xfrm>
+          <a:off x="0" y="0"/>
+          <a:ext cx="0" cy="0"/>
+          <a:chOff x="0" y="0"/>
+          <a:chExt cx="0" cy="0"/>
+        </a:xfrm>
+      </p:grpSpPr>
+      <p:sp>
+        <p:nvSpPr>
+          <p:cNvPr id="8" name="Titel 7">
+            <a:extLst>
+              <a:ext uri="{FF2B5EF4-FFF2-40B4-BE49-F238E27FC236}">
+                <a16:creationId xmlns:a16="http://schemas.microsoft.com/office/drawing/2014/main" id="{E7BB79B2-7F27-4579-924C-935E43BBB7D2}"/>
+              </a:ext>
+            </a:extLst>
+          </p:cNvPr>
+          <p:cNvSpPr>
+            <a:spLocks noGrp="1"/>
+          </p:cNvSpPr>
+          <p:nvPr>
+            <p:ph type="title"/>
+          </p:nvPr>
+        </p:nvSpPr>
+        <p:spPr/>
+        <p:txBody>
+          <a:bodyPr/>
+          <a:lstStyle/>
+          <a:p>
+            <a:r>
+              <a:rPr lang="de-DE" dirty="0"/>
+              <a:t>Übersicht</a:t>
+            </a:r>
+          </a:p>
+        </p:txBody>
+      </p:sp>
+      <p:sp>
+        <p:nvSpPr>
+          <p:cNvPr id="9" name="Textplatzhalter 8">
+            <a:extLst>
+              <a:ext uri="{FF2B5EF4-FFF2-40B4-BE49-F238E27FC236}">
+                <a16:creationId xmlns:a16="http://schemas.microsoft.com/office/drawing/2014/main" id="{ECD85AF2-25AF-4400-B538-3E425863B521}"/>
+              </a:ext>
+            </a:extLst>
+          </p:cNvPr>
+          <p:cNvSpPr>
+            <a:spLocks noGrp="1"/>
+          </p:cNvSpPr>
+          <p:nvPr>
+            <p:ph type="body" sz="quarter" idx="10"/>
+          </p:nvPr>
+        </p:nvSpPr>
+        <p:spPr>
+          <a:xfrm>
+            <a:off x="519112" y="1370525"/>
+            <a:ext cx="11149013" cy="4570482"/>
+          </a:xfrm>
+        </p:spPr>
+        <p:txBody>
+          <a:bodyPr/>
+          <a:lstStyle/>
+          <a:p>
+            <a:pPr marL="574675" indent="-571500">
+              <a:buFont typeface="Arial" panose="020B0604020202020204" pitchFamily="34" charset="0"/>
+              <a:buChar char="•"/>
+            </a:pPr>
+            <a:r>
+              <a:rPr lang="de-DE" dirty="0"/>
+              <a:t>Azure Übersicht</a:t>
+            </a:r>
+          </a:p>
+          <a:p>
+            <a:pPr marL="574675" indent="-571500">
+              <a:buFont typeface="Arial" panose="020B0604020202020204" pitchFamily="34" charset="0"/>
+              <a:buChar char="•"/>
+            </a:pPr>
+            <a:r>
+              <a:rPr lang="de-DE" dirty="0"/>
+              <a:t>Aufgabenstellung</a:t>
+            </a:r>
+          </a:p>
+          <a:p>
+            <a:pPr marL="574675" indent="-571500">
+              <a:buFont typeface="Arial" panose="020B0604020202020204" pitchFamily="34" charset="0"/>
+              <a:buChar char="•"/>
+            </a:pPr>
+            <a:r>
+              <a:rPr lang="de-DE" dirty="0"/>
+              <a:t>Aufbau</a:t>
+            </a:r>
+          </a:p>
+          <a:p>
+            <a:pPr marL="574675" indent="-571500">
+              <a:buFont typeface="Arial" panose="020B0604020202020204" pitchFamily="34" charset="0"/>
+              <a:buChar char="•"/>
+            </a:pPr>
+            <a:r>
+              <a:rPr lang="de-DE" dirty="0"/>
               <a:t>Azure </a:t>
             </a:r>
             <a:r>
@@ -8772,6 +10579,415 @@
             <a:r>
               <a:rPr lang="de-DE" dirty="0"/>
               <a:t> Hub</a:t>
+            </a:r>
+          </a:p>
+          <a:p>
+            <a:pPr marL="574675" indent="-571500">
+              <a:buFont typeface="Arial" panose="020B0604020202020204" pitchFamily="34" charset="0"/>
+              <a:buChar char="•"/>
+            </a:pPr>
+            <a:r>
+              <a:rPr lang="de-DE" dirty="0"/>
+              <a:t>Raspberry Pi</a:t>
+            </a:r>
+          </a:p>
+          <a:p>
+            <a:pPr marL="574675" indent="-571500">
+              <a:buFont typeface="Arial" panose="020B0604020202020204" pitchFamily="34" charset="0"/>
+              <a:buChar char="•"/>
+            </a:pPr>
+            <a:r>
+              <a:rPr lang="de-DE" dirty="0"/>
+              <a:t>Ausblick</a:t>
+            </a:r>
+          </a:p>
+          <a:p>
+            <a:pPr marL="574675" indent="-571500">
+              <a:buFont typeface="Arial" panose="020B0604020202020204" pitchFamily="34" charset="0"/>
+              <a:buChar char="•"/>
+            </a:pPr>
+            <a:r>
+              <a:rPr lang="de-DE" dirty="0" err="1"/>
+              <a:t>Livedemo</a:t>
+            </a:r>
+            <a:endParaRPr lang="de-DE" dirty="0"/>
+          </a:p>
+        </p:txBody>
+      </p:sp>
+    </p:spTree>
+    <p:extLst>
+      <p:ext uri="{BB962C8B-B14F-4D97-AF65-F5344CB8AC3E}">
+        <p14:creationId xmlns:p14="http://schemas.microsoft.com/office/powerpoint/2010/main" val="402916855"/>
+      </p:ext>
+    </p:extLst>
+  </p:cSld>
+  <p:clrMapOvr>
+    <a:masterClrMapping/>
+  </p:clrMapOvr>
+  <mc:AlternateContent xmlns:mc="http://schemas.openxmlformats.org/markup-compatibility/2006" xmlns:p14="http://schemas.microsoft.com/office/powerpoint/2010/main">
+    <mc:Choice Requires="p14">
+      <p:transition spd="med" p14:dur="700">
+        <p:fade/>
+      </p:transition>
+    </mc:Choice>
+    <mc:Fallback xmlns="">
+      <p:transition spd="med">
+        <p:fade/>
+      </p:transition>
+    </mc:Fallback>
+  </mc:AlternateContent>
+</p:sld>
+</file>
+
+<file path=ppt/slides/slide20.xml><?xml version="1.0" encoding="utf-8"?>
+<p:sld xmlns:a="http://schemas.openxmlformats.org/drawingml/2006/main" xmlns:r="http://schemas.openxmlformats.org/officeDocument/2006/relationships" xmlns:p="http://schemas.openxmlformats.org/presentationml/2006/main">
+  <p:cSld>
+    <p:spTree>
+      <p:nvGrpSpPr>
+        <p:cNvPr id="1" name=""/>
+        <p:cNvGrpSpPr/>
+        <p:nvPr/>
+      </p:nvGrpSpPr>
+      <p:grpSpPr>
+        <a:xfrm>
+          <a:off x="0" y="0"/>
+          <a:ext cx="0" cy="0"/>
+          <a:chOff x="0" y="0"/>
+          <a:chExt cx="0" cy="0"/>
+        </a:xfrm>
+      </p:grpSpPr>
+      <p:sp>
+        <p:nvSpPr>
+          <p:cNvPr id="46" name="Title 3"/>
+          <p:cNvSpPr txBox="1">
+            <a:spLocks/>
+          </p:cNvSpPr>
+          <p:nvPr/>
+        </p:nvSpPr>
+        <p:spPr>
+          <a:xfrm>
+            <a:off x="1080655" y="3373872"/>
+            <a:ext cx="7222373" cy="997196"/>
+          </a:xfrm>
+          <a:prstGeom prst="rect">
+            <a:avLst/>
+          </a:prstGeom>
+        </p:spPr>
+        <p:txBody>
+          <a:bodyPr vert="horz" wrap="square" lIns="0" tIns="0" rIns="0" bIns="0" rtlCol="0" anchor="t">
+            <a:spAutoFit/>
+          </a:bodyPr>
+          <a:lstStyle>
+            <a:lvl1pPr algn="l" defTabSz="914363" rtl="0" eaLnBrk="1" latinLnBrk="0" hangingPunct="1">
+              <a:lnSpc>
+                <a:spcPct val="90000"/>
+              </a:lnSpc>
+              <a:spcBef>
+                <a:spcPct val="0"/>
+              </a:spcBef>
+              <a:buNone/>
+              <a:defRPr lang="en-US" sz="5400" b="0" kern="1200" cap="none" spc="-100" baseline="0">
+                <a:ln w="3175">
+                  <a:noFill/>
+                </a:ln>
+                <a:solidFill>
+                  <a:schemeClr val="bg1"/>
+                </a:solidFill>
+                <a:effectLst/>
+                <a:latin typeface="Segoe UI Light" pitchFamily="34" charset="0"/>
+                <a:ea typeface="+mn-ea"/>
+                <a:cs typeface="Arial" charset="0"/>
+              </a:defRPr>
+            </a:lvl1pPr>
+          </a:lstStyle>
+          <a:p>
+            <a:r>
+              <a:rPr lang="en-US" sz="7200" b="1" dirty="0"/>
+              <a:t>LIVE DEMO</a:t>
+            </a:r>
+          </a:p>
+        </p:txBody>
+      </p:sp>
+      <p:pic>
+        <p:nvPicPr>
+          <p:cNvPr id="1026" name="Picture 2" descr="Bildergebnis für azure IOT">
+            <a:extLst>
+              <a:ext uri="{FF2B5EF4-FFF2-40B4-BE49-F238E27FC236}">
+                <a16:creationId xmlns:a16="http://schemas.microsoft.com/office/drawing/2014/main" id="{90E67DF7-5188-476C-96FB-160232B5BC40}"/>
+              </a:ext>
+            </a:extLst>
+          </p:cNvPr>
+          <p:cNvPicPr>
+            <a:picLocks noChangeAspect="1" noChangeArrowheads="1"/>
+          </p:cNvPicPr>
+          <p:nvPr/>
+        </p:nvPicPr>
+        <p:blipFill rotWithShape="1">
+          <a:blip r:embed="rId3">
+            <a:extLst>
+              <a:ext uri="{BEBA8EAE-BF5A-486C-A8C5-ECC9F3942E4B}">
+                <a14:imgProps xmlns:a14="http://schemas.microsoft.com/office/drawing/2010/main">
+                  <a14:imgLayer r:embed="rId4">
+                    <a14:imgEffect>
+                      <a14:saturation sat="66000"/>
+                    </a14:imgEffect>
+                  </a14:imgLayer>
+                </a14:imgProps>
+              </a:ext>
+              <a:ext uri="{28A0092B-C50C-407E-A947-70E740481C1C}">
+                <a14:useLocalDpi xmlns:a14="http://schemas.microsoft.com/office/drawing/2010/main" val="0"/>
+              </a:ext>
+            </a:extLst>
+          </a:blip>
+          <a:srcRect l="22484" r="22208"/>
+          <a:stretch/>
+        </p:blipFill>
+        <p:spPr bwMode="auto">
+          <a:xfrm>
+            <a:off x="7315201" y="294151"/>
+            <a:ext cx="4294909" cy="4076917"/>
+          </a:xfrm>
+          <a:prstGeom prst="rect">
+            <a:avLst/>
+          </a:prstGeom>
+          <a:noFill/>
+          <a:extLst>
+            <a:ext uri="{909E8E84-426E-40DD-AFC4-6F175D3DCCD1}">
+              <a14:hiddenFill xmlns:a14="http://schemas.microsoft.com/office/drawing/2010/main">
+                <a:solidFill>
+                  <a:srgbClr val="FFFFFF"/>
+                </a:solidFill>
+              </a14:hiddenFill>
+            </a:ext>
+          </a:extLst>
+        </p:spPr>
+      </p:pic>
+    </p:spTree>
+    <p:extLst>
+      <p:ext uri="{BB962C8B-B14F-4D97-AF65-F5344CB8AC3E}">
+        <p14:creationId xmlns:p14="http://schemas.microsoft.com/office/powerpoint/2010/main" val="1452383377"/>
+      </p:ext>
+    </p:extLst>
+  </p:cSld>
+  <p:clrMapOvr>
+    <a:masterClrMapping/>
+  </p:clrMapOvr>
+  <mc:AlternateContent xmlns:mc="http://schemas.openxmlformats.org/markup-compatibility/2006" xmlns:p14="http://schemas.microsoft.com/office/powerpoint/2010/main">
+    <mc:Choice Requires="p14">
+      <p:transition spd="med" p14:dur="700">
+        <p:fade/>
+      </p:transition>
+    </mc:Choice>
+    <mc:Fallback xmlns="">
+      <p:transition spd="med">
+        <p:fade/>
+      </p:transition>
+    </mc:Fallback>
+  </mc:AlternateContent>
+</p:sld>
+</file>
+
+<file path=ppt/slides/slide21.xml><?xml version="1.0" encoding="utf-8"?>
+<p:sld xmlns:a="http://schemas.openxmlformats.org/drawingml/2006/main" xmlns:r="http://schemas.openxmlformats.org/officeDocument/2006/relationships" xmlns:p="http://schemas.openxmlformats.org/presentationml/2006/main">
+  <p:cSld>
+    <p:spTree>
+      <p:nvGrpSpPr>
+        <p:cNvPr id="1" name=""/>
+        <p:cNvGrpSpPr/>
+        <p:nvPr/>
+      </p:nvGrpSpPr>
+      <p:grpSpPr>
+        <a:xfrm>
+          <a:off x="0" y="0"/>
+          <a:ext cx="0" cy="0"/>
+          <a:chOff x="0" y="0"/>
+          <a:chExt cx="0" cy="0"/>
+        </a:xfrm>
+      </p:grpSpPr>
+      <p:sp>
+        <p:nvSpPr>
+          <p:cNvPr id="46" name="Title 3"/>
+          <p:cNvSpPr txBox="1">
+            <a:spLocks/>
+          </p:cNvSpPr>
+          <p:nvPr/>
+        </p:nvSpPr>
+        <p:spPr>
+          <a:xfrm>
+            <a:off x="1080655" y="3373872"/>
+            <a:ext cx="7222373" cy="997196"/>
+          </a:xfrm>
+          <a:prstGeom prst="rect">
+            <a:avLst/>
+          </a:prstGeom>
+        </p:spPr>
+        <p:txBody>
+          <a:bodyPr vert="horz" wrap="square" lIns="0" tIns="0" rIns="0" bIns="0" rtlCol="0" anchor="t">
+            <a:spAutoFit/>
+          </a:bodyPr>
+          <a:lstStyle>
+            <a:lvl1pPr algn="l" defTabSz="914363" rtl="0" eaLnBrk="1" latinLnBrk="0" hangingPunct="1">
+              <a:lnSpc>
+                <a:spcPct val="90000"/>
+              </a:lnSpc>
+              <a:spcBef>
+                <a:spcPct val="0"/>
+              </a:spcBef>
+              <a:buNone/>
+              <a:defRPr lang="en-US" sz="5400" b="0" kern="1200" cap="none" spc="-100" baseline="0">
+                <a:ln w="3175">
+                  <a:noFill/>
+                </a:ln>
+                <a:solidFill>
+                  <a:schemeClr val="bg1"/>
+                </a:solidFill>
+                <a:effectLst/>
+                <a:latin typeface="Segoe UI Light" pitchFamily="34" charset="0"/>
+                <a:ea typeface="+mn-ea"/>
+                <a:cs typeface="Arial" charset="0"/>
+              </a:defRPr>
+            </a:lvl1pPr>
+          </a:lstStyle>
+          <a:p>
+            <a:r>
+              <a:rPr lang="en-US" sz="7200" b="1" dirty="0" err="1"/>
+              <a:t>Noch</a:t>
+            </a:r>
+            <a:r>
+              <a:rPr lang="en-US" sz="7200" b="1" dirty="0"/>
+              <a:t> </a:t>
+            </a:r>
+            <a:r>
+              <a:rPr lang="en-US" sz="7200" b="1" dirty="0" err="1"/>
+              <a:t>Fragen</a:t>
+            </a:r>
+            <a:r>
+              <a:rPr lang="en-US" sz="7200" b="1" dirty="0"/>
+              <a:t>?</a:t>
+            </a:r>
+          </a:p>
+        </p:txBody>
+      </p:sp>
+      <p:pic>
+        <p:nvPicPr>
+          <p:cNvPr id="1026" name="Picture 2" descr="Bildergebnis für azure IOT">
+            <a:extLst>
+              <a:ext uri="{FF2B5EF4-FFF2-40B4-BE49-F238E27FC236}">
+                <a16:creationId xmlns:a16="http://schemas.microsoft.com/office/drawing/2014/main" id="{90E67DF7-5188-476C-96FB-160232B5BC40}"/>
+              </a:ext>
+            </a:extLst>
+          </p:cNvPr>
+          <p:cNvPicPr>
+            <a:picLocks noChangeAspect="1" noChangeArrowheads="1"/>
+          </p:cNvPicPr>
+          <p:nvPr/>
+        </p:nvPicPr>
+        <p:blipFill rotWithShape="1">
+          <a:blip r:embed="rId3">
+            <a:extLst>
+              <a:ext uri="{BEBA8EAE-BF5A-486C-A8C5-ECC9F3942E4B}">
+                <a14:imgProps xmlns:a14="http://schemas.microsoft.com/office/drawing/2010/main">
+                  <a14:imgLayer r:embed="rId4">
+                    <a14:imgEffect>
+                      <a14:saturation sat="66000"/>
+                    </a14:imgEffect>
+                  </a14:imgLayer>
+                </a14:imgProps>
+              </a:ext>
+              <a:ext uri="{28A0092B-C50C-407E-A947-70E740481C1C}">
+                <a14:useLocalDpi xmlns:a14="http://schemas.microsoft.com/office/drawing/2010/main" val="0"/>
+              </a:ext>
+            </a:extLst>
+          </a:blip>
+          <a:srcRect l="22484" r="22208"/>
+          <a:stretch/>
+        </p:blipFill>
+        <p:spPr bwMode="auto">
+          <a:xfrm>
+            <a:off x="7315201" y="294151"/>
+            <a:ext cx="4294909" cy="4076917"/>
+          </a:xfrm>
+          <a:prstGeom prst="rect">
+            <a:avLst/>
+          </a:prstGeom>
+          <a:noFill/>
+          <a:extLst>
+            <a:ext uri="{909E8E84-426E-40DD-AFC4-6F175D3DCCD1}">
+              <a14:hiddenFill xmlns:a14="http://schemas.microsoft.com/office/drawing/2010/main">
+                <a:solidFill>
+                  <a:srgbClr val="FFFFFF"/>
+                </a:solidFill>
+              </a14:hiddenFill>
+            </a:ext>
+          </a:extLst>
+        </p:spPr>
+      </p:pic>
+    </p:spTree>
+    <p:extLst>
+      <p:ext uri="{BB962C8B-B14F-4D97-AF65-F5344CB8AC3E}">
+        <p14:creationId xmlns:p14="http://schemas.microsoft.com/office/powerpoint/2010/main" val="2873770234"/>
+      </p:ext>
+    </p:extLst>
+  </p:cSld>
+  <p:clrMapOvr>
+    <a:masterClrMapping/>
+  </p:clrMapOvr>
+  <mc:AlternateContent xmlns:mc="http://schemas.openxmlformats.org/markup-compatibility/2006" xmlns:p14="http://schemas.microsoft.com/office/powerpoint/2010/main">
+    <mc:Choice Requires="p14">
+      <p:transition spd="med" p14:dur="700">
+        <p:fade/>
+      </p:transition>
+    </mc:Choice>
+    <mc:Fallback xmlns="">
+      <p:transition spd="med">
+        <p:fade/>
+      </p:transition>
+    </mc:Fallback>
+  </mc:AlternateContent>
+</p:sld>
+</file>
+
+<file path=ppt/slides/slide3.xml><?xml version="1.0" encoding="utf-8"?>
+<p:sld xmlns:a="http://schemas.openxmlformats.org/drawingml/2006/main" xmlns:r="http://schemas.openxmlformats.org/officeDocument/2006/relationships" xmlns:p="http://schemas.openxmlformats.org/presentationml/2006/main">
+  <p:cSld>
+    <p:spTree>
+      <p:nvGrpSpPr>
+        <p:cNvPr id="1" name=""/>
+        <p:cNvGrpSpPr/>
+        <p:nvPr/>
+      </p:nvGrpSpPr>
+      <p:grpSpPr>
+        <a:xfrm>
+          <a:off x="0" y="0"/>
+          <a:ext cx="0" cy="0"/>
+          <a:chOff x="0" y="0"/>
+          <a:chExt cx="0" cy="0"/>
+        </a:xfrm>
+      </p:grpSpPr>
+      <p:sp>
+        <p:nvSpPr>
+          <p:cNvPr id="2" name="Titel 1">
+            <a:extLst>
+              <a:ext uri="{FF2B5EF4-FFF2-40B4-BE49-F238E27FC236}">
+                <a16:creationId xmlns:a16="http://schemas.microsoft.com/office/drawing/2014/main" id="{286839CA-D0E4-4426-8850-F9D998C4230F}"/>
+              </a:ext>
+            </a:extLst>
+          </p:cNvPr>
+          <p:cNvSpPr>
+            <a:spLocks noGrp="1"/>
+          </p:cNvSpPr>
+          <p:nvPr>
+            <p:ph type="title"/>
+          </p:nvPr>
+        </p:nvSpPr>
+        <p:spPr/>
+        <p:txBody>
+          <a:bodyPr/>
+          <a:lstStyle/>
+          <a:p>
+            <a:r>
+              <a:rPr lang="de-DE" dirty="0"/>
+              <a:t>Azure Allgemein</a:t>
             </a:r>
           </a:p>
         </p:txBody>
@@ -8795,7 +11011,7 @@
         <p:spPr>
           <a:xfrm>
             <a:off x="519112" y="1370525"/>
-            <a:ext cx="11149013" cy="3231654"/>
+            <a:ext cx="11149013" cy="5793894"/>
           </a:xfrm>
         </p:spPr>
         <p:txBody>
@@ -8808,7 +11024,7 @@
             </a:pPr>
             <a:r>
               <a:rPr lang="de-DE" dirty="0"/>
-              <a:t>Platzhalter für Einführende Punkte (Allgemein)</a:t>
+              <a:t>2008 von Microsoft veröffentlich</a:t>
             </a:r>
           </a:p>
           <a:p>
@@ -8818,7 +11034,7 @@
             </a:pPr>
             <a:r>
               <a:rPr lang="de-DE" dirty="0"/>
-              <a:t>Punkt2</a:t>
+              <a:t>Cloud-Computing Plattform</a:t>
             </a:r>
           </a:p>
           <a:p>
@@ -8828,7 +11044,7 @@
             </a:pPr>
             <a:r>
               <a:rPr lang="de-DE" dirty="0"/>
-              <a:t>Punkt3</a:t>
+              <a:t>Netzbasierte Nutzung von Anwendungen und Datenbanken</a:t>
             </a:r>
           </a:p>
           <a:p>
@@ -8838,8 +11054,39 @@
             </a:pPr>
             <a:r>
               <a:rPr lang="de-DE" dirty="0"/>
-              <a:t>…</a:t>
+              <a:t>Plattformunabhängig</a:t>
             </a:r>
+          </a:p>
+          <a:p>
+            <a:pPr marL="574675" indent="-571500">
+              <a:buFont typeface="Arial" panose="020B0604020202020204" pitchFamily="34" charset="0"/>
+              <a:buChar char="•"/>
+            </a:pPr>
+            <a:r>
+              <a:rPr lang="de-DE" dirty="0"/>
+              <a:t>Appliance für private Cloud-Lösung</a:t>
+            </a:r>
+          </a:p>
+          <a:p>
+            <a:pPr marL="574675" indent="-571500">
+              <a:buFont typeface="Arial" panose="020B0604020202020204" pitchFamily="34" charset="0"/>
+              <a:buChar char="•"/>
+            </a:pPr>
+            <a:r>
+              <a:rPr lang="de-DE" dirty="0" err="1"/>
+              <a:t>IoT</a:t>
+            </a:r>
+            <a:r>
+              <a:rPr lang="de-DE" dirty="0"/>
+              <a:t> Lösung integriert</a:t>
+            </a:r>
+          </a:p>
+          <a:p>
+            <a:pPr marL="574675" indent="-571500">
+              <a:buFont typeface="Arial" panose="020B0604020202020204" pitchFamily="34" charset="0"/>
+              <a:buChar char="•"/>
+            </a:pPr>
+            <a:endParaRPr lang="de-DE" dirty="0"/>
           </a:p>
           <a:p>
             <a:endParaRPr lang="de-DE" dirty="0"/>
@@ -8862,7 +11109,7 @@
 </p:sld>
 </file>
 
-<file path=ppt/slides/slide7.xml><?xml version="1.0" encoding="utf-8"?>
+<file path=ppt/slides/slide4.xml><?xml version="1.0" encoding="utf-8"?>
 <p:sld xmlns:a="http://schemas.openxmlformats.org/drawingml/2006/main" xmlns:r="http://schemas.openxmlformats.org/officeDocument/2006/relationships" xmlns:p="http://schemas.openxmlformats.org/presentationml/2006/main">
   <p:cSld>
     <p:spTree>
@@ -17464,7 +19711,172 @@
 </p:sld>
 </file>
 
-<file path=ppt/slides/slide8.xml><?xml version="1.0" encoding="utf-8"?>
+<file path=ppt/slides/slide5.xml><?xml version="1.0" encoding="utf-8"?>
+<p:sld xmlns:a="http://schemas.openxmlformats.org/drawingml/2006/main" xmlns:r="http://schemas.openxmlformats.org/officeDocument/2006/relationships" xmlns:p="http://schemas.openxmlformats.org/presentationml/2006/main">
+  <p:cSld>
+    <p:spTree>
+      <p:nvGrpSpPr>
+        <p:cNvPr id="1" name=""/>
+        <p:cNvGrpSpPr/>
+        <p:nvPr/>
+      </p:nvGrpSpPr>
+      <p:grpSpPr>
+        <a:xfrm>
+          <a:off x="0" y="0"/>
+          <a:ext cx="0" cy="0"/>
+          <a:chOff x="0" y="0"/>
+          <a:chExt cx="0" cy="0"/>
+        </a:xfrm>
+      </p:grpSpPr>
+      <p:sp>
+        <p:nvSpPr>
+          <p:cNvPr id="2" name="Titel 1">
+            <a:extLst>
+              <a:ext uri="{FF2B5EF4-FFF2-40B4-BE49-F238E27FC236}">
+                <a16:creationId xmlns:a16="http://schemas.microsoft.com/office/drawing/2014/main" id="{7714CD93-2236-46CE-AEA0-B7B00ED3AEA4}"/>
+              </a:ext>
+            </a:extLst>
+          </p:cNvPr>
+          <p:cNvSpPr>
+            <a:spLocks noGrp="1"/>
+          </p:cNvSpPr>
+          <p:nvPr>
+            <p:ph type="title"/>
+          </p:nvPr>
+        </p:nvSpPr>
+        <p:spPr/>
+        <p:txBody>
+          <a:bodyPr/>
+          <a:lstStyle/>
+          <a:p>
+            <a:r>
+              <a:rPr lang="de-DE" dirty="0"/>
+              <a:t>Azure </a:t>
+            </a:r>
+            <a:r>
+              <a:rPr lang="de-DE" dirty="0" err="1"/>
+              <a:t>IoT</a:t>
+            </a:r>
+            <a:r>
+              <a:rPr lang="de-DE" dirty="0"/>
+              <a:t> Hub</a:t>
+            </a:r>
+          </a:p>
+        </p:txBody>
+      </p:sp>
+      <p:sp>
+        <p:nvSpPr>
+          <p:cNvPr id="3" name="Textplatzhalter 2">
+            <a:extLst>
+              <a:ext uri="{FF2B5EF4-FFF2-40B4-BE49-F238E27FC236}">
+                <a16:creationId xmlns:a16="http://schemas.microsoft.com/office/drawing/2014/main" id="{E3A4519F-B760-4A52-9977-6DB6BDF9C0D5}"/>
+              </a:ext>
+            </a:extLst>
+          </p:cNvPr>
+          <p:cNvSpPr>
+            <a:spLocks noGrp="1"/>
+          </p:cNvSpPr>
+          <p:nvPr>
+            <p:ph type="body" sz="quarter" idx="10"/>
+          </p:nvPr>
+        </p:nvSpPr>
+        <p:spPr>
+          <a:xfrm>
+            <a:off x="519112" y="1370525"/>
+            <a:ext cx="11149013" cy="4455066"/>
+          </a:xfrm>
+        </p:spPr>
+        <p:txBody>
+          <a:bodyPr/>
+          <a:lstStyle/>
+          <a:p>
+            <a:pPr marL="574675" indent="-571500">
+              <a:buFont typeface="Arial" panose="020B0604020202020204" pitchFamily="34" charset="0"/>
+              <a:buChar char="•"/>
+            </a:pPr>
+            <a:r>
+              <a:rPr lang="de-DE" dirty="0"/>
+              <a:t>Bidirektionale Kommunikation zwischen </a:t>
+            </a:r>
+            <a:r>
+              <a:rPr lang="de-DE" dirty="0" err="1"/>
+              <a:t>IoT</a:t>
+            </a:r>
+            <a:r>
+              <a:rPr lang="de-DE" dirty="0"/>
+              <a:t>-Geräten und einem Lösungs-Back-End</a:t>
+            </a:r>
+          </a:p>
+          <a:p>
+            <a:pPr marL="574675" indent="-571500">
+              <a:buFont typeface="Arial" panose="020B0604020202020204" pitchFamily="34" charset="0"/>
+              <a:buChar char="•"/>
+            </a:pPr>
+            <a:r>
+              <a:rPr lang="de-DE" dirty="0"/>
+              <a:t>Sicherheit durch Authentifizierung auf Gerätebasis</a:t>
+            </a:r>
+          </a:p>
+          <a:p>
+            <a:pPr marL="574675" indent="-571500">
+              <a:buFont typeface="Arial" panose="020B0604020202020204" pitchFamily="34" charset="0"/>
+              <a:buChar char="•"/>
+            </a:pPr>
+            <a:r>
+              <a:rPr lang="de-DE" dirty="0"/>
+              <a:t>Automatisierter </a:t>
+            </a:r>
+            <a:r>
+              <a:rPr lang="de-DE" dirty="0" err="1"/>
+              <a:t>Provisioning</a:t>
+            </a:r>
+            <a:r>
+              <a:rPr lang="de-DE" dirty="0"/>
+              <a:t>-Dienst</a:t>
+            </a:r>
+          </a:p>
+          <a:p>
+            <a:pPr marL="574675" indent="-571500">
+              <a:buFont typeface="Arial" panose="020B0604020202020204" pitchFamily="34" charset="0"/>
+              <a:buChar char="•"/>
+            </a:pPr>
+            <a:r>
+              <a:rPr lang="de-DE" dirty="0"/>
+              <a:t>Umfangreiche Geräteverwaltung</a:t>
+            </a:r>
+          </a:p>
+          <a:p>
+            <a:pPr marL="574675" indent="-571500">
+              <a:buFont typeface="Arial" panose="020B0604020202020204" pitchFamily="34" charset="0"/>
+              <a:buChar char="•"/>
+            </a:pPr>
+            <a:r>
+              <a:rPr lang="de-DE" dirty="0"/>
+              <a:t>Verschiedenste Entwicklungsmöglichkeiten</a:t>
+            </a:r>
+          </a:p>
+          <a:p>
+            <a:endParaRPr lang="de-DE" dirty="0"/>
+          </a:p>
+        </p:txBody>
+      </p:sp>
+    </p:spTree>
+    <p:extLst>
+      <p:ext uri="{BB962C8B-B14F-4D97-AF65-F5344CB8AC3E}">
+        <p14:creationId xmlns:p14="http://schemas.microsoft.com/office/powerpoint/2010/main" val="2760861994"/>
+      </p:ext>
+    </p:extLst>
+  </p:cSld>
+  <p:clrMapOvr>
+    <a:masterClrMapping/>
+  </p:clrMapOvr>
+  <p:transition>
+    <p:fade/>
+  </p:transition>
+</p:sld>
+</file>
+
+<file path=ppt/slides/slide6.xml><?xml version="1.0" encoding="utf-8"?>
 <p:sld xmlns:a="http://schemas.openxmlformats.org/drawingml/2006/main" xmlns:r="http://schemas.openxmlformats.org/officeDocument/2006/relationships" xmlns:p="http://schemas.openxmlformats.org/presentationml/2006/main">
   <p:cSld>
     <p:spTree>
@@ -19102,7 +21514,7 @@
 </p:sld>
 </file>
 
-<file path=ppt/slides/slide9.xml><?xml version="1.0" encoding="utf-8"?>
+<file path=ppt/slides/slide7.xml><?xml version="1.0" encoding="utf-8"?>
 <p:sld xmlns:a="http://schemas.openxmlformats.org/drawingml/2006/main" xmlns:r="http://schemas.openxmlformats.org/officeDocument/2006/relationships" xmlns:p="http://schemas.openxmlformats.org/presentationml/2006/main">
   <p:cSld>
     <p:spTree>
@@ -19311,7 +21723,9 @@
               <a:srgbClr val="00558D"/>
             </a:solidFill>
             <a:ln>
-              <a:noFill/>
+              <a:solidFill>
+                <a:srgbClr val="00558D"/>
+              </a:solidFill>
               <a:headEnd type="none" w="med" len="med"/>
               <a:tailEnd type="none" w="med" len="med"/>
             </a:ln>
@@ -19413,7 +21827,9 @@
                 </a:schemeClr>
               </a:solidFill>
               <a:ln>
-                <a:noFill/>
+                <a:solidFill>
+                  <a:srgbClr val="00558D"/>
+                </a:solidFill>
                 <a:headEnd type="none" w="med" len="med"/>
                 <a:tailEnd type="none" w="med" len="med"/>
               </a:ln>
@@ -19506,6 +21922,9 @@
                 <a:avLst/>
               </a:prstGeom>
               <a:ln>
+                <a:solidFill>
+                  <a:srgbClr val="00558D"/>
+                </a:solidFill>
                 <a:headEnd type="none" w="med" len="med"/>
                 <a:tailEnd type="none" w="med" len="med"/>
               </a:ln>
@@ -19608,6 +22027,9 @@
                 <a:avLst/>
               </a:prstGeom>
               <a:ln>
+                <a:solidFill>
+                  <a:srgbClr val="00558D"/>
+                </a:solidFill>
                 <a:headEnd type="none" w="med" len="med"/>
                 <a:tailEnd type="none" w="med" len="med"/>
               </a:ln>
@@ -19690,7 +22112,9 @@
               </a:schemeClr>
             </a:solidFill>
             <a:ln>
-              <a:noFill/>
+              <a:solidFill>
+                <a:srgbClr val="00558D"/>
+              </a:solidFill>
               <a:headEnd type="none" w="med" len="med"/>
               <a:tailEnd type="none" w="med" len="med"/>
             </a:ln>
@@ -19788,7 +22212,9 @@
               </a:schemeClr>
             </a:solidFill>
             <a:ln>
-              <a:noFill/>
+              <a:solidFill>
+                <a:srgbClr val="00558D"/>
+              </a:solidFill>
               <a:headEnd type="none" w="med" len="med"/>
               <a:tailEnd type="none" w="med" len="med"/>
             </a:ln>
@@ -19886,7 +22312,9 @@
               </a:schemeClr>
             </a:solidFill>
             <a:ln>
-              <a:noFill/>
+              <a:solidFill>
+                <a:srgbClr val="00558D"/>
+              </a:solidFill>
               <a:headEnd type="none" w="med" len="med"/>
               <a:tailEnd type="none" w="med" len="med"/>
             </a:ln>
@@ -19984,7 +22412,9 @@
               </a:schemeClr>
             </a:solidFill>
             <a:ln>
-              <a:noFill/>
+              <a:solidFill>
+                <a:srgbClr val="00558D"/>
+              </a:solidFill>
               <a:headEnd type="none" w="med" len="med"/>
               <a:tailEnd type="none" w="med" len="med"/>
             </a:ln>
@@ -20074,12 +22504,12 @@
               <a:avLst/>
             </a:prstGeom>
             <a:solidFill>
-              <a:schemeClr val="accent2">
-                <a:lumMod val="75000"/>
-              </a:schemeClr>
+              <a:srgbClr val="0082B3"/>
             </a:solidFill>
             <a:ln>
-              <a:noFill/>
+              <a:solidFill>
+                <a:srgbClr val="00558D"/>
+              </a:solidFill>
               <a:headEnd type="none" w="med" len="med"/>
               <a:tailEnd type="none" w="med" len="med"/>
             </a:ln>
@@ -20174,7 +22604,9 @@
               </a:schemeClr>
             </a:solidFill>
             <a:ln>
-              <a:noFill/>
+              <a:solidFill>
+                <a:srgbClr val="00558D"/>
+              </a:solidFill>
               <a:headEnd type="none" w="med" len="med"/>
               <a:tailEnd type="none" w="med" len="med"/>
             </a:ln>
@@ -20336,153 +22768,1533 @@
   <p:transition>
     <p:fade/>
   </p:transition>
-  <p:timing>
-    <p:tnLst>
-      <p:par>
-        <p:cTn id="1" dur="indefinite" restart="never" nodeType="tmRoot">
-          <p:childTnLst>
-            <p:seq concurrent="1" nextAc="seek">
-              <p:cTn id="2" dur="indefinite" nodeType="mainSeq">
-                <p:childTnLst>
-                  <p:par>
-                    <p:cTn id="3" fill="hold">
-                      <p:stCondLst>
-                        <p:cond delay="indefinite"/>
-                      </p:stCondLst>
-                      <p:childTnLst>
-                        <p:par>
-                          <p:cTn id="4" fill="hold">
-                            <p:stCondLst>
-                              <p:cond delay="0"/>
-                            </p:stCondLst>
-                            <p:childTnLst>
-                              <p:par>
-                                <p:cTn id="5" presetID="1" presetClass="entr" presetSubtype="0" fill="hold" nodeType="clickEffect">
-                                  <p:stCondLst>
-                                    <p:cond delay="0"/>
-                                  </p:stCondLst>
-                                  <p:childTnLst>
-                                    <p:set>
-                                      <p:cBhvr>
-                                        <p:cTn id="6" dur="1" fill="hold">
-                                          <p:stCondLst>
-                                            <p:cond delay="0"/>
-                                          </p:stCondLst>
-                                        </p:cTn>
-                                        <p:tgtEl>
-                                          <p:spTgt spid="4"/>
-                                        </p:tgtEl>
-                                        <p:attrNameLst>
-                                          <p:attrName>style.visibility</p:attrName>
-                                        </p:attrNameLst>
-                                      </p:cBhvr>
-                                      <p:to>
-                                        <p:strVal val="visible"/>
-                                      </p:to>
-                                    </p:set>
-                                  </p:childTnLst>
-                                </p:cTn>
-                              </p:par>
-                            </p:childTnLst>
-                          </p:cTn>
-                        </p:par>
-                      </p:childTnLst>
-                    </p:cTn>
-                  </p:par>
-                  <p:par>
-                    <p:cTn id="7" fill="hold">
-                      <p:stCondLst>
-                        <p:cond delay="indefinite"/>
-                      </p:stCondLst>
-                      <p:childTnLst>
-                        <p:par>
-                          <p:cTn id="8" fill="hold">
-                            <p:stCondLst>
-                              <p:cond delay="0"/>
-                            </p:stCondLst>
-                            <p:childTnLst>
-                              <p:par>
-                                <p:cTn id="9" presetID="1" presetClass="entr" presetSubtype="0" fill="hold" nodeType="clickEffect">
-                                  <p:stCondLst>
-                                    <p:cond delay="0"/>
-                                  </p:stCondLst>
-                                  <p:childTnLst>
-                                    <p:set>
-                                      <p:cBhvr>
-                                        <p:cTn id="10" dur="1" fill="hold">
-                                          <p:stCondLst>
-                                            <p:cond delay="0"/>
-                                          </p:stCondLst>
-                                        </p:cTn>
-                                        <p:tgtEl>
-                                          <p:spTgt spid="16"/>
-                                        </p:tgtEl>
-                                        <p:attrNameLst>
-                                          <p:attrName>style.visibility</p:attrName>
-                                        </p:attrNameLst>
-                                      </p:cBhvr>
-                                      <p:to>
-                                        <p:strVal val="visible"/>
-                                      </p:to>
-                                    </p:set>
-                                  </p:childTnLst>
-                                </p:cTn>
-                              </p:par>
-                              <p:par>
-                                <p:cTn id="11" presetID="1" presetClass="entr" presetSubtype="0" fill="hold" nodeType="withEffect">
-                                  <p:stCondLst>
-                                    <p:cond delay="0"/>
-                                  </p:stCondLst>
-                                  <p:childTnLst>
-                                    <p:set>
-                                      <p:cBhvr>
-                                        <p:cTn id="12" dur="1" fill="hold">
-                                          <p:stCondLst>
-                                            <p:cond delay="0"/>
-                                          </p:stCondLst>
-                                        </p:cTn>
-                                        <p:tgtEl>
-                                          <p:spTgt spid="17"/>
-                                        </p:tgtEl>
-                                        <p:attrNameLst>
-                                          <p:attrName>style.visibility</p:attrName>
-                                        </p:attrNameLst>
-                                      </p:cBhvr>
-                                      <p:to>
-                                        <p:strVal val="visible"/>
-                                      </p:to>
-                                    </p:set>
-                                  </p:childTnLst>
-                                </p:cTn>
-                              </p:par>
-                            </p:childTnLst>
-                          </p:cTn>
-                        </p:par>
-                      </p:childTnLst>
-                    </p:cTn>
-                  </p:par>
-                </p:childTnLst>
-              </p:cTn>
-              <p:prevCondLst>
-                <p:cond evt="onPrev" delay="0">
-                  <p:tgtEl>
-                    <p:sldTgt/>
-                  </p:tgtEl>
-                </p:cond>
-              </p:prevCondLst>
-              <p:nextCondLst>
-                <p:cond evt="onNext" delay="0">
-                  <p:tgtEl>
-                    <p:sldTgt/>
-                  </p:tgtEl>
-                </p:cond>
-              </p:nextCondLst>
-            </p:seq>
-          </p:childTnLst>
-        </p:cTn>
-      </p:par>
-    </p:tnLst>
-  </p:timing>
+</p:sld>
+</file>
+
+<file path=ppt/slides/slide8.xml><?xml version="1.0" encoding="utf-8"?>
+<p:sld xmlns:a="http://schemas.openxmlformats.org/drawingml/2006/main" xmlns:r="http://schemas.openxmlformats.org/officeDocument/2006/relationships" xmlns:p="http://schemas.openxmlformats.org/presentationml/2006/main">
+  <p:cSld>
+    <p:spTree>
+      <p:nvGrpSpPr>
+        <p:cNvPr id="1" name=""/>
+        <p:cNvGrpSpPr/>
+        <p:nvPr/>
+      </p:nvGrpSpPr>
+      <p:grpSpPr>
+        <a:xfrm>
+          <a:off x="0" y="0"/>
+          <a:ext cx="0" cy="0"/>
+          <a:chOff x="0" y="0"/>
+          <a:chExt cx="0" cy="0"/>
+        </a:xfrm>
+      </p:grpSpPr>
+      <p:sp>
+        <p:nvSpPr>
+          <p:cNvPr id="2" name="Titel 1">
+            <a:extLst>
+              <a:ext uri="{FF2B5EF4-FFF2-40B4-BE49-F238E27FC236}">
+                <a16:creationId xmlns:a16="http://schemas.microsoft.com/office/drawing/2014/main" id="{286839CA-D0E4-4426-8850-F9D998C4230F}"/>
+              </a:ext>
+            </a:extLst>
+          </p:cNvPr>
+          <p:cNvSpPr>
+            <a:spLocks noGrp="1"/>
+          </p:cNvSpPr>
+          <p:nvPr>
+            <p:ph type="title"/>
+          </p:nvPr>
+        </p:nvSpPr>
+        <p:spPr>
+          <a:xfrm>
+            <a:off x="519112" y="402776"/>
+            <a:ext cx="11149013" cy="747897"/>
+          </a:xfrm>
+        </p:spPr>
+        <p:txBody>
+          <a:bodyPr/>
+          <a:lstStyle/>
+          <a:p>
+            <a:r>
+              <a:rPr lang="de-DE" dirty="0"/>
+              <a:t>Cloud-</a:t>
+            </a:r>
+            <a:r>
+              <a:rPr lang="de-DE" dirty="0" err="1"/>
+              <a:t>to</a:t>
+            </a:r>
+            <a:r>
+              <a:rPr lang="de-DE" dirty="0"/>
+              <a:t>-Device Nachrichten</a:t>
+            </a:r>
+          </a:p>
+        </p:txBody>
+      </p:sp>
+      <p:sp>
+        <p:nvSpPr>
+          <p:cNvPr id="3" name="Textplatzhalter 2">
+            <a:extLst>
+              <a:ext uri="{FF2B5EF4-FFF2-40B4-BE49-F238E27FC236}">
+                <a16:creationId xmlns:a16="http://schemas.microsoft.com/office/drawing/2014/main" id="{19F4AF21-F8BC-4397-86A0-ACC00AAF48AB}"/>
+              </a:ext>
+            </a:extLst>
+          </p:cNvPr>
+          <p:cNvSpPr>
+            <a:spLocks noGrp="1"/>
+          </p:cNvSpPr>
+          <p:nvPr>
+            <p:ph type="body" sz="quarter" idx="10"/>
+          </p:nvPr>
+        </p:nvSpPr>
+        <p:spPr>
+          <a:xfrm>
+            <a:off x="519112" y="1370525"/>
+            <a:ext cx="11149013" cy="4570482"/>
+          </a:xfrm>
+        </p:spPr>
+        <p:txBody>
+          <a:bodyPr/>
+          <a:lstStyle/>
+          <a:p>
+            <a:pPr marL="574675" indent="-571500">
+              <a:buFont typeface="Arial" panose="020B0604020202020204" pitchFamily="34" charset="0"/>
+              <a:buChar char="•"/>
+            </a:pPr>
+            <a:r>
+              <a:rPr lang="de-DE" dirty="0"/>
+              <a:t>Protokolle vgl. D2C</a:t>
+            </a:r>
+          </a:p>
+          <a:p>
+            <a:pPr marL="574675" indent="-571500">
+              <a:buFont typeface="Arial" panose="020B0604020202020204" pitchFamily="34" charset="0"/>
+              <a:buChar char="•"/>
+            </a:pPr>
+            <a:r>
+              <a:rPr lang="de-DE" dirty="0"/>
+              <a:t>Queue hält maximal 50 Nachrichten</a:t>
+            </a:r>
+          </a:p>
+          <a:p>
+            <a:pPr marL="574675" indent="-571500">
+              <a:buFont typeface="Arial" panose="020B0604020202020204" pitchFamily="34" charset="0"/>
+              <a:buChar char="•"/>
+            </a:pPr>
+            <a:r>
+              <a:rPr lang="de-DE" dirty="0"/>
+              <a:t>Bis zu 48 Stunden</a:t>
+            </a:r>
+          </a:p>
+          <a:p>
+            <a:pPr marL="574675" indent="-571500">
+              <a:buFont typeface="Arial" panose="020B0604020202020204" pitchFamily="34" charset="0"/>
+              <a:buChar char="•"/>
+            </a:pPr>
+            <a:r>
+              <a:rPr lang="de-DE" dirty="0"/>
+              <a:t>Geräte bestätigen den Abschluss</a:t>
+            </a:r>
+          </a:p>
+          <a:p>
+            <a:pPr marL="574675" indent="-571500">
+              <a:buFont typeface="Arial" panose="020B0604020202020204" pitchFamily="34" charset="0"/>
+              <a:buChar char="•"/>
+            </a:pPr>
+            <a:r>
+              <a:rPr lang="de-DE" dirty="0"/>
+              <a:t>Maximal 64 KB groß</a:t>
+            </a:r>
+          </a:p>
+          <a:p>
+            <a:pPr marL="574675" indent="-571500">
+              <a:buFont typeface="Arial" panose="020B0604020202020204" pitchFamily="34" charset="0"/>
+              <a:buChar char="•"/>
+            </a:pPr>
+            <a:r>
+              <a:rPr lang="de-DE" dirty="0"/>
+              <a:t>Verschiedene Nachrichtenstatus</a:t>
+            </a:r>
+          </a:p>
+          <a:p>
+            <a:endParaRPr lang="de-DE" dirty="0"/>
+          </a:p>
+        </p:txBody>
+      </p:sp>
+      <p:grpSp>
+        <p:nvGrpSpPr>
+          <p:cNvPr id="18" name="Group 18">
+            <a:extLst>
+              <a:ext uri="{FF2B5EF4-FFF2-40B4-BE49-F238E27FC236}">
+                <a16:creationId xmlns:a16="http://schemas.microsoft.com/office/drawing/2014/main" id="{FD5229CE-8F9C-4708-88A7-2643733A7987}"/>
+              </a:ext>
+            </a:extLst>
+          </p:cNvPr>
+          <p:cNvGrpSpPr/>
+          <p:nvPr/>
+        </p:nvGrpSpPr>
+        <p:grpSpPr>
+          <a:xfrm>
+            <a:off x="8671376" y="1658501"/>
+            <a:ext cx="3112975" cy="3840438"/>
+            <a:chOff x="3800054" y="2398450"/>
+            <a:chExt cx="3112975" cy="3840438"/>
+          </a:xfrm>
+        </p:grpSpPr>
+        <p:sp>
+          <p:nvSpPr>
+            <p:cNvPr id="19" name="Rectangle 19">
+              <a:extLst>
+                <a:ext uri="{FF2B5EF4-FFF2-40B4-BE49-F238E27FC236}">
+                  <a16:creationId xmlns:a16="http://schemas.microsoft.com/office/drawing/2014/main" id="{585B514F-9308-4D24-8AAC-D85CC4182DE4}"/>
+                </a:ext>
+              </a:extLst>
+            </p:cNvPr>
+            <p:cNvSpPr/>
+            <p:nvPr/>
+          </p:nvSpPr>
+          <p:spPr bwMode="auto">
+            <a:xfrm>
+              <a:off x="3800054" y="2398450"/>
+              <a:ext cx="3112975" cy="3840438"/>
+            </a:xfrm>
+            <a:prstGeom prst="rect">
+              <a:avLst/>
+            </a:prstGeom>
+            <a:solidFill>
+              <a:srgbClr val="00558D"/>
+            </a:solidFill>
+            <a:ln>
+              <a:solidFill>
+                <a:srgbClr val="00558D"/>
+              </a:solidFill>
+              <a:headEnd type="none" w="med" len="med"/>
+              <a:tailEnd type="none" w="med" len="med"/>
+            </a:ln>
+          </p:spPr>
+          <p:style>
+            <a:lnRef idx="2">
+              <a:schemeClr val="accent1">
+                <a:shade val="50000"/>
+              </a:schemeClr>
+            </a:lnRef>
+            <a:fillRef idx="1">
+              <a:schemeClr val="accent1"/>
+            </a:fillRef>
+            <a:effectRef idx="0">
+              <a:schemeClr val="accent1"/>
+            </a:effectRef>
+            <a:fontRef idx="minor">
+              <a:schemeClr val="lt1"/>
+            </a:fontRef>
+          </p:style>
+          <p:txBody>
+            <a:bodyPr vert="horz" wrap="square" lIns="0" tIns="46637" rIns="0" bIns="46637" numCol="1" rtlCol="0" anchor="t" anchorCtr="0" compatLnSpc="1">
+              <a:prstTxWarp prst="textNoShape">
+                <a:avLst/>
+              </a:prstTxWarp>
+            </a:bodyPr>
+            <a:lstStyle/>
+            <a:p>
+              <a:pPr algn="ctr" defTabSz="932398" fontAlgn="base">
+                <a:spcBef>
+                  <a:spcPct val="0"/>
+                </a:spcBef>
+                <a:spcAft>
+                  <a:spcPct val="0"/>
+                </a:spcAft>
+              </a:pPr>
+              <a:r>
+                <a:rPr lang="en-US" sz="2000" dirty="0">
+                  <a:gradFill>
+                    <a:gsLst>
+                      <a:gs pos="16814">
+                        <a:srgbClr val="FFFFFF"/>
+                      </a:gs>
+                      <a:gs pos="46000">
+                        <a:srgbClr val="FFFFFF"/>
+                      </a:gs>
+                    </a:gsLst>
+                    <a:lin ang="5400000" scaled="0"/>
+                  </a:gradFill>
+                </a:rPr>
+                <a:t>Azure IoT Suite: IoT Hub</a:t>
+              </a:r>
+            </a:p>
+          </p:txBody>
+        </p:sp>
+        <p:grpSp>
+          <p:nvGrpSpPr>
+            <p:cNvPr id="20" name="Group 20">
+              <a:extLst>
+                <a:ext uri="{FF2B5EF4-FFF2-40B4-BE49-F238E27FC236}">
+                  <a16:creationId xmlns:a16="http://schemas.microsoft.com/office/drawing/2014/main" id="{C6EEB0E5-0EE3-4E05-9283-50FFFC92831A}"/>
+                </a:ext>
+              </a:extLst>
+            </p:cNvPr>
+            <p:cNvGrpSpPr/>
+            <p:nvPr/>
+          </p:nvGrpSpPr>
+          <p:grpSpPr>
+            <a:xfrm>
+              <a:off x="3932262" y="2857189"/>
+              <a:ext cx="1371585" cy="1554464"/>
+              <a:chOff x="1829165" y="3680140"/>
+              <a:chExt cx="1371585" cy="1554464"/>
+            </a:xfrm>
+          </p:grpSpPr>
+          <p:sp>
+            <p:nvSpPr>
+              <p:cNvPr id="27" name="Rectangle 27">
+                <a:extLst>
+                  <a:ext uri="{FF2B5EF4-FFF2-40B4-BE49-F238E27FC236}">
+                    <a16:creationId xmlns:a16="http://schemas.microsoft.com/office/drawing/2014/main" id="{D4774B0E-B4FF-4AC1-A737-58871F61EF36}"/>
+                  </a:ext>
+                </a:extLst>
+              </p:cNvPr>
+              <p:cNvSpPr/>
+              <p:nvPr/>
+            </p:nvSpPr>
+            <p:spPr bwMode="auto">
+              <a:xfrm>
+                <a:off x="1829165" y="3680140"/>
+                <a:ext cx="1371585" cy="1554464"/>
+              </a:xfrm>
+              <a:prstGeom prst="rect">
+                <a:avLst/>
+              </a:prstGeom>
+              <a:solidFill>
+                <a:srgbClr val="0082B3"/>
+              </a:solidFill>
+              <a:ln>
+                <a:noFill/>
+                <a:headEnd type="none" w="med" len="med"/>
+                <a:tailEnd type="none" w="med" len="med"/>
+              </a:ln>
+            </p:spPr>
+            <p:style>
+              <a:lnRef idx="2">
+                <a:schemeClr val="accent4">
+                  <a:shade val="50000"/>
+                </a:schemeClr>
+              </a:lnRef>
+              <a:fillRef idx="1">
+                <a:schemeClr val="accent4"/>
+              </a:fillRef>
+              <a:effectRef idx="0">
+                <a:schemeClr val="accent4"/>
+              </a:effectRef>
+              <a:fontRef idx="minor">
+                <a:schemeClr val="lt1"/>
+              </a:fontRef>
+            </p:style>
+            <p:txBody>
+              <a:bodyPr vert="horz" wrap="square" lIns="0" tIns="46637" rIns="0" bIns="46637" numCol="1" rtlCol="0" anchor="t" anchorCtr="0" compatLnSpc="1">
+                <a:prstTxWarp prst="textNoShape">
+                  <a:avLst/>
+                </a:prstTxWarp>
+              </a:bodyPr>
+              <a:lstStyle/>
+              <a:p>
+                <a:pPr algn="ctr" defTabSz="932398" fontAlgn="base">
+                  <a:spcBef>
+                    <a:spcPct val="0"/>
+                  </a:spcBef>
+                  <a:spcAft>
+                    <a:spcPct val="0"/>
+                  </a:spcAft>
+                </a:pPr>
+                <a:r>
+                  <a:rPr lang="en-US" sz="1400" dirty="0">
+                    <a:gradFill>
+                      <a:gsLst>
+                        <a:gs pos="16814">
+                          <a:srgbClr val="FFFFFF"/>
+                        </a:gs>
+                        <a:gs pos="46000">
+                          <a:srgbClr val="FFFFFF"/>
+                        </a:gs>
+                      </a:gsLst>
+                      <a:lin ang="5400000" scaled="0"/>
+                    </a:gradFill>
+                  </a:rPr>
+                  <a:t>Device </a:t>
+                </a:r>
+                <a:r>
+                  <a:rPr lang="en-US" sz="1400" i="1" dirty="0">
+                    <a:gradFill>
+                      <a:gsLst>
+                        <a:gs pos="16814">
+                          <a:srgbClr val="FFFFFF"/>
+                        </a:gs>
+                        <a:gs pos="46000">
+                          <a:srgbClr val="FFFFFF"/>
+                        </a:gs>
+                      </a:gsLst>
+                      <a:lin ang="5400000" scaled="0"/>
+                    </a:gradFill>
+                  </a:rPr>
+                  <a:t>id</a:t>
+                </a:r>
+              </a:p>
+            </p:txBody>
+          </p:sp>
+          <p:sp>
+            <p:nvSpPr>
+              <p:cNvPr id="28" name="Rectangle 28">
+                <a:extLst>
+                  <a:ext uri="{FF2B5EF4-FFF2-40B4-BE49-F238E27FC236}">
+                    <a16:creationId xmlns:a16="http://schemas.microsoft.com/office/drawing/2014/main" id="{AB2A2C78-3D87-4316-9E7F-C738E5F8339C}"/>
+                  </a:ext>
+                </a:extLst>
+              </p:cNvPr>
+              <p:cNvSpPr/>
+              <p:nvPr/>
+            </p:nvSpPr>
+            <p:spPr bwMode="auto">
+              <a:xfrm>
+                <a:off x="2012042" y="4594530"/>
+                <a:ext cx="1005829" cy="457195"/>
+              </a:xfrm>
+              <a:prstGeom prst="rect">
+                <a:avLst/>
+              </a:prstGeom>
+              <a:ln>
+                <a:headEnd type="none" w="med" len="med"/>
+                <a:tailEnd type="none" w="med" len="med"/>
+              </a:ln>
+            </p:spPr>
+            <p:style>
+              <a:lnRef idx="2">
+                <a:schemeClr val="accent2">
+                  <a:shade val="50000"/>
+                </a:schemeClr>
+              </a:lnRef>
+              <a:fillRef idx="1">
+                <a:schemeClr val="accent2"/>
+              </a:fillRef>
+              <a:effectRef idx="0">
+                <a:schemeClr val="accent2"/>
+              </a:effectRef>
+              <a:fontRef idx="minor">
+                <a:schemeClr val="lt1"/>
+              </a:fontRef>
+            </p:style>
+            <p:txBody>
+              <a:bodyPr vert="horz" wrap="square" lIns="0" tIns="46637" rIns="0" bIns="46637" numCol="1" rtlCol="0" anchor="ctr" anchorCtr="0" compatLnSpc="1">
+                <a:prstTxWarp prst="textNoShape">
+                  <a:avLst/>
+                </a:prstTxWarp>
+              </a:bodyPr>
+              <a:lstStyle/>
+              <a:p>
+                <a:pPr algn="ctr" defTabSz="932398" fontAlgn="base">
+                  <a:spcBef>
+                    <a:spcPct val="0"/>
+                  </a:spcBef>
+                  <a:spcAft>
+                    <a:spcPct val="0"/>
+                  </a:spcAft>
+                </a:pPr>
+                <a:r>
+                  <a:rPr lang="en-US" sz="1200" b="1" dirty="0">
+                    <a:gradFill>
+                      <a:gsLst>
+                        <a:gs pos="16814">
+                          <a:srgbClr val="FFFFFF"/>
+                        </a:gs>
+                        <a:gs pos="46000">
+                          <a:srgbClr val="FFFFFF"/>
+                        </a:gs>
+                      </a:gsLst>
+                      <a:lin ang="5400000" scaled="0"/>
+                    </a:gradFill>
+                  </a:rPr>
+                  <a:t>C2D queue</a:t>
+                </a:r>
+              </a:p>
+              <a:p>
+                <a:pPr algn="ctr" defTabSz="932398" fontAlgn="base">
+                  <a:spcBef>
+                    <a:spcPct val="0"/>
+                  </a:spcBef>
+                  <a:spcAft>
+                    <a:spcPct val="0"/>
+                  </a:spcAft>
+                </a:pPr>
+                <a:r>
+                  <a:rPr lang="en-US" sz="1200" b="1" dirty="0">
+                    <a:gradFill>
+                      <a:gsLst>
+                        <a:gs pos="16814">
+                          <a:srgbClr val="FFFFFF"/>
+                        </a:gs>
+                        <a:gs pos="46000">
+                          <a:srgbClr val="FFFFFF"/>
+                        </a:gs>
+                      </a:gsLst>
+                      <a:lin ang="5400000" scaled="0"/>
+                    </a:gradFill>
+                  </a:rPr>
+                  <a:t>endpoint</a:t>
+                </a:r>
+              </a:p>
+            </p:txBody>
+          </p:sp>
+          <p:sp>
+            <p:nvSpPr>
+              <p:cNvPr id="29" name="Rectangle 29">
+                <a:extLst>
+                  <a:ext uri="{FF2B5EF4-FFF2-40B4-BE49-F238E27FC236}">
+                    <a16:creationId xmlns:a16="http://schemas.microsoft.com/office/drawing/2014/main" id="{E342D8F0-CC2C-4CEA-B2E6-B73CB950C115}"/>
+                  </a:ext>
+                </a:extLst>
+              </p:cNvPr>
+              <p:cNvSpPr/>
+              <p:nvPr/>
+            </p:nvSpPr>
+            <p:spPr bwMode="auto">
+              <a:xfrm>
+                <a:off x="2012041" y="4045896"/>
+                <a:ext cx="1005829" cy="457195"/>
+              </a:xfrm>
+              <a:prstGeom prst="rect">
+                <a:avLst/>
+              </a:prstGeom>
+              <a:ln>
+                <a:headEnd type="none" w="med" len="med"/>
+                <a:tailEnd type="none" w="med" len="med"/>
+              </a:ln>
+            </p:spPr>
+            <p:style>
+              <a:lnRef idx="2">
+                <a:schemeClr val="accent2">
+                  <a:shade val="50000"/>
+                </a:schemeClr>
+              </a:lnRef>
+              <a:fillRef idx="1">
+                <a:schemeClr val="accent2"/>
+              </a:fillRef>
+              <a:effectRef idx="0">
+                <a:schemeClr val="accent2"/>
+              </a:effectRef>
+              <a:fontRef idx="minor">
+                <a:schemeClr val="lt1"/>
+              </a:fontRef>
+            </p:style>
+            <p:txBody>
+              <a:bodyPr vert="horz" wrap="square" lIns="0" tIns="46637" rIns="0" bIns="46637" numCol="1" rtlCol="0" anchor="ctr" anchorCtr="0" compatLnSpc="1">
+                <a:prstTxWarp prst="textNoShape">
+                  <a:avLst/>
+                </a:prstTxWarp>
+              </a:bodyPr>
+              <a:lstStyle/>
+              <a:p>
+                <a:pPr algn="ctr" defTabSz="932398" fontAlgn="base">
+                  <a:spcBef>
+                    <a:spcPct val="0"/>
+                  </a:spcBef>
+                  <a:spcAft>
+                    <a:spcPct val="0"/>
+                  </a:spcAft>
+                </a:pPr>
+                <a:r>
+                  <a:rPr lang="en-US" sz="1200" dirty="0">
+                    <a:gradFill>
+                      <a:gsLst>
+                        <a:gs pos="16814">
+                          <a:srgbClr val="FFFFFF"/>
+                        </a:gs>
+                        <a:gs pos="46000">
+                          <a:srgbClr val="FFFFFF"/>
+                        </a:gs>
+                      </a:gsLst>
+                      <a:lin ang="5400000" scaled="0"/>
+                    </a:gradFill>
+                  </a:rPr>
+                  <a:t>D2C send endpoint</a:t>
+                </a:r>
+              </a:p>
+            </p:txBody>
+          </p:sp>
+        </p:grpSp>
+        <p:sp>
+          <p:nvSpPr>
+            <p:cNvPr id="21" name="Rectangle 21">
+              <a:extLst>
+                <a:ext uri="{FF2B5EF4-FFF2-40B4-BE49-F238E27FC236}">
+                  <a16:creationId xmlns:a16="http://schemas.microsoft.com/office/drawing/2014/main" id="{CBCEB0FB-8A03-4FFF-8A5A-DA73FEC0BA21}"/>
+                </a:ext>
+              </a:extLst>
+            </p:cNvPr>
+            <p:cNvSpPr/>
+            <p:nvPr/>
+          </p:nvSpPr>
+          <p:spPr bwMode="auto">
+            <a:xfrm>
+              <a:off x="3932262" y="4594530"/>
+              <a:ext cx="1371585" cy="365757"/>
+            </a:xfrm>
+            <a:prstGeom prst="rect">
+              <a:avLst/>
+            </a:prstGeom>
+            <a:solidFill>
+              <a:srgbClr val="0082B3"/>
+            </a:solidFill>
+            <a:ln>
+              <a:noFill/>
+              <a:headEnd type="none" w="med" len="med"/>
+              <a:tailEnd type="none" w="med" len="med"/>
+            </a:ln>
+          </p:spPr>
+          <p:style>
+            <a:lnRef idx="2">
+              <a:schemeClr val="accent4">
+                <a:shade val="50000"/>
+              </a:schemeClr>
+            </a:lnRef>
+            <a:fillRef idx="1">
+              <a:schemeClr val="accent4"/>
+            </a:fillRef>
+            <a:effectRef idx="0">
+              <a:schemeClr val="accent4"/>
+            </a:effectRef>
+            <a:fontRef idx="minor">
+              <a:schemeClr val="lt1"/>
+            </a:fontRef>
+          </p:style>
+          <p:txBody>
+            <a:bodyPr vert="horz" wrap="square" lIns="0" tIns="46637" rIns="0" bIns="46637" numCol="1" rtlCol="0" anchor="t" anchorCtr="0" compatLnSpc="1">
+              <a:prstTxWarp prst="textNoShape">
+                <a:avLst/>
+              </a:prstTxWarp>
+            </a:bodyPr>
+            <a:lstStyle/>
+            <a:p>
+              <a:pPr algn="ctr" defTabSz="932398" fontAlgn="base">
+                <a:spcBef>
+                  <a:spcPct val="0"/>
+                </a:spcBef>
+                <a:spcAft>
+                  <a:spcPct val="0"/>
+                </a:spcAft>
+              </a:pPr>
+              <a:r>
+                <a:rPr lang="en-US" sz="1400" dirty="0">
+                  <a:gradFill>
+                    <a:gsLst>
+                      <a:gs pos="16814">
+                        <a:srgbClr val="FFFFFF"/>
+                      </a:gs>
+                      <a:gs pos="46000">
+                        <a:srgbClr val="FFFFFF"/>
+                      </a:gs>
+                    </a:gsLst>
+                    <a:lin ang="5400000" scaled="0"/>
+                  </a:gradFill>
+                </a:rPr>
+                <a:t>Device </a:t>
+              </a:r>
+              <a:r>
+                <a:rPr lang="en-US" sz="1400" i="1" dirty="0">
+                  <a:gradFill>
+                    <a:gsLst>
+                      <a:gs pos="16814">
+                        <a:srgbClr val="FFFFFF"/>
+                      </a:gs>
+                      <a:gs pos="46000">
+                        <a:srgbClr val="FFFFFF"/>
+                      </a:gs>
+                    </a:gsLst>
+                    <a:lin ang="5400000" scaled="0"/>
+                  </a:gradFill>
+                </a:rPr>
+                <a:t>…</a:t>
+              </a:r>
+            </a:p>
+          </p:txBody>
+        </p:sp>
+        <p:sp>
+          <p:nvSpPr>
+            <p:cNvPr id="22" name="Rectangle 22">
+              <a:extLst>
+                <a:ext uri="{FF2B5EF4-FFF2-40B4-BE49-F238E27FC236}">
+                  <a16:creationId xmlns:a16="http://schemas.microsoft.com/office/drawing/2014/main" id="{62DFFCC1-EB7B-4A1D-BE78-43AE8EF7A9B9}"/>
+                </a:ext>
+              </a:extLst>
+            </p:cNvPr>
+            <p:cNvSpPr/>
+            <p:nvPr/>
+          </p:nvSpPr>
+          <p:spPr bwMode="auto">
+            <a:xfrm>
+              <a:off x="3932262" y="5076794"/>
+              <a:ext cx="1371585" cy="365757"/>
+            </a:xfrm>
+            <a:prstGeom prst="rect">
+              <a:avLst/>
+            </a:prstGeom>
+            <a:solidFill>
+              <a:srgbClr val="0082B3"/>
+            </a:solidFill>
+            <a:ln>
+              <a:noFill/>
+              <a:headEnd type="none" w="med" len="med"/>
+              <a:tailEnd type="none" w="med" len="med"/>
+            </a:ln>
+          </p:spPr>
+          <p:style>
+            <a:lnRef idx="2">
+              <a:schemeClr val="accent4">
+                <a:shade val="50000"/>
+              </a:schemeClr>
+            </a:lnRef>
+            <a:fillRef idx="1">
+              <a:schemeClr val="accent4"/>
+            </a:fillRef>
+            <a:effectRef idx="0">
+              <a:schemeClr val="accent4"/>
+            </a:effectRef>
+            <a:fontRef idx="minor">
+              <a:schemeClr val="lt1"/>
+            </a:fontRef>
+          </p:style>
+          <p:txBody>
+            <a:bodyPr vert="horz" wrap="square" lIns="0" tIns="46637" rIns="0" bIns="46637" numCol="1" rtlCol="0" anchor="t" anchorCtr="0" compatLnSpc="1">
+              <a:prstTxWarp prst="textNoShape">
+                <a:avLst/>
+              </a:prstTxWarp>
+            </a:bodyPr>
+            <a:lstStyle/>
+            <a:p>
+              <a:pPr algn="ctr" defTabSz="932398" fontAlgn="base">
+                <a:spcBef>
+                  <a:spcPct val="0"/>
+                </a:spcBef>
+                <a:spcAft>
+                  <a:spcPct val="0"/>
+                </a:spcAft>
+              </a:pPr>
+              <a:r>
+                <a:rPr lang="en-US" sz="1400" dirty="0">
+                  <a:gradFill>
+                    <a:gsLst>
+                      <a:gs pos="16814">
+                        <a:srgbClr val="FFFFFF"/>
+                      </a:gs>
+                      <a:gs pos="46000">
+                        <a:srgbClr val="FFFFFF"/>
+                      </a:gs>
+                    </a:gsLst>
+                    <a:lin ang="5400000" scaled="0"/>
+                  </a:gradFill>
+                </a:rPr>
+                <a:t>Device </a:t>
+              </a:r>
+              <a:r>
+                <a:rPr lang="en-US" sz="1400" i="1" dirty="0">
+                  <a:gradFill>
+                    <a:gsLst>
+                      <a:gs pos="16814">
+                        <a:srgbClr val="FFFFFF"/>
+                      </a:gs>
+                      <a:gs pos="46000">
+                        <a:srgbClr val="FFFFFF"/>
+                      </a:gs>
+                    </a:gsLst>
+                    <a:lin ang="5400000" scaled="0"/>
+                  </a:gradFill>
+                </a:rPr>
+                <a:t>…</a:t>
+              </a:r>
+            </a:p>
+          </p:txBody>
+        </p:sp>
+        <p:sp>
+          <p:nvSpPr>
+            <p:cNvPr id="23" name="Rectangle 23">
+              <a:extLst>
+                <a:ext uri="{FF2B5EF4-FFF2-40B4-BE49-F238E27FC236}">
+                  <a16:creationId xmlns:a16="http://schemas.microsoft.com/office/drawing/2014/main" id="{B5B76B0F-E65F-4731-A544-A9CE87E6FE43}"/>
+                </a:ext>
+              </a:extLst>
+            </p:cNvPr>
+            <p:cNvSpPr/>
+            <p:nvPr/>
+          </p:nvSpPr>
+          <p:spPr bwMode="auto">
+            <a:xfrm>
+              <a:off x="3932259" y="5517920"/>
+              <a:ext cx="1371585" cy="365757"/>
+            </a:xfrm>
+            <a:prstGeom prst="rect">
+              <a:avLst/>
+            </a:prstGeom>
+            <a:solidFill>
+              <a:srgbClr val="0082B3"/>
+            </a:solidFill>
+            <a:ln>
+              <a:noFill/>
+              <a:headEnd type="none" w="med" len="med"/>
+              <a:tailEnd type="none" w="med" len="med"/>
+            </a:ln>
+          </p:spPr>
+          <p:style>
+            <a:lnRef idx="2">
+              <a:schemeClr val="accent4">
+                <a:shade val="50000"/>
+              </a:schemeClr>
+            </a:lnRef>
+            <a:fillRef idx="1">
+              <a:schemeClr val="accent4"/>
+            </a:fillRef>
+            <a:effectRef idx="0">
+              <a:schemeClr val="accent4"/>
+            </a:effectRef>
+            <a:fontRef idx="minor">
+              <a:schemeClr val="lt1"/>
+            </a:fontRef>
+          </p:style>
+          <p:txBody>
+            <a:bodyPr vert="horz" wrap="square" lIns="0" tIns="46637" rIns="0" bIns="46637" numCol="1" rtlCol="0" anchor="t" anchorCtr="0" compatLnSpc="1">
+              <a:prstTxWarp prst="textNoShape">
+                <a:avLst/>
+              </a:prstTxWarp>
+            </a:bodyPr>
+            <a:lstStyle/>
+            <a:p>
+              <a:pPr algn="ctr" defTabSz="932398" fontAlgn="base">
+                <a:spcBef>
+                  <a:spcPct val="0"/>
+                </a:spcBef>
+                <a:spcAft>
+                  <a:spcPct val="0"/>
+                </a:spcAft>
+              </a:pPr>
+              <a:r>
+                <a:rPr lang="en-US" sz="1400" dirty="0">
+                  <a:gradFill>
+                    <a:gsLst>
+                      <a:gs pos="16814">
+                        <a:srgbClr val="FFFFFF"/>
+                      </a:gs>
+                      <a:gs pos="46000">
+                        <a:srgbClr val="FFFFFF"/>
+                      </a:gs>
+                    </a:gsLst>
+                    <a:lin ang="5400000" scaled="0"/>
+                  </a:gradFill>
+                </a:rPr>
+                <a:t>Device </a:t>
+              </a:r>
+              <a:r>
+                <a:rPr lang="en-US" sz="1400" i="1" dirty="0">
+                  <a:gradFill>
+                    <a:gsLst>
+                      <a:gs pos="16814">
+                        <a:srgbClr val="FFFFFF"/>
+                      </a:gs>
+                      <a:gs pos="46000">
+                        <a:srgbClr val="FFFFFF"/>
+                      </a:gs>
+                    </a:gsLst>
+                    <a:lin ang="5400000" scaled="0"/>
+                  </a:gradFill>
+                </a:rPr>
+                <a:t>…</a:t>
+              </a:r>
+            </a:p>
+          </p:txBody>
+        </p:sp>
+        <p:sp>
+          <p:nvSpPr>
+            <p:cNvPr id="24" name="Rectangle 24">
+              <a:extLst>
+                <a:ext uri="{FF2B5EF4-FFF2-40B4-BE49-F238E27FC236}">
+                  <a16:creationId xmlns:a16="http://schemas.microsoft.com/office/drawing/2014/main" id="{CCF4966F-3F2D-40E0-B312-E99601B7CF25}"/>
+                </a:ext>
+              </a:extLst>
+            </p:cNvPr>
+            <p:cNvSpPr/>
+            <p:nvPr/>
+          </p:nvSpPr>
+          <p:spPr bwMode="auto">
+            <a:xfrm>
+              <a:off x="5364082" y="2857532"/>
+              <a:ext cx="1371585" cy="548635"/>
+            </a:xfrm>
+            <a:prstGeom prst="rect">
+              <a:avLst/>
+            </a:prstGeom>
+            <a:solidFill>
+              <a:srgbClr val="0082B3"/>
+            </a:solidFill>
+            <a:ln>
+              <a:noFill/>
+              <a:headEnd type="none" w="med" len="med"/>
+              <a:tailEnd type="none" w="med" len="med"/>
+            </a:ln>
+          </p:spPr>
+          <p:style>
+            <a:lnRef idx="2">
+              <a:schemeClr val="accent4">
+                <a:shade val="50000"/>
+              </a:schemeClr>
+            </a:lnRef>
+            <a:fillRef idx="1">
+              <a:schemeClr val="accent4"/>
+            </a:fillRef>
+            <a:effectRef idx="0">
+              <a:schemeClr val="accent4"/>
+            </a:effectRef>
+            <a:fontRef idx="minor">
+              <a:schemeClr val="lt1"/>
+            </a:fontRef>
+          </p:style>
+          <p:txBody>
+            <a:bodyPr vert="horz" wrap="square" lIns="0" tIns="46637" rIns="0" bIns="46637" numCol="1" rtlCol="0" anchor="t" anchorCtr="0" compatLnSpc="1">
+              <a:prstTxWarp prst="textNoShape">
+                <a:avLst/>
+              </a:prstTxWarp>
+            </a:bodyPr>
+            <a:lstStyle/>
+            <a:p>
+              <a:pPr algn="ctr" defTabSz="932398" fontAlgn="base">
+                <a:spcBef>
+                  <a:spcPct val="0"/>
+                </a:spcBef>
+                <a:spcAft>
+                  <a:spcPct val="0"/>
+                </a:spcAft>
+              </a:pPr>
+              <a:r>
+                <a:rPr lang="en-US" sz="1400" dirty="0">
+                  <a:gradFill>
+                    <a:gsLst>
+                      <a:gs pos="16814">
+                        <a:srgbClr val="FFFFFF"/>
+                      </a:gs>
+                      <a:gs pos="46000">
+                        <a:srgbClr val="FFFFFF"/>
+                      </a:gs>
+                    </a:gsLst>
+                    <a:lin ang="5400000" scaled="0"/>
+                  </a:gradFill>
+                </a:rPr>
+                <a:t>D2C receive endpoint</a:t>
+              </a:r>
+              <a:endParaRPr lang="en-US" sz="1400" i="1" dirty="0">
+                <a:gradFill>
+                  <a:gsLst>
+                    <a:gs pos="16814">
+                      <a:srgbClr val="FFFFFF"/>
+                    </a:gs>
+                    <a:gs pos="46000">
+                      <a:srgbClr val="FFFFFF"/>
+                    </a:gs>
+                  </a:gsLst>
+                  <a:lin ang="5400000" scaled="0"/>
+                </a:gradFill>
+              </a:endParaRPr>
+            </a:p>
+          </p:txBody>
+        </p:sp>
+        <p:sp>
+          <p:nvSpPr>
+            <p:cNvPr id="25" name="Rectangle 25">
+              <a:extLst>
+                <a:ext uri="{FF2B5EF4-FFF2-40B4-BE49-F238E27FC236}">
+                  <a16:creationId xmlns:a16="http://schemas.microsoft.com/office/drawing/2014/main" id="{F3C72026-F6AA-48E5-A0D9-9149C6DBA510}"/>
+                </a:ext>
+              </a:extLst>
+            </p:cNvPr>
+            <p:cNvSpPr/>
+            <p:nvPr/>
+          </p:nvSpPr>
+          <p:spPr bwMode="auto">
+            <a:xfrm>
+              <a:off x="5350879" y="3576378"/>
+              <a:ext cx="1371585" cy="548635"/>
+            </a:xfrm>
+            <a:prstGeom prst="rect">
+              <a:avLst/>
+            </a:prstGeom>
+            <a:solidFill>
+              <a:srgbClr val="0082B3"/>
+            </a:solidFill>
+            <a:ln>
+              <a:noFill/>
+              <a:headEnd type="none" w="med" len="med"/>
+              <a:tailEnd type="none" w="med" len="med"/>
+            </a:ln>
+          </p:spPr>
+          <p:style>
+            <a:lnRef idx="2">
+              <a:schemeClr val="accent4">
+                <a:shade val="50000"/>
+              </a:schemeClr>
+            </a:lnRef>
+            <a:fillRef idx="1">
+              <a:schemeClr val="accent4"/>
+            </a:fillRef>
+            <a:effectRef idx="0">
+              <a:schemeClr val="accent4"/>
+            </a:effectRef>
+            <a:fontRef idx="minor">
+              <a:schemeClr val="lt1"/>
+            </a:fontRef>
+          </p:style>
+          <p:txBody>
+            <a:bodyPr vert="horz" wrap="square" lIns="0" tIns="46637" rIns="0" bIns="46637" numCol="1" rtlCol="0" anchor="t" anchorCtr="0" compatLnSpc="1">
+              <a:prstTxWarp prst="textNoShape">
+                <a:avLst/>
+              </a:prstTxWarp>
+            </a:bodyPr>
+            <a:lstStyle/>
+            <a:p>
+              <a:pPr algn="ctr" defTabSz="932398" fontAlgn="base">
+                <a:spcBef>
+                  <a:spcPct val="0"/>
+                </a:spcBef>
+                <a:spcAft>
+                  <a:spcPct val="0"/>
+                </a:spcAft>
+              </a:pPr>
+              <a:r>
+                <a:rPr lang="en-US" sz="1400" b="1" dirty="0">
+                  <a:gradFill>
+                    <a:gsLst>
+                      <a:gs pos="16814">
+                        <a:srgbClr val="FFFFFF"/>
+                      </a:gs>
+                      <a:gs pos="46000">
+                        <a:srgbClr val="FFFFFF"/>
+                      </a:gs>
+                    </a:gsLst>
+                    <a:lin ang="5400000" scaled="0"/>
+                  </a:gradFill>
+                </a:rPr>
+                <a:t>C2D send endpoint</a:t>
+              </a:r>
+              <a:endParaRPr lang="en-US" sz="1400" b="1" i="1" dirty="0">
+                <a:gradFill>
+                  <a:gsLst>
+                    <a:gs pos="16814">
+                      <a:srgbClr val="FFFFFF"/>
+                    </a:gs>
+                    <a:gs pos="46000">
+                      <a:srgbClr val="FFFFFF"/>
+                    </a:gs>
+                  </a:gsLst>
+                  <a:lin ang="5400000" scaled="0"/>
+                </a:gradFill>
+              </a:endParaRPr>
+            </a:p>
+          </p:txBody>
+        </p:sp>
+        <p:sp>
+          <p:nvSpPr>
+            <p:cNvPr id="26" name="Rectangle 26">
+              <a:extLst>
+                <a:ext uri="{FF2B5EF4-FFF2-40B4-BE49-F238E27FC236}">
+                  <a16:creationId xmlns:a16="http://schemas.microsoft.com/office/drawing/2014/main" id="{96237FED-3E6E-40F2-9D42-D9690873DD31}"/>
+                </a:ext>
+              </a:extLst>
+            </p:cNvPr>
+            <p:cNvSpPr/>
+            <p:nvPr/>
+          </p:nvSpPr>
+          <p:spPr bwMode="auto">
+            <a:xfrm>
+              <a:off x="5364081" y="5243458"/>
+              <a:ext cx="1371585" cy="641746"/>
+            </a:xfrm>
+            <a:prstGeom prst="rect">
+              <a:avLst/>
+            </a:prstGeom>
+            <a:solidFill>
+              <a:srgbClr val="0082B3"/>
+            </a:solidFill>
+            <a:ln>
+              <a:noFill/>
+              <a:headEnd type="none" w="med" len="med"/>
+              <a:tailEnd type="none" w="med" len="med"/>
+            </a:ln>
+          </p:spPr>
+          <p:style>
+            <a:lnRef idx="2">
+              <a:schemeClr val="accent4">
+                <a:shade val="50000"/>
+              </a:schemeClr>
+            </a:lnRef>
+            <a:fillRef idx="1">
+              <a:schemeClr val="accent4"/>
+            </a:fillRef>
+            <a:effectRef idx="0">
+              <a:schemeClr val="accent4"/>
+            </a:effectRef>
+            <a:fontRef idx="minor">
+              <a:schemeClr val="lt1"/>
+            </a:fontRef>
+          </p:style>
+          <p:txBody>
+            <a:bodyPr vert="horz" wrap="square" lIns="0" tIns="46637" rIns="0" bIns="46637" numCol="1" rtlCol="0" anchor="t" anchorCtr="0" compatLnSpc="1">
+              <a:prstTxWarp prst="textNoShape">
+                <a:avLst/>
+              </a:prstTxWarp>
+            </a:bodyPr>
+            <a:lstStyle/>
+            <a:p>
+              <a:pPr algn="ctr" defTabSz="932398" fontAlgn="base">
+                <a:spcBef>
+                  <a:spcPct val="0"/>
+                </a:spcBef>
+                <a:spcAft>
+                  <a:spcPct val="0"/>
+                </a:spcAft>
+              </a:pPr>
+              <a:r>
+                <a:rPr lang="en-US" sz="1400" dirty="0">
+                  <a:gradFill>
+                    <a:gsLst>
+                      <a:gs pos="16814">
+                        <a:srgbClr val="FFFFFF"/>
+                      </a:gs>
+                      <a:gs pos="46000">
+                        <a:srgbClr val="FFFFFF"/>
+                      </a:gs>
+                    </a:gsLst>
+                    <a:lin ang="5400000" scaled="0"/>
+                  </a:gradFill>
+                </a:rPr>
+                <a:t>Device identity management</a:t>
+              </a:r>
+            </a:p>
+          </p:txBody>
+        </p:sp>
+      </p:grpSp>
+      <p:cxnSp>
+        <p:nvCxnSpPr>
+          <p:cNvPr id="30" name="Straight Arrow Connector 30">
+            <a:extLst>
+              <a:ext uri="{FF2B5EF4-FFF2-40B4-BE49-F238E27FC236}">
+                <a16:creationId xmlns:a16="http://schemas.microsoft.com/office/drawing/2014/main" id="{4B7A1401-0E50-4CF9-ACC1-F0FFDE7CE64C}"/>
+              </a:ext>
+            </a:extLst>
+          </p:cNvPr>
+          <p:cNvCxnSpPr/>
+          <p:nvPr/>
+        </p:nvCxnSpPr>
+        <p:spPr>
+          <a:xfrm flipH="1">
+            <a:off x="8326059" y="3221726"/>
+            <a:ext cx="592937" cy="0"/>
+          </a:xfrm>
+          <a:prstGeom prst="straightConnector1">
+            <a:avLst/>
+          </a:prstGeom>
+          <a:ln w="38100">
+            <a:solidFill>
+              <a:srgbClr val="BFBFBF"/>
+            </a:solidFill>
+            <a:headEnd type="none"/>
+            <a:tailEnd type="triangle"/>
+          </a:ln>
+        </p:spPr>
+        <p:style>
+          <a:lnRef idx="1">
+            <a:schemeClr val="accent1"/>
+          </a:lnRef>
+          <a:fillRef idx="0">
+            <a:schemeClr val="accent1"/>
+          </a:fillRef>
+          <a:effectRef idx="0">
+            <a:schemeClr val="accent1"/>
+          </a:effectRef>
+          <a:fontRef idx="minor">
+            <a:schemeClr val="tx1"/>
+          </a:fontRef>
+        </p:style>
+      </p:cxnSp>
+      <p:cxnSp>
+        <p:nvCxnSpPr>
+          <p:cNvPr id="31" name="Straight Arrow Connector 31">
+            <a:extLst>
+              <a:ext uri="{FF2B5EF4-FFF2-40B4-BE49-F238E27FC236}">
+                <a16:creationId xmlns:a16="http://schemas.microsoft.com/office/drawing/2014/main" id="{AD524D81-BFDC-4196-B155-3CF905F51CE5}"/>
+              </a:ext>
+            </a:extLst>
+          </p:cNvPr>
+          <p:cNvCxnSpPr>
+            <a:cxnSpLocks/>
+          </p:cNvCxnSpPr>
+          <p:nvPr/>
+        </p:nvCxnSpPr>
+        <p:spPr>
+          <a:xfrm>
+            <a:off x="11681502" y="3962600"/>
+            <a:ext cx="423636" cy="0"/>
+          </a:xfrm>
+          <a:prstGeom prst="straightConnector1">
+            <a:avLst/>
+          </a:prstGeom>
+          <a:ln w="38100">
+            <a:solidFill>
+              <a:srgbClr val="BFBFBF"/>
+            </a:solidFill>
+            <a:headEnd type="none"/>
+            <a:tailEnd type="triangle"/>
+          </a:ln>
+        </p:spPr>
+        <p:style>
+          <a:lnRef idx="1">
+            <a:schemeClr val="accent1"/>
+          </a:lnRef>
+          <a:fillRef idx="0">
+            <a:schemeClr val="accent1"/>
+          </a:fillRef>
+          <a:effectRef idx="0">
+            <a:schemeClr val="accent1"/>
+          </a:effectRef>
+          <a:fontRef idx="minor">
+            <a:schemeClr val="tx1"/>
+          </a:fontRef>
+        </p:style>
+      </p:cxnSp>
+      <p:sp>
+        <p:nvSpPr>
+          <p:cNvPr id="32" name="Rectangle 32">
+            <a:extLst>
+              <a:ext uri="{FF2B5EF4-FFF2-40B4-BE49-F238E27FC236}">
+                <a16:creationId xmlns:a16="http://schemas.microsoft.com/office/drawing/2014/main" id="{39AEF56E-B062-4004-80E2-658272C662F8}"/>
+              </a:ext>
+            </a:extLst>
+          </p:cNvPr>
+          <p:cNvSpPr/>
+          <p:nvPr/>
+        </p:nvSpPr>
+        <p:spPr bwMode="auto">
+          <a:xfrm>
+            <a:off x="10222201" y="3559616"/>
+            <a:ext cx="1371585" cy="777229"/>
+          </a:xfrm>
+          <a:prstGeom prst="rect">
+            <a:avLst/>
+          </a:prstGeom>
+          <a:solidFill>
+            <a:srgbClr val="0082B3"/>
+          </a:solidFill>
+          <a:ln>
+            <a:noFill/>
+            <a:headEnd type="none" w="med" len="med"/>
+            <a:tailEnd type="none" w="med" len="med"/>
+          </a:ln>
+        </p:spPr>
+        <p:style>
+          <a:lnRef idx="2">
+            <a:schemeClr val="accent4">
+              <a:shade val="50000"/>
+            </a:schemeClr>
+          </a:lnRef>
+          <a:fillRef idx="1">
+            <a:schemeClr val="accent4"/>
+          </a:fillRef>
+          <a:effectRef idx="0">
+            <a:schemeClr val="accent4"/>
+          </a:effectRef>
+          <a:fontRef idx="minor">
+            <a:schemeClr val="lt1"/>
+          </a:fontRef>
+        </p:style>
+        <p:txBody>
+          <a:bodyPr vert="horz" wrap="square" lIns="0" tIns="46637" rIns="0" bIns="46637" numCol="1" rtlCol="0" anchor="t" anchorCtr="0" compatLnSpc="1">
+            <a:prstTxWarp prst="textNoShape">
+              <a:avLst/>
+            </a:prstTxWarp>
+          </a:bodyPr>
+          <a:lstStyle/>
+          <a:p>
+            <a:pPr algn="ctr" defTabSz="932398" fontAlgn="base">
+              <a:spcBef>
+                <a:spcPct val="0"/>
+              </a:spcBef>
+              <a:spcAft>
+                <a:spcPct val="0"/>
+              </a:spcAft>
+            </a:pPr>
+            <a:r>
+              <a:rPr lang="en-US" sz="1400" b="1" dirty="0" err="1">
+                <a:gradFill>
+                  <a:gsLst>
+                    <a:gs pos="16814">
+                      <a:srgbClr val="FFFFFF"/>
+                    </a:gs>
+                    <a:gs pos="46000">
+                      <a:srgbClr val="FFFFFF"/>
+                    </a:gs>
+                  </a:gsLst>
+                  <a:lin ang="5400000" scaled="0"/>
+                </a:gradFill>
+              </a:rPr>
+              <a:t>Msg</a:t>
+            </a:r>
+            <a:r>
+              <a:rPr lang="en-US" sz="1400" b="1" dirty="0">
+                <a:gradFill>
+                  <a:gsLst>
+                    <a:gs pos="16814">
+                      <a:srgbClr val="FFFFFF"/>
+                    </a:gs>
+                    <a:gs pos="46000">
+                      <a:srgbClr val="FFFFFF"/>
+                    </a:gs>
+                  </a:gsLst>
+                  <a:lin ang="5400000" scaled="0"/>
+                </a:gradFill>
+              </a:rPr>
+              <a:t> feedback and monitoring endpoint</a:t>
+            </a:r>
+          </a:p>
+        </p:txBody>
+      </p:sp>
+      <p:cxnSp>
+        <p:nvCxnSpPr>
+          <p:cNvPr id="33" name="Straight Arrow Connector 33">
+            <a:extLst>
+              <a:ext uri="{FF2B5EF4-FFF2-40B4-BE49-F238E27FC236}">
+                <a16:creationId xmlns:a16="http://schemas.microsoft.com/office/drawing/2014/main" id="{0810B4A9-2E79-40E8-8128-5CE1FB873547}"/>
+              </a:ext>
+            </a:extLst>
+          </p:cNvPr>
+          <p:cNvCxnSpPr>
+            <a:cxnSpLocks/>
+          </p:cNvCxnSpPr>
+          <p:nvPr/>
+        </p:nvCxnSpPr>
+        <p:spPr>
+          <a:xfrm flipH="1">
+            <a:off x="11668125" y="3139623"/>
+            <a:ext cx="437014" cy="0"/>
+          </a:xfrm>
+          <a:prstGeom prst="straightConnector1">
+            <a:avLst/>
+          </a:prstGeom>
+          <a:ln w="38100">
+            <a:solidFill>
+              <a:srgbClr val="BFBFBF"/>
+            </a:solidFill>
+            <a:headEnd type="none"/>
+            <a:tailEnd type="triangle"/>
+          </a:ln>
+        </p:spPr>
+        <p:style>
+          <a:lnRef idx="1">
+            <a:schemeClr val="accent1"/>
+          </a:lnRef>
+          <a:fillRef idx="0">
+            <a:schemeClr val="accent1"/>
+          </a:fillRef>
+          <a:effectRef idx="0">
+            <a:schemeClr val="accent1"/>
+          </a:effectRef>
+          <a:fontRef idx="minor">
+            <a:schemeClr val="tx1"/>
+          </a:fontRef>
+        </p:style>
+      </p:cxnSp>
+    </p:spTree>
+    <p:extLst>
+      <p:ext uri="{BB962C8B-B14F-4D97-AF65-F5344CB8AC3E}">
+        <p14:creationId xmlns:p14="http://schemas.microsoft.com/office/powerpoint/2010/main" val="877861598"/>
+      </p:ext>
+    </p:extLst>
+  </p:cSld>
+  <p:clrMapOvr>
+    <a:masterClrMapping/>
+  </p:clrMapOvr>
+  <p:transition>
+    <p:fade/>
+  </p:transition>
+</p:sld>
+</file>
+
+<file path=ppt/slides/slide9.xml><?xml version="1.0" encoding="utf-8"?>
+<p:sld xmlns:a="http://schemas.openxmlformats.org/drawingml/2006/main" xmlns:r="http://schemas.openxmlformats.org/officeDocument/2006/relationships" xmlns:p="http://schemas.openxmlformats.org/presentationml/2006/main">
+  <p:cSld>
+    <p:spTree>
+      <p:nvGrpSpPr>
+        <p:cNvPr id="1" name=""/>
+        <p:cNvGrpSpPr/>
+        <p:nvPr/>
+      </p:nvGrpSpPr>
+      <p:grpSpPr>
+        <a:xfrm>
+          <a:off x="0" y="0"/>
+          <a:ext cx="0" cy="0"/>
+          <a:chOff x="0" y="0"/>
+          <a:chExt cx="0" cy="0"/>
+        </a:xfrm>
+      </p:grpSpPr>
+      <p:sp>
+        <p:nvSpPr>
+          <p:cNvPr id="2" name="Titel 1">
+            <a:extLst>
+              <a:ext uri="{FF2B5EF4-FFF2-40B4-BE49-F238E27FC236}">
+                <a16:creationId xmlns:a16="http://schemas.microsoft.com/office/drawing/2014/main" id="{F3B1DF59-7C47-4EAD-A8D4-6FEE48239861}"/>
+              </a:ext>
+            </a:extLst>
+          </p:cNvPr>
+          <p:cNvSpPr>
+            <a:spLocks noGrp="1"/>
+          </p:cNvSpPr>
+          <p:nvPr>
+            <p:ph type="title"/>
+          </p:nvPr>
+        </p:nvSpPr>
+        <p:spPr/>
+        <p:txBody>
+          <a:bodyPr/>
+          <a:lstStyle/>
+          <a:p>
+            <a:r>
+              <a:rPr lang="de-DE" dirty="0"/>
+              <a:t>Aufgabenstellung</a:t>
+            </a:r>
+          </a:p>
+        </p:txBody>
+      </p:sp>
+      <p:sp>
+        <p:nvSpPr>
+          <p:cNvPr id="3" name="Textplatzhalter 2">
+            <a:extLst>
+              <a:ext uri="{FF2B5EF4-FFF2-40B4-BE49-F238E27FC236}">
+                <a16:creationId xmlns:a16="http://schemas.microsoft.com/office/drawing/2014/main" id="{8A570CE4-75B5-4BE5-A5BD-57563AA286D8}"/>
+              </a:ext>
+            </a:extLst>
+          </p:cNvPr>
+          <p:cNvSpPr>
+            <a:spLocks noGrp="1"/>
+          </p:cNvSpPr>
+          <p:nvPr>
+            <p:ph type="body" sz="quarter" idx="10"/>
+          </p:nvPr>
+        </p:nvSpPr>
+        <p:spPr>
+          <a:xfrm>
+            <a:off x="519112" y="1370525"/>
+            <a:ext cx="11149013" cy="4570482"/>
+          </a:xfrm>
+        </p:spPr>
+        <p:txBody>
+          <a:bodyPr/>
+          <a:lstStyle/>
+          <a:p>
+            <a:pPr marL="574675" indent="-571500">
+              <a:buFont typeface="Arial" panose="020B0604020202020204" pitchFamily="34" charset="0"/>
+              <a:buChar char="•"/>
+            </a:pPr>
+            <a:r>
+              <a:rPr lang="de-DE" dirty="0"/>
+              <a:t>Bodenfeuchtigkeit von 3 Weinbergen überwachen</a:t>
+            </a:r>
+          </a:p>
+          <a:p>
+            <a:pPr marL="574675" indent="-571500">
+              <a:buFont typeface="Arial" panose="020B0604020202020204" pitchFamily="34" charset="0"/>
+              <a:buChar char="•"/>
+            </a:pPr>
+            <a:r>
+              <a:rPr lang="de-DE" dirty="0"/>
+              <a:t>Ca. 3000 Sensoren </a:t>
+            </a:r>
+          </a:p>
+          <a:p>
+            <a:pPr marL="574675" indent="-571500">
+              <a:buFont typeface="Arial" panose="020B0604020202020204" pitchFamily="34" charset="0"/>
+              <a:buChar char="•"/>
+            </a:pPr>
+            <a:r>
+              <a:rPr lang="de-DE" dirty="0"/>
+              <a:t>Unterschreiten mehr als 200 einen Schwellwert</a:t>
+            </a:r>
+          </a:p>
+          <a:p>
+            <a:r>
+              <a:rPr lang="de-DE" dirty="0">
+                <a:solidFill>
+                  <a:srgbClr val="FFFFFF"/>
+                </a:solidFill>
+                <a:cs typeface="Segoe UI Light" panose="020B0502040204020203" pitchFamily="34" charset="0"/>
+                <a:sym typeface="Wingdings" panose="05000000000000000000" pitchFamily="2" charset="2"/>
+              </a:rPr>
+              <a:t>     	  </a:t>
+            </a:r>
+            <a:r>
+              <a:rPr lang="de-DE" dirty="0">
+                <a:solidFill>
+                  <a:srgbClr val="FFFFFF"/>
+                </a:solidFill>
+                <a:latin typeface="Segoe UI Light" panose="020B0502040204020203" pitchFamily="34" charset="0"/>
+                <a:cs typeface="Segoe UI Light" panose="020B0502040204020203" pitchFamily="34" charset="0"/>
+                <a:sym typeface="Wingdings" panose="05000000000000000000" pitchFamily="2" charset="2"/>
+              </a:rPr>
+              <a:t></a:t>
+            </a:r>
+            <a:r>
+              <a:rPr lang="de-DE" dirty="0">
+                <a:solidFill>
+                  <a:srgbClr val="FFFFFF"/>
+                </a:solidFill>
+                <a:latin typeface="Segoe UI Light" panose="020B0502040204020203" pitchFamily="34" charset="0"/>
+                <a:cs typeface="Segoe UI Light" panose="020B0502040204020203" pitchFamily="34" charset="0"/>
+              </a:rPr>
+              <a:t>Aufforderung zur Bewässerung</a:t>
+            </a:r>
+          </a:p>
+          <a:p>
+            <a:pPr marL="574675" indent="-571500">
+              <a:buFont typeface="Arial" panose="020B0604020202020204" pitchFamily="34" charset="0"/>
+              <a:buChar char="•"/>
+            </a:pPr>
+            <a:r>
+              <a:rPr lang="de-DE" dirty="0"/>
+              <a:t>Raspberry Pi für Sensoranbindung</a:t>
+            </a:r>
+          </a:p>
+          <a:p>
+            <a:pPr marL="574675" indent="-571500">
+              <a:buFont typeface="Arial" panose="020B0604020202020204" pitchFamily="34" charset="0"/>
+              <a:buChar char="•"/>
+            </a:pPr>
+            <a:r>
+              <a:rPr lang="de-DE" dirty="0"/>
+              <a:t>Azure </a:t>
+            </a:r>
+            <a:r>
+              <a:rPr lang="de-DE" dirty="0" err="1"/>
+              <a:t>IoT</a:t>
+            </a:r>
+            <a:r>
+              <a:rPr lang="de-DE" dirty="0"/>
+              <a:t> Hub als Backend</a:t>
+            </a:r>
+          </a:p>
+          <a:p>
+            <a:endParaRPr lang="de-DE" dirty="0"/>
+          </a:p>
+        </p:txBody>
+      </p:sp>
+    </p:spTree>
+    <p:extLst>
+      <p:ext uri="{BB962C8B-B14F-4D97-AF65-F5344CB8AC3E}">
+        <p14:creationId xmlns:p14="http://schemas.microsoft.com/office/powerpoint/2010/main" val="1180156787"/>
+      </p:ext>
+    </p:extLst>
+  </p:cSld>
+  <p:clrMapOvr>
+    <a:masterClrMapping/>
+  </p:clrMapOvr>
+  <p:transition>
+    <p:fade/>
+  </p:transition>
 </p:sld>
 </file>
 
@@ -21698,6 +25510,17 @@
 </file>
 
 <file path=customXml/item1.xml><?xml version="1.0" encoding="utf-8"?>
+<p:properties xmlns:p="http://schemas.microsoft.com/office/2006/metadata/properties" xmlns:xsi="http://www.w3.org/2001/XMLSchema-instance" xmlns:pc="http://schemas.microsoft.com/office/infopath/2007/PartnerControls">
+  <documentManagement>
+    <TaxKeywordTaxHTField xmlns="230e9df3-be65-4c73-a93b-d1236ebd677e">
+      <Terms xmlns="http://schemas.microsoft.com/office/infopath/2007/PartnerControls"/>
+    </TaxKeywordTaxHTField>
+    <TaxCatchAll xmlns="230e9df3-be65-4c73-a93b-d1236ebd677e"/>
+  </documentManagement>
+</p:properties>
+</file>
+
+<file path=customXml/item2.xml><?xml version="1.0" encoding="utf-8"?>
 <ct:contentTypeSchema xmlns:ct="http://schemas.microsoft.com/office/2006/metadata/contentType" xmlns:ma="http://schemas.microsoft.com/office/2006/metadata/properties/metaAttributes" ct:_="" ma:_="" ma:contentTypeName="Document" ma:contentTypeID="0x010100CA05B43BE68FE54B90DD26FDFB72BB05" ma:contentTypeVersion="0" ma:contentTypeDescription="Create a new document." ma:contentTypeScope="" ma:versionID="6df1bece345c1749bd9b91e82fa4a03a">
   <xsd:schema xmlns:xsd="http://www.w3.org/2001/XMLSchema" xmlns:xs="http://www.w3.org/2001/XMLSchema" xmlns:p="http://schemas.microsoft.com/office/2006/metadata/properties" xmlns:ns2="230e9df3-be65-4c73-a93b-d1236ebd677e" targetNamespace="http://schemas.microsoft.com/office/2006/metadata/properties" ma:root="true" ma:fieldsID="e317b0b832c9845d3aae3abd1bb0954e" ns2:_="">
     <xsd:import namespace="230e9df3-be65-4c73-a93b-d1236ebd677e"/>
@@ -21849,17 +25672,6 @@
 </ct:contentTypeSchema>
 </file>
 
-<file path=customXml/item2.xml><?xml version="1.0" encoding="utf-8"?>
-<p:properties xmlns:p="http://schemas.microsoft.com/office/2006/metadata/properties" xmlns:xsi="http://www.w3.org/2001/XMLSchema-instance" xmlns:pc="http://schemas.microsoft.com/office/infopath/2007/PartnerControls">
-  <documentManagement>
-    <TaxKeywordTaxHTField xmlns="230e9df3-be65-4c73-a93b-d1236ebd677e">
-      <Terms xmlns="http://schemas.microsoft.com/office/infopath/2007/PartnerControls"/>
-    </TaxKeywordTaxHTField>
-    <TaxCatchAll xmlns="230e9df3-be65-4c73-a93b-d1236ebd677e"/>
-  </documentManagement>
-</p:properties>
-</file>
-
 <file path=customXml/item3.xml><?xml version="1.0" encoding="utf-8"?>
 <?mso-contentType ?>
 <FormTemplates xmlns="http://schemas.microsoft.com/sharepoint/v3/contenttype/forms">
@@ -21870,6 +25682,22 @@
 </file>
 
 <file path=customXml/itemProps1.xml><?xml version="1.0" encoding="utf-8"?>
+<ds:datastoreItem xmlns:ds="http://schemas.openxmlformats.org/officeDocument/2006/customXml" ds:itemID="{69B2F97D-0457-4986-9734-D03EB073C5EA}">
+  <ds:schemaRefs>
+    <ds:schemaRef ds:uri="http://purl.org/dc/terms/"/>
+    <ds:schemaRef ds:uri="http://schemas.openxmlformats.org/package/2006/metadata/core-properties"/>
+    <ds:schemaRef ds:uri="http://purl.org/dc/dcmitype/"/>
+    <ds:schemaRef ds:uri="http://schemas.microsoft.com/office/infopath/2007/PartnerControls"/>
+    <ds:schemaRef ds:uri="http://purl.org/dc/elements/1.1/"/>
+    <ds:schemaRef ds:uri="http://schemas.microsoft.com/office/2006/metadata/properties"/>
+    <ds:schemaRef ds:uri="http://schemas.microsoft.com/office/2006/documentManagement/types"/>
+    <ds:schemaRef ds:uri="230e9df3-be65-4c73-a93b-d1236ebd677e"/>
+    <ds:schemaRef ds:uri="http://www.w3.org/XML/1998/namespace"/>
+  </ds:schemaRefs>
+</ds:datastoreItem>
+</file>
+
+<file path=customXml/itemProps2.xml><?xml version="1.0" encoding="utf-8"?>
 <ds:datastoreItem xmlns:ds="http://schemas.openxmlformats.org/officeDocument/2006/customXml" ds:itemID="{8F590144-748D-417B-8B69-088F107B0F98}">
   <ds:schemaRefs>
     <ds:schemaRef ds:uri="http://schemas.microsoft.com/office/2006/metadata/contentType"/>
@@ -21887,22 +25715,6 @@
 </ds:datastoreItem>
 </file>
 
-<file path=customXml/itemProps2.xml><?xml version="1.0" encoding="utf-8"?>
-<ds:datastoreItem xmlns:ds="http://schemas.openxmlformats.org/officeDocument/2006/customXml" ds:itemID="{69B2F97D-0457-4986-9734-D03EB073C5EA}">
-  <ds:schemaRefs>
-    <ds:schemaRef ds:uri="http://purl.org/dc/elements/1.1/"/>
-    <ds:schemaRef ds:uri="http://schemas.microsoft.com/office/2006/metadata/properties"/>
-    <ds:schemaRef ds:uri="230e9df3-be65-4c73-a93b-d1236ebd677e"/>
-    <ds:schemaRef ds:uri="http://purl.org/dc/terms/"/>
-    <ds:schemaRef ds:uri="http://schemas.openxmlformats.org/package/2006/metadata/core-properties"/>
-    <ds:schemaRef ds:uri="http://schemas.microsoft.com/office/2006/documentManagement/types"/>
-    <ds:schemaRef ds:uri="http://schemas.microsoft.com/office/infopath/2007/PartnerControls"/>
-    <ds:schemaRef ds:uri="http://www.w3.org/XML/1998/namespace"/>
-    <ds:schemaRef ds:uri="http://purl.org/dc/dcmitype/"/>
-  </ds:schemaRefs>
-</ds:datastoreItem>
-</file>
-
 <file path=customXml/itemProps3.xml><?xml version="1.0" encoding="utf-8"?>
 <ds:datastoreItem xmlns:ds="http://schemas.openxmlformats.org/officeDocument/2006/customXml" ds:itemID="{B882D8D6-9D38-4159-A398-AAC3689D3D7C}">
   <ds:schemaRefs>

--- a/Semesterprojekt_VT.pptx
+++ b/Semesterprojekt_VT.pptx
@@ -1212,8 +1212,54 @@
           <a:p>
             <a:r>
               <a:rPr lang="de-DE" dirty="0"/>
-              <a:t>- Nur erklären was im Projekt verwendet wird?</a:t>
+              <a:t>Service Bus Cloudmessaging </a:t>
             </a:r>
+            <a:r>
+              <a:rPr lang="de-DE" dirty="0" err="1"/>
+              <a:t>priv</a:t>
+            </a:r>
+            <a:r>
+              <a:rPr lang="de-DE" dirty="0"/>
+              <a:t> </a:t>
+            </a:r>
+            <a:r>
+              <a:rPr lang="de-DE" dirty="0" err="1"/>
+              <a:t>vs</a:t>
+            </a:r>
+            <a:r>
+              <a:rPr lang="de-DE" dirty="0"/>
+              <a:t> </a:t>
+            </a:r>
+            <a:r>
+              <a:rPr lang="de-DE" dirty="0" err="1"/>
+              <a:t>public</a:t>
+            </a:r>
+            <a:endParaRPr lang="de-DE" dirty="0"/>
+          </a:p>
+          <a:p>
+            <a:r>
+              <a:rPr lang="de-DE" dirty="0"/>
+              <a:t>HD Insight = Big Data Analysen</a:t>
+            </a:r>
+          </a:p>
+          <a:p>
+            <a:r>
+              <a:rPr lang="de-DE" dirty="0"/>
+              <a:t>Stream Analytics = Echtzeitanalysen</a:t>
+            </a:r>
+          </a:p>
+          <a:p>
+            <a:r>
+              <a:rPr lang="de-DE" dirty="0"/>
+              <a:t>Power BI = Business Analytics </a:t>
+            </a:r>
+            <a:r>
+              <a:rPr lang="de-DE" dirty="0">
+                <a:sym typeface="Wingdings" panose="05000000000000000000" pitchFamily="2" charset="2"/>
+              </a:rPr>
+              <a:t> Darstellung</a:t>
+            </a:r>
+            <a:endParaRPr lang="de-DE" dirty="0"/>
           </a:p>
         </p:txBody>
       </p:sp>
@@ -1543,6 +1589,55 @@
         <p:txBody>
           <a:bodyPr/>
           <a:lstStyle/>
+          <a:p>
+            <a:r>
+              <a:rPr lang="de-DE" dirty="0" err="1"/>
+              <a:t>Advanced</a:t>
+            </a:r>
+            <a:r>
+              <a:rPr lang="de-DE" dirty="0"/>
+              <a:t> Message Queuing Protocol</a:t>
+            </a:r>
+          </a:p>
+          <a:p>
+            <a:r>
+              <a:rPr lang="de-DE" sz="1600" b="0" i="0" kern="1200" dirty="0">
+                <a:solidFill>
+                  <a:schemeClr val="tx1"/>
+                </a:solidFill>
+                <a:effectLst/>
+                <a:latin typeface="Segoe UI" pitchFamily="34" charset="0"/>
+                <a:ea typeface="+mn-ea"/>
+                <a:cs typeface="+mn-cs"/>
+              </a:rPr>
+              <a:t>Message Queuing </a:t>
+            </a:r>
+            <a:r>
+              <a:rPr lang="de-DE" sz="1600" b="0" i="0" kern="1200" dirty="0" err="1">
+                <a:solidFill>
+                  <a:schemeClr val="tx1"/>
+                </a:solidFill>
+                <a:effectLst/>
+                <a:latin typeface="Segoe UI" pitchFamily="34" charset="0"/>
+                <a:ea typeface="+mn-ea"/>
+                <a:cs typeface="+mn-cs"/>
+              </a:rPr>
+              <a:t>Telemetry</a:t>
+            </a:r>
+            <a:r>
+              <a:rPr lang="de-DE" sz="1600" b="0" i="0" kern="1200" dirty="0">
+                <a:solidFill>
+                  <a:schemeClr val="tx1"/>
+                </a:solidFill>
+                <a:effectLst/>
+                <a:latin typeface="Segoe UI" pitchFamily="34" charset="0"/>
+                <a:ea typeface="+mn-ea"/>
+                <a:cs typeface="+mn-cs"/>
+              </a:rPr>
+              <a:t> Transport</a:t>
+            </a:r>
+            <a:endParaRPr lang="de-DE" dirty="0"/>
+          </a:p>
           <a:p>
             <a:r>
               <a:rPr lang="de-DE" dirty="0"/>
@@ -10396,7 +10491,7 @@
         <p:spPr>
           <a:xfrm>
             <a:off x="519112" y="1370525"/>
-            <a:ext cx="11149013" cy="4339650"/>
+            <a:ext cx="11149013" cy="5009064"/>
           </a:xfrm>
         </p:spPr>
         <p:txBody>
@@ -10419,7 +10514,7 @@
             </a:pPr>
             <a:r>
               <a:rPr lang="de-DE" dirty="0"/>
-              <a:t>Maschinelles Lernen für wetterabhängiges Bewässern</a:t>
+              <a:t>Erweiterung der C2D-Nachrichten</a:t>
             </a:r>
           </a:p>
           <a:p>
@@ -10429,7 +10524,7 @@
             </a:pPr>
             <a:r>
               <a:rPr lang="de-DE" dirty="0"/>
-              <a:t>Punkt 3</a:t>
+              <a:t>Statistiken mit Hilfe der Analytics –Tools erstellen</a:t>
             </a:r>
           </a:p>
           <a:p>
@@ -10439,8 +10534,15 @@
             </a:pPr>
             <a:r>
               <a:rPr lang="de-DE" dirty="0"/>
-              <a:t>Punkt 4</a:t>
+              <a:t>Maschinelles Lernen für wetterabhängiges Bewässern</a:t>
             </a:r>
+          </a:p>
+          <a:p>
+            <a:pPr marL="574675" indent="-571500">
+              <a:buFont typeface="Arial" panose="020B0604020202020204" pitchFamily="34" charset="0"/>
+              <a:buChar char="•"/>
+            </a:pPr>
+            <a:endParaRPr lang="de-DE" dirty="0"/>
           </a:p>
           <a:p>
             <a:endParaRPr lang="de-DE" dirty="0"/>
@@ -10570,6 +10672,16 @@
             </a:pPr>
             <a:r>
               <a:rPr lang="de-DE" dirty="0"/>
+              <a:t>Raspberry Pi</a:t>
+            </a:r>
+          </a:p>
+          <a:p>
+            <a:pPr marL="574675" indent="-571500">
+              <a:buFont typeface="Arial" panose="020B0604020202020204" pitchFamily="34" charset="0"/>
+              <a:buChar char="•"/>
+            </a:pPr>
+            <a:r>
+              <a:rPr lang="de-DE" dirty="0"/>
               <a:t>Azure </a:t>
             </a:r>
             <a:r>
@@ -10579,16 +10691,6 @@
             <a:r>
               <a:rPr lang="de-DE" dirty="0"/>
               <a:t> Hub</a:t>
-            </a:r>
-          </a:p>
-          <a:p>
-            <a:pPr marL="574675" indent="-571500">
-              <a:buFont typeface="Arial" panose="020B0604020202020204" pitchFamily="34" charset="0"/>
-              <a:buChar char="•"/>
-            </a:pPr>
-            <a:r>
-              <a:rPr lang="de-DE" dirty="0"/>
-              <a:t>Raspberry Pi</a:t>
             </a:r>
           </a:p>
           <a:p>
@@ -21608,13 +21710,18 @@
               <a:buChar char="•"/>
             </a:pPr>
             <a:r>
-              <a:rPr lang="de-DE" sz="2400" dirty="0">
+              <a:rPr lang="de-DE" sz="2400">
                 <a:solidFill>
                   <a:srgbClr val="FFFFFF"/>
                 </a:solidFill>
               </a:rPr>
-              <a:t>AMPQ</a:t>
+              <a:t>AMQP</a:t>
             </a:r>
+            <a:endParaRPr lang="de-DE" sz="2400" dirty="0">
+              <a:solidFill>
+                <a:srgbClr val="FFFFFF"/>
+              </a:solidFill>
+            </a:endParaRPr>
           </a:p>
           <a:p>
             <a:pPr marL="1830388" lvl="2" indent="-571500">
@@ -25684,15 +25791,15 @@
 <file path=customXml/itemProps1.xml><?xml version="1.0" encoding="utf-8"?>
 <ds:datastoreItem xmlns:ds="http://schemas.openxmlformats.org/officeDocument/2006/customXml" ds:itemID="{69B2F97D-0457-4986-9734-D03EB073C5EA}">
   <ds:schemaRefs>
+    <ds:schemaRef ds:uri="http://schemas.microsoft.com/office/2006/documentManagement/types"/>
+    <ds:schemaRef ds:uri="http://schemas.openxmlformats.org/package/2006/metadata/core-properties"/>
+    <ds:schemaRef ds:uri="http://www.w3.org/XML/1998/namespace"/>
+    <ds:schemaRef ds:uri="http://purl.org/dc/dcmitype/"/>
+    <ds:schemaRef ds:uri="http://purl.org/dc/elements/1.1/"/>
     <ds:schemaRef ds:uri="http://purl.org/dc/terms/"/>
-    <ds:schemaRef ds:uri="http://schemas.openxmlformats.org/package/2006/metadata/core-properties"/>
-    <ds:schemaRef ds:uri="http://purl.org/dc/dcmitype/"/>
     <ds:schemaRef ds:uri="http://schemas.microsoft.com/office/infopath/2007/PartnerControls"/>
-    <ds:schemaRef ds:uri="http://purl.org/dc/elements/1.1/"/>
+    <ds:schemaRef ds:uri="230e9df3-be65-4c73-a93b-d1236ebd677e"/>
     <ds:schemaRef ds:uri="http://schemas.microsoft.com/office/2006/metadata/properties"/>
-    <ds:schemaRef ds:uri="http://schemas.microsoft.com/office/2006/documentManagement/types"/>
-    <ds:schemaRef ds:uri="230e9df3-be65-4c73-a93b-d1236ebd677e"/>
-    <ds:schemaRef ds:uri="http://www.w3.org/XML/1998/namespace"/>
   </ds:schemaRefs>
 </ds:datastoreItem>
 </file>

--- a/Semesterprojekt_VT.pptx
+++ b/Semesterprojekt_VT.pptx
@@ -6,10 +6,10 @@
     <p:sldMasterId id="2147483749" r:id="rId5"/>
   </p:sldMasterIdLst>
   <p:notesMasterIdLst>
-    <p:notesMasterId r:id="rId27"/>
+    <p:notesMasterId r:id="rId33"/>
   </p:notesMasterIdLst>
   <p:handoutMasterIdLst>
-    <p:handoutMasterId r:id="rId28"/>
+    <p:handoutMasterId r:id="rId34"/>
   </p:handoutMasterIdLst>
   <p:sldIdLst>
     <p:sldId id="472" r:id="rId6"/>
@@ -25,19 +25,25 @@
     <p:sldId id="474" r:id="rId16"/>
     <p:sldId id="477" r:id="rId17"/>
     <p:sldId id="476" r:id="rId18"/>
-    <p:sldId id="498" r:id="rId19"/>
-    <p:sldId id="494" r:id="rId20"/>
-    <p:sldId id="495" r:id="rId21"/>
-    <p:sldId id="496" r:id="rId22"/>
-    <p:sldId id="497" r:id="rId23"/>
-    <p:sldId id="479" r:id="rId24"/>
-    <p:sldId id="481" r:id="rId25"/>
-    <p:sldId id="473" r:id="rId26"/>
+    <p:sldId id="499" r:id="rId19"/>
+    <p:sldId id="502" r:id="rId20"/>
+    <p:sldId id="500" r:id="rId21"/>
+    <p:sldId id="503" r:id="rId22"/>
+    <p:sldId id="501" r:id="rId23"/>
+    <p:sldId id="504" r:id="rId24"/>
+    <p:sldId id="498" r:id="rId25"/>
+    <p:sldId id="494" r:id="rId26"/>
+    <p:sldId id="495" r:id="rId27"/>
+    <p:sldId id="496" r:id="rId28"/>
+    <p:sldId id="497" r:id="rId29"/>
+    <p:sldId id="479" r:id="rId30"/>
+    <p:sldId id="481" r:id="rId31"/>
+    <p:sldId id="473" r:id="rId32"/>
   </p:sldIdLst>
   <p:sldSz cx="12188825" cy="6858000"/>
   <p:notesSz cx="7023100" cy="9309100"/>
   <p:custDataLst>
-    <p:tags r:id="rId29"/>
+    <p:tags r:id="rId35"/>
   </p:custDataLst>
   <p:defaultTextStyle>
     <a:defPPr>
@@ -152,6 +158,12 @@
             <p14:sldId id="474"/>
             <p14:sldId id="477"/>
             <p14:sldId id="476"/>
+            <p14:sldId id="499"/>
+            <p14:sldId id="502"/>
+            <p14:sldId id="500"/>
+            <p14:sldId id="503"/>
+            <p14:sldId id="501"/>
+            <p14:sldId id="504"/>
             <p14:sldId id="498"/>
             <p14:sldId id="494"/>
             <p14:sldId id="495"/>
@@ -336,7 +348,7 @@
               <a:rPr lang="en-US" smtClean="0">
                 <a:latin typeface="Segoe UI" pitchFamily="34" charset="0"/>
               </a:rPr>
-              <a:t>12/14/2017</a:t>
+              <a:t>12/15/2017</a:t>
             </a:fld>
             <a:endParaRPr lang="en-US" dirty="0">
               <a:latin typeface="Segoe UI" pitchFamily="34" charset="0"/>
@@ -517,7 +529,7 @@
             <a:fld id="{CAE3F082-F902-42D8-A765-720E172C3194}" type="datetimeFigureOut">
               <a:rPr lang="en-US" smtClean="0"/>
               <a:pPr/>
-              <a:t>12/14/2017</a:t>
+              <a:t>12/15/2017</a:t>
             </a:fld>
             <a:endParaRPr lang="en-US" dirty="0"/>
           </a:p>
@@ -944,7 +956,7 @@
             <a:fld id="{8B263312-38AA-4E1E-B2B5-0F8F122B24FE}" type="slidenum">
               <a:rPr lang="en-US" smtClean="0"/>
               <a:pPr/>
-              <a:t>21</a:t>
+              <a:t>27</a:t>
             </a:fld>
             <a:endParaRPr lang="en-US" dirty="0"/>
           </a:p>
@@ -1890,7 +1902,7 @@
             <a:fld id="{8B263312-38AA-4E1E-B2B5-0F8F122B24FE}" type="slidenum">
               <a:rPr lang="en-US" smtClean="0"/>
               <a:pPr/>
-              <a:t>20</a:t>
+              <a:t>26</a:t>
             </a:fld>
             <a:endParaRPr lang="en-US" dirty="0"/>
           </a:p>
@@ -8191,6 +8203,20 @@
               <a:buChar char=""/>
             </a:pPr>
             <a:r>
+              <a:rPr lang="de-DE" spc="-94">
+                <a:solidFill>
+                  <a:srgbClr val="FFFFFF"/>
+                </a:solidFill>
+                <a:uFill>
+                  <a:solidFill>
+                    <a:srgbClr val="FFFFFF"/>
+                  </a:solidFill>
+                </a:uFill>
+                <a:latin typeface="Segoe UI Light"/>
+              </a:rPr>
+              <a:t>AMQP </a:t>
+            </a:r>
+            <a:r>
               <a:rPr lang="de-DE" spc="-94" dirty="0">
                 <a:solidFill>
                   <a:srgbClr val="FFFFFF"/>
@@ -8202,7 +8228,7 @@
                 </a:uFill>
                 <a:latin typeface="Segoe UI Light"/>
               </a:rPr>
-              <a:t>MQTT Protocol</a:t>
+              <a:t>Protocol</a:t>
             </a:r>
             <a:endParaRPr lang="de-DE" sz="1800" spc="-1" dirty="0">
               <a:solidFill>
@@ -8367,35 +8393,7 @@
                 </a:uFill>
                 <a:latin typeface="Segoe UI Light"/>
               </a:rPr>
-              <a:t>Feuchtigkeitswert wird </a:t>
-            </a:r>
-            <a:r>
-              <a:rPr lang="de-DE" spc="-94" dirty="0" err="1">
-                <a:solidFill>
-                  <a:srgbClr val="FFFFFF"/>
-                </a:solidFill>
-                <a:uFill>
-                  <a:solidFill>
-                    <a:srgbClr val="FFFFFF"/>
-                  </a:solidFill>
-                </a:uFill>
-                <a:latin typeface="Segoe UI Light"/>
-              </a:rPr>
-              <a:t>ausgelsen</a:t>
-            </a:r>
-            <a:r>
-              <a:rPr lang="de-DE" spc="-94" dirty="0">
-                <a:solidFill>
-                  <a:srgbClr val="FFFFFF"/>
-                </a:solidFill>
-                <a:uFill>
-                  <a:solidFill>
-                    <a:srgbClr val="FFFFFF"/>
-                  </a:solidFill>
-                </a:uFill>
-                <a:latin typeface="Segoe UI Light"/>
-              </a:rPr>
-              <a:t> </a:t>
+              <a:t>Feuchtigkeitswert wird ausgelesen </a:t>
             </a:r>
             <a:endParaRPr lang="de-DE" sz="1800" spc="-1" dirty="0">
               <a:solidFill>
@@ -8634,6 +8632,1029 @@
 </file>
 
 <file path=ppt/slides/slide14.xml><?xml version="1.0" encoding="utf-8"?>
+<p:sld xmlns:a="http://schemas.openxmlformats.org/drawingml/2006/main" xmlns:r="http://schemas.openxmlformats.org/officeDocument/2006/relationships" xmlns:p="http://schemas.openxmlformats.org/presentationml/2006/main">
+  <p:cSld>
+    <p:spTree>
+      <p:nvGrpSpPr>
+        <p:cNvPr id="1" name=""/>
+        <p:cNvGrpSpPr/>
+        <p:nvPr/>
+      </p:nvGrpSpPr>
+      <p:grpSpPr>
+        <a:xfrm>
+          <a:off x="0" y="0"/>
+          <a:ext cx="0" cy="0"/>
+          <a:chOff x="0" y="0"/>
+          <a:chExt cx="0" cy="0"/>
+        </a:xfrm>
+      </p:grpSpPr>
+      <p:sp>
+        <p:nvSpPr>
+          <p:cNvPr id="2" name="Titel 1">
+            <a:extLst>
+              <a:ext uri="{FF2B5EF4-FFF2-40B4-BE49-F238E27FC236}">
+                <a16:creationId xmlns:a16="http://schemas.microsoft.com/office/drawing/2014/main" id="{56E7ECC2-D056-4AC5-9794-77DC97DA4DA1}"/>
+              </a:ext>
+            </a:extLst>
+          </p:cNvPr>
+          <p:cNvSpPr>
+            <a:spLocks noGrp="1"/>
+          </p:cNvSpPr>
+          <p:nvPr>
+            <p:ph type="title"/>
+          </p:nvPr>
+        </p:nvSpPr>
+        <p:spPr>
+          <a:xfrm>
+            <a:off x="519112" y="402776"/>
+            <a:ext cx="11149013" cy="747897"/>
+          </a:xfrm>
+        </p:spPr>
+        <p:txBody>
+          <a:bodyPr/>
+          <a:lstStyle/>
+          <a:p>
+            <a:r>
+              <a:rPr lang="de-DE" spc="-94" dirty="0">
+                <a:uFill>
+                  <a:solidFill>
+                    <a:srgbClr val="FFFFFF"/>
+                  </a:solidFill>
+                </a:uFill>
+                <a:latin typeface="Segoe UI Light"/>
+              </a:rPr>
+              <a:t>Raspberry </a:t>
+            </a:r>
+            <a:r>
+              <a:rPr lang="de-DE" spc="-94" dirty="0">
+                <a:uFill>
+                  <a:solidFill>
+                    <a:srgbClr val="FFFFFF"/>
+                  </a:solidFill>
+                </a:uFill>
+                <a:latin typeface="Segoe UI Light"/>
+                <a:sym typeface="Wingdings" panose="05000000000000000000" pitchFamily="2" charset="2"/>
+              </a:rPr>
+              <a:t>Skript – Initialisierung</a:t>
+            </a:r>
+            <a:endParaRPr lang="de-DE" dirty="0"/>
+          </a:p>
+        </p:txBody>
+      </p:sp>
+      <p:sp>
+        <p:nvSpPr>
+          <p:cNvPr id="3" name="Textplatzhalter 2">
+            <a:extLst>
+              <a:ext uri="{FF2B5EF4-FFF2-40B4-BE49-F238E27FC236}">
+                <a16:creationId xmlns:a16="http://schemas.microsoft.com/office/drawing/2014/main" id="{2B3C8135-AD39-4DDA-A1F9-289D5723E6DD}"/>
+              </a:ext>
+            </a:extLst>
+          </p:cNvPr>
+          <p:cNvSpPr>
+            <a:spLocks noGrp="1"/>
+          </p:cNvSpPr>
+          <p:nvPr>
+            <p:ph type="body" sz="quarter" idx="10"/>
+          </p:nvPr>
+        </p:nvSpPr>
+        <p:spPr>
+          <a:xfrm>
+            <a:off x="519112" y="1370525"/>
+            <a:ext cx="11149013" cy="2562240"/>
+          </a:xfrm>
+        </p:spPr>
+        <p:txBody>
+          <a:bodyPr/>
+          <a:lstStyle/>
+          <a:p>
+            <a:pPr marL="574675" indent="-571500">
+              <a:buFont typeface="Arial" panose="020B0604020202020204" pitchFamily="34" charset="0"/>
+              <a:buChar char="•"/>
+            </a:pPr>
+            <a:r>
+              <a:rPr lang="de-DE" dirty="0"/>
+              <a:t>Initialisierung</a:t>
+            </a:r>
+          </a:p>
+          <a:p>
+            <a:pPr marL="574675" indent="-571500">
+              <a:buFont typeface="Arial" panose="020B0604020202020204" pitchFamily="34" charset="0"/>
+              <a:buChar char="•"/>
+            </a:pPr>
+            <a:r>
+              <a:rPr lang="de-DE" dirty="0"/>
+              <a:t>Connection String</a:t>
+            </a:r>
+          </a:p>
+          <a:p>
+            <a:pPr marL="574675" indent="-571500">
+              <a:buFont typeface="Arial" panose="020B0604020202020204" pitchFamily="34" charset="0"/>
+              <a:buChar char="•"/>
+            </a:pPr>
+            <a:r>
+              <a:rPr lang="de-DE" dirty="0"/>
+              <a:t>AMQP</a:t>
+            </a:r>
+          </a:p>
+          <a:p>
+            <a:pPr marL="574675" indent="-571500">
+              <a:buFont typeface="Arial" panose="020B0604020202020204" pitchFamily="34" charset="0"/>
+              <a:buChar char="•"/>
+            </a:pPr>
+            <a:r>
+              <a:rPr lang="de-DE" dirty="0"/>
+              <a:t>Option Settings</a:t>
+            </a:r>
+          </a:p>
+        </p:txBody>
+      </p:sp>
+    </p:spTree>
+    <p:extLst>
+      <p:ext uri="{BB962C8B-B14F-4D97-AF65-F5344CB8AC3E}">
+        <p14:creationId xmlns:p14="http://schemas.microsoft.com/office/powerpoint/2010/main" val="2311384725"/>
+      </p:ext>
+    </p:extLst>
+  </p:cSld>
+  <p:clrMapOvr>
+    <a:masterClrMapping/>
+  </p:clrMapOvr>
+  <p:transition>
+    <p:fade/>
+  </p:transition>
+</p:sld>
+</file>
+
+<file path=ppt/slides/slide15.xml><?xml version="1.0" encoding="utf-8"?>
+<p:sld xmlns:a="http://schemas.openxmlformats.org/drawingml/2006/main" xmlns:r="http://schemas.openxmlformats.org/officeDocument/2006/relationships" xmlns:p="http://schemas.openxmlformats.org/presentationml/2006/main">
+  <p:cSld>
+    <p:spTree>
+      <p:nvGrpSpPr>
+        <p:cNvPr id="1" name=""/>
+        <p:cNvGrpSpPr/>
+        <p:nvPr/>
+      </p:nvGrpSpPr>
+      <p:grpSpPr>
+        <a:xfrm>
+          <a:off x="0" y="0"/>
+          <a:ext cx="0" cy="0"/>
+          <a:chOff x="0" y="0"/>
+          <a:chExt cx="0" cy="0"/>
+        </a:xfrm>
+      </p:grpSpPr>
+      <p:sp>
+        <p:nvSpPr>
+          <p:cNvPr id="2" name="Titel 1">
+            <a:extLst>
+              <a:ext uri="{FF2B5EF4-FFF2-40B4-BE49-F238E27FC236}">
+                <a16:creationId xmlns:a16="http://schemas.microsoft.com/office/drawing/2014/main" id="{56E7ECC2-D056-4AC5-9794-77DC97DA4DA1}"/>
+              </a:ext>
+            </a:extLst>
+          </p:cNvPr>
+          <p:cNvSpPr>
+            <a:spLocks noGrp="1"/>
+          </p:cNvSpPr>
+          <p:nvPr>
+            <p:ph type="title"/>
+          </p:nvPr>
+        </p:nvSpPr>
+        <p:spPr>
+          <a:xfrm>
+            <a:off x="519112" y="402776"/>
+            <a:ext cx="11149013" cy="747897"/>
+          </a:xfrm>
+        </p:spPr>
+        <p:txBody>
+          <a:bodyPr/>
+          <a:lstStyle/>
+          <a:p>
+            <a:r>
+              <a:rPr lang="de-DE" spc="-94" dirty="0">
+                <a:uFill>
+                  <a:solidFill>
+                    <a:srgbClr val="FFFFFF"/>
+                  </a:solidFill>
+                </a:uFill>
+                <a:latin typeface="Segoe UI Light"/>
+              </a:rPr>
+              <a:t>Raspberry </a:t>
+            </a:r>
+            <a:r>
+              <a:rPr lang="de-DE" spc="-94" dirty="0">
+                <a:uFill>
+                  <a:solidFill>
+                    <a:srgbClr val="FFFFFF"/>
+                  </a:solidFill>
+                </a:uFill>
+                <a:latin typeface="Segoe UI Light"/>
+                <a:sym typeface="Wingdings" panose="05000000000000000000" pitchFamily="2" charset="2"/>
+              </a:rPr>
+              <a:t>Skript – Initialisierung</a:t>
+            </a:r>
+            <a:endParaRPr lang="de-DE" dirty="0"/>
+          </a:p>
+        </p:txBody>
+      </p:sp>
+      <p:pic>
+        <p:nvPicPr>
+          <p:cNvPr id="4" name="Grafik 3">
+            <a:extLst>
+              <a:ext uri="{FF2B5EF4-FFF2-40B4-BE49-F238E27FC236}">
+                <a16:creationId xmlns:a16="http://schemas.microsoft.com/office/drawing/2014/main" id="{E728DDA3-9153-4CCD-9272-9A51CC8CE0B6}"/>
+              </a:ext>
+            </a:extLst>
+          </p:cNvPr>
+          <p:cNvPicPr>
+            <a:picLocks noChangeAspect="1"/>
+          </p:cNvPicPr>
+          <p:nvPr/>
+        </p:nvPicPr>
+        <p:blipFill>
+          <a:blip r:embed="rId2"/>
+          <a:stretch>
+            <a:fillRect/>
+          </a:stretch>
+        </p:blipFill>
+        <p:spPr>
+          <a:xfrm>
+            <a:off x="1279729" y="1294794"/>
+            <a:ext cx="9627778" cy="4950260"/>
+          </a:xfrm>
+          <a:prstGeom prst="rect">
+            <a:avLst/>
+          </a:prstGeom>
+        </p:spPr>
+      </p:pic>
+    </p:spTree>
+    <p:extLst>
+      <p:ext uri="{BB962C8B-B14F-4D97-AF65-F5344CB8AC3E}">
+        <p14:creationId xmlns:p14="http://schemas.microsoft.com/office/powerpoint/2010/main" val="2267016707"/>
+      </p:ext>
+    </p:extLst>
+  </p:cSld>
+  <p:clrMapOvr>
+    <a:masterClrMapping/>
+  </p:clrMapOvr>
+  <p:transition>
+    <p:fade/>
+  </p:transition>
+</p:sld>
+</file>
+
+<file path=ppt/slides/slide16.xml><?xml version="1.0" encoding="utf-8"?>
+<p:sld xmlns:a="http://schemas.openxmlformats.org/drawingml/2006/main" xmlns:r="http://schemas.openxmlformats.org/officeDocument/2006/relationships" xmlns:p="http://schemas.openxmlformats.org/presentationml/2006/main">
+  <p:cSld>
+    <p:spTree>
+      <p:nvGrpSpPr>
+        <p:cNvPr id="1" name=""/>
+        <p:cNvGrpSpPr/>
+        <p:nvPr/>
+      </p:nvGrpSpPr>
+      <p:grpSpPr>
+        <a:xfrm>
+          <a:off x="0" y="0"/>
+          <a:ext cx="0" cy="0"/>
+          <a:chOff x="0" y="0"/>
+          <a:chExt cx="0" cy="0"/>
+        </a:xfrm>
+      </p:grpSpPr>
+      <p:sp>
+        <p:nvSpPr>
+          <p:cNvPr id="2" name="Titel 1">
+            <a:extLst>
+              <a:ext uri="{FF2B5EF4-FFF2-40B4-BE49-F238E27FC236}">
+                <a16:creationId xmlns:a16="http://schemas.microsoft.com/office/drawing/2014/main" id="{66DD7F86-1643-4F0A-BE95-C15115B21722}"/>
+              </a:ext>
+            </a:extLst>
+          </p:cNvPr>
+          <p:cNvSpPr>
+            <a:spLocks noGrp="1"/>
+          </p:cNvSpPr>
+          <p:nvPr>
+            <p:ph type="title"/>
+          </p:nvPr>
+        </p:nvSpPr>
+        <p:spPr/>
+        <p:txBody>
+          <a:bodyPr/>
+          <a:lstStyle/>
+          <a:p>
+            <a:r>
+              <a:rPr lang="de-DE" dirty="0"/>
+              <a:t>Raspberry Skript </a:t>
+            </a:r>
+            <a:r>
+              <a:rPr lang="de-DE" spc="-94" dirty="0">
+                <a:uFill>
+                  <a:solidFill>
+                    <a:srgbClr val="FFFFFF"/>
+                  </a:solidFill>
+                </a:uFill>
+                <a:latin typeface="Segoe UI Light"/>
+                <a:sym typeface="Wingdings" panose="05000000000000000000" pitchFamily="2" charset="2"/>
+              </a:rPr>
+              <a:t>–</a:t>
+            </a:r>
+            <a:r>
+              <a:rPr lang="de-DE" dirty="0"/>
+              <a:t> Sensorabfrage</a:t>
+            </a:r>
+          </a:p>
+        </p:txBody>
+      </p:sp>
+      <p:sp>
+        <p:nvSpPr>
+          <p:cNvPr id="3" name="Textplatzhalter 2">
+            <a:extLst>
+              <a:ext uri="{FF2B5EF4-FFF2-40B4-BE49-F238E27FC236}">
+                <a16:creationId xmlns:a16="http://schemas.microsoft.com/office/drawing/2014/main" id="{80A64C65-7689-40B9-B5A2-67CBCDB0499A}"/>
+              </a:ext>
+            </a:extLst>
+          </p:cNvPr>
+          <p:cNvSpPr>
+            <a:spLocks noGrp="1"/>
+          </p:cNvSpPr>
+          <p:nvPr>
+            <p:ph type="body" sz="quarter" idx="10"/>
+          </p:nvPr>
+        </p:nvSpPr>
+        <p:spPr>
+          <a:xfrm>
+            <a:off x="519112" y="1370525"/>
+            <a:ext cx="11149013" cy="2562240"/>
+          </a:xfrm>
+        </p:spPr>
+        <p:txBody>
+          <a:bodyPr/>
+          <a:lstStyle/>
+          <a:p>
+            <a:pPr marL="574675" indent="-571500">
+              <a:buFont typeface="Arial" panose="020B0604020202020204" pitchFamily="34" charset="0"/>
+              <a:buChar char="•"/>
+            </a:pPr>
+            <a:r>
+              <a:rPr lang="de-DE" dirty="0"/>
+              <a:t>SPI Interface</a:t>
+            </a:r>
+          </a:p>
+          <a:p>
+            <a:pPr marL="574675" indent="-571500">
+              <a:buFont typeface="Arial" panose="020B0604020202020204" pitchFamily="34" charset="0"/>
+              <a:buChar char="•"/>
+            </a:pPr>
+            <a:r>
+              <a:rPr lang="de-DE" dirty="0"/>
+              <a:t>Sensor Abfrage</a:t>
+            </a:r>
+          </a:p>
+          <a:p>
+            <a:pPr marL="574675" indent="-571500">
+              <a:buFont typeface="Arial" panose="020B0604020202020204" pitchFamily="34" charset="0"/>
+              <a:buChar char="•"/>
+            </a:pPr>
+            <a:r>
+              <a:rPr lang="de-DE" dirty="0"/>
+              <a:t>Prozentwert</a:t>
+            </a:r>
+          </a:p>
+          <a:p>
+            <a:endParaRPr lang="de-DE" dirty="0"/>
+          </a:p>
+        </p:txBody>
+      </p:sp>
+    </p:spTree>
+    <p:extLst>
+      <p:ext uri="{BB962C8B-B14F-4D97-AF65-F5344CB8AC3E}">
+        <p14:creationId xmlns:p14="http://schemas.microsoft.com/office/powerpoint/2010/main" val="4284603648"/>
+      </p:ext>
+    </p:extLst>
+  </p:cSld>
+  <p:clrMapOvr>
+    <a:masterClrMapping/>
+  </p:clrMapOvr>
+  <p:transition>
+    <p:fade/>
+  </p:transition>
+</p:sld>
+</file>
+
+<file path=ppt/slides/slide17.xml><?xml version="1.0" encoding="utf-8"?>
+<p:sld xmlns:a="http://schemas.openxmlformats.org/drawingml/2006/main" xmlns:r="http://schemas.openxmlformats.org/officeDocument/2006/relationships" xmlns:p="http://schemas.openxmlformats.org/presentationml/2006/main">
+  <p:cSld>
+    <p:spTree>
+      <p:nvGrpSpPr>
+        <p:cNvPr id="1" name=""/>
+        <p:cNvGrpSpPr/>
+        <p:nvPr/>
+      </p:nvGrpSpPr>
+      <p:grpSpPr>
+        <a:xfrm>
+          <a:off x="0" y="0"/>
+          <a:ext cx="0" cy="0"/>
+          <a:chOff x="0" y="0"/>
+          <a:chExt cx="0" cy="0"/>
+        </a:xfrm>
+      </p:grpSpPr>
+      <p:sp>
+        <p:nvSpPr>
+          <p:cNvPr id="2" name="Titel 1">
+            <a:extLst>
+              <a:ext uri="{FF2B5EF4-FFF2-40B4-BE49-F238E27FC236}">
+                <a16:creationId xmlns:a16="http://schemas.microsoft.com/office/drawing/2014/main" id="{66DD7F86-1643-4F0A-BE95-C15115B21722}"/>
+              </a:ext>
+            </a:extLst>
+          </p:cNvPr>
+          <p:cNvSpPr>
+            <a:spLocks noGrp="1"/>
+          </p:cNvSpPr>
+          <p:nvPr>
+            <p:ph type="title"/>
+          </p:nvPr>
+        </p:nvSpPr>
+        <p:spPr/>
+        <p:txBody>
+          <a:bodyPr/>
+          <a:lstStyle/>
+          <a:p>
+            <a:r>
+              <a:rPr lang="de-DE" dirty="0"/>
+              <a:t>Raspberry Skript </a:t>
+            </a:r>
+            <a:r>
+              <a:rPr lang="de-DE" spc="-94" dirty="0">
+                <a:uFill>
+                  <a:solidFill>
+                    <a:srgbClr val="FFFFFF"/>
+                  </a:solidFill>
+                </a:uFill>
+                <a:latin typeface="Segoe UI Light"/>
+                <a:sym typeface="Wingdings" panose="05000000000000000000" pitchFamily="2" charset="2"/>
+              </a:rPr>
+              <a:t>–</a:t>
+            </a:r>
+            <a:r>
+              <a:rPr lang="de-DE" dirty="0"/>
+              <a:t> Sensorabfrage</a:t>
+            </a:r>
+          </a:p>
+        </p:txBody>
+      </p:sp>
+      <p:pic>
+        <p:nvPicPr>
+          <p:cNvPr id="4" name="Grafik 3">
+            <a:extLst>
+              <a:ext uri="{FF2B5EF4-FFF2-40B4-BE49-F238E27FC236}">
+                <a16:creationId xmlns:a16="http://schemas.microsoft.com/office/drawing/2014/main" id="{3CC39123-4952-4BED-853A-DD85F9DC47AF}"/>
+              </a:ext>
+            </a:extLst>
+          </p:cNvPr>
+          <p:cNvPicPr>
+            <a:picLocks noChangeAspect="1"/>
+          </p:cNvPicPr>
+          <p:nvPr/>
+        </p:nvPicPr>
+        <p:blipFill>
+          <a:blip r:embed="rId2"/>
+          <a:stretch>
+            <a:fillRect/>
+          </a:stretch>
+        </p:blipFill>
+        <p:spPr>
+          <a:xfrm>
+            <a:off x="1557413" y="1254161"/>
+            <a:ext cx="9072409" cy="5029421"/>
+          </a:xfrm>
+          <a:prstGeom prst="rect">
+            <a:avLst/>
+          </a:prstGeom>
+        </p:spPr>
+      </p:pic>
+    </p:spTree>
+    <p:extLst>
+      <p:ext uri="{BB962C8B-B14F-4D97-AF65-F5344CB8AC3E}">
+        <p14:creationId xmlns:p14="http://schemas.microsoft.com/office/powerpoint/2010/main" val="3068202877"/>
+      </p:ext>
+    </p:extLst>
+  </p:cSld>
+  <p:clrMapOvr>
+    <a:masterClrMapping/>
+  </p:clrMapOvr>
+  <p:transition>
+    <p:fade/>
+  </p:transition>
+</p:sld>
+</file>
+
+<file path=ppt/slides/slide18.xml><?xml version="1.0" encoding="utf-8"?>
+<p:sld xmlns:a="http://schemas.openxmlformats.org/drawingml/2006/main" xmlns:r="http://schemas.openxmlformats.org/officeDocument/2006/relationships" xmlns:p="http://schemas.openxmlformats.org/presentationml/2006/main">
+  <p:cSld>
+    <p:spTree>
+      <p:nvGrpSpPr>
+        <p:cNvPr id="1" name=""/>
+        <p:cNvGrpSpPr/>
+        <p:nvPr/>
+      </p:nvGrpSpPr>
+      <p:grpSpPr>
+        <a:xfrm>
+          <a:off x="0" y="0"/>
+          <a:ext cx="0" cy="0"/>
+          <a:chOff x="0" y="0"/>
+          <a:chExt cx="0" cy="0"/>
+        </a:xfrm>
+      </p:grpSpPr>
+      <p:sp>
+        <p:nvSpPr>
+          <p:cNvPr id="2" name="Titel 1">
+            <a:extLst>
+              <a:ext uri="{FF2B5EF4-FFF2-40B4-BE49-F238E27FC236}">
+                <a16:creationId xmlns:a16="http://schemas.microsoft.com/office/drawing/2014/main" id="{31EFA4C4-9459-4FC9-B0B8-D388E6798007}"/>
+              </a:ext>
+            </a:extLst>
+          </p:cNvPr>
+          <p:cNvSpPr>
+            <a:spLocks noGrp="1"/>
+          </p:cNvSpPr>
+          <p:nvPr>
+            <p:ph type="title"/>
+          </p:nvPr>
+        </p:nvSpPr>
+        <p:spPr>
+          <a:xfrm>
+            <a:off x="519112" y="402776"/>
+            <a:ext cx="11149013" cy="747897"/>
+          </a:xfrm>
+        </p:spPr>
+        <p:txBody>
+          <a:bodyPr/>
+          <a:lstStyle/>
+          <a:p>
+            <a:r>
+              <a:rPr lang="de-DE" spc="-94" dirty="0">
+                <a:uFill>
+                  <a:solidFill>
+                    <a:srgbClr val="FFFFFF"/>
+                  </a:solidFill>
+                </a:uFill>
+                <a:latin typeface="Segoe UI Light"/>
+              </a:rPr>
+              <a:t>Raspberry </a:t>
+            </a:r>
+            <a:r>
+              <a:rPr lang="de-DE" spc="-94" dirty="0">
+                <a:uFill>
+                  <a:solidFill>
+                    <a:srgbClr val="FFFFFF"/>
+                  </a:solidFill>
+                </a:uFill>
+                <a:latin typeface="Segoe UI Light"/>
+                <a:sym typeface="Wingdings" panose="05000000000000000000" pitchFamily="2" charset="2"/>
+              </a:rPr>
+              <a:t>Skript – </a:t>
+            </a:r>
+            <a:r>
+              <a:rPr lang="de-DE" spc="-94" dirty="0" err="1">
+                <a:uFill>
+                  <a:solidFill>
+                    <a:srgbClr val="FFFFFF"/>
+                  </a:solidFill>
+                </a:uFill>
+                <a:latin typeface="Segoe UI Light"/>
+                <a:sym typeface="Wingdings" panose="05000000000000000000" pitchFamily="2" charset="2"/>
+              </a:rPr>
+              <a:t>IoT</a:t>
+            </a:r>
+            <a:r>
+              <a:rPr lang="de-DE" spc="-94" dirty="0">
+                <a:uFill>
+                  <a:solidFill>
+                    <a:srgbClr val="FFFFFF"/>
+                  </a:solidFill>
+                </a:uFill>
+                <a:latin typeface="Segoe UI Light"/>
+                <a:sym typeface="Wingdings" panose="05000000000000000000" pitchFamily="2" charset="2"/>
+              </a:rPr>
+              <a:t> Kommunikation</a:t>
+            </a:r>
+            <a:endParaRPr lang="de-DE" dirty="0"/>
+          </a:p>
+        </p:txBody>
+      </p:sp>
+      <p:sp>
+        <p:nvSpPr>
+          <p:cNvPr id="3" name="Textplatzhalter 2">
+            <a:extLst>
+              <a:ext uri="{FF2B5EF4-FFF2-40B4-BE49-F238E27FC236}">
+                <a16:creationId xmlns:a16="http://schemas.microsoft.com/office/drawing/2014/main" id="{D3D654A9-1AE9-431E-BAE6-79F6D41EB658}"/>
+              </a:ext>
+            </a:extLst>
+          </p:cNvPr>
+          <p:cNvSpPr>
+            <a:spLocks noGrp="1"/>
+          </p:cNvSpPr>
+          <p:nvPr>
+            <p:ph type="body" sz="quarter" idx="10"/>
+          </p:nvPr>
+        </p:nvSpPr>
+        <p:spPr>
+          <a:xfrm>
+            <a:off x="519112" y="1370525"/>
+            <a:ext cx="11149013" cy="3901068"/>
+          </a:xfrm>
+        </p:spPr>
+        <p:txBody>
+          <a:bodyPr/>
+          <a:lstStyle/>
+          <a:p>
+            <a:pPr marL="574675" indent="-571500">
+              <a:buFont typeface="Arial" panose="020B0604020202020204" pitchFamily="34" charset="0"/>
+              <a:buChar char="•"/>
+            </a:pPr>
+            <a:r>
+              <a:rPr lang="de-DE" dirty="0"/>
+              <a:t>Endlosschleife</a:t>
+            </a:r>
+          </a:p>
+          <a:p>
+            <a:pPr marL="574675" indent="-571500">
+              <a:buFont typeface="Arial" panose="020B0604020202020204" pitchFamily="34" charset="0"/>
+              <a:buChar char="•"/>
+            </a:pPr>
+            <a:r>
+              <a:rPr lang="de-DE" dirty="0"/>
+              <a:t>Aufruf Sensor Funktion</a:t>
+            </a:r>
+          </a:p>
+          <a:p>
+            <a:pPr marL="574675" indent="-571500">
+              <a:buFont typeface="Arial" panose="020B0604020202020204" pitchFamily="34" charset="0"/>
+              <a:buChar char="•"/>
+            </a:pPr>
+            <a:r>
+              <a:rPr lang="de-DE" dirty="0"/>
+              <a:t>JSON</a:t>
+            </a:r>
+          </a:p>
+          <a:p>
+            <a:pPr marL="574675" indent="-571500">
+              <a:buFont typeface="Arial" panose="020B0604020202020204" pitchFamily="34" charset="0"/>
+              <a:buChar char="•"/>
+            </a:pPr>
+            <a:r>
+              <a:rPr lang="de-DE" dirty="0" err="1"/>
+              <a:t>Async</a:t>
+            </a:r>
+            <a:r>
+              <a:rPr lang="de-DE" dirty="0"/>
+              <a:t>. Versenden</a:t>
+            </a:r>
+          </a:p>
+          <a:p>
+            <a:pPr marL="574675" indent="-571500">
+              <a:buFont typeface="Arial" panose="020B0604020202020204" pitchFamily="34" charset="0"/>
+              <a:buChar char="•"/>
+            </a:pPr>
+            <a:r>
+              <a:rPr lang="de-DE" dirty="0"/>
+              <a:t>Wartezeit</a:t>
+            </a:r>
+          </a:p>
+          <a:p>
+            <a:endParaRPr lang="de-DE" dirty="0"/>
+          </a:p>
+        </p:txBody>
+      </p:sp>
+    </p:spTree>
+    <p:extLst>
+      <p:ext uri="{BB962C8B-B14F-4D97-AF65-F5344CB8AC3E}">
+        <p14:creationId xmlns:p14="http://schemas.microsoft.com/office/powerpoint/2010/main" val="2337271995"/>
+      </p:ext>
+    </p:extLst>
+  </p:cSld>
+  <p:clrMapOvr>
+    <a:masterClrMapping/>
+  </p:clrMapOvr>
+  <p:transition>
+    <p:fade/>
+  </p:transition>
+</p:sld>
+</file>
+
+<file path=ppt/slides/slide19.xml><?xml version="1.0" encoding="utf-8"?>
+<p:sld xmlns:a="http://schemas.openxmlformats.org/drawingml/2006/main" xmlns:r="http://schemas.openxmlformats.org/officeDocument/2006/relationships" xmlns:p="http://schemas.openxmlformats.org/presentationml/2006/main">
+  <p:cSld>
+    <p:spTree>
+      <p:nvGrpSpPr>
+        <p:cNvPr id="1" name=""/>
+        <p:cNvGrpSpPr/>
+        <p:nvPr/>
+      </p:nvGrpSpPr>
+      <p:grpSpPr>
+        <a:xfrm>
+          <a:off x="0" y="0"/>
+          <a:ext cx="0" cy="0"/>
+          <a:chOff x="0" y="0"/>
+          <a:chExt cx="0" cy="0"/>
+        </a:xfrm>
+      </p:grpSpPr>
+      <p:sp>
+        <p:nvSpPr>
+          <p:cNvPr id="2" name="Titel 1">
+            <a:extLst>
+              <a:ext uri="{FF2B5EF4-FFF2-40B4-BE49-F238E27FC236}">
+                <a16:creationId xmlns:a16="http://schemas.microsoft.com/office/drawing/2014/main" id="{31EFA4C4-9459-4FC9-B0B8-D388E6798007}"/>
+              </a:ext>
+            </a:extLst>
+          </p:cNvPr>
+          <p:cNvSpPr>
+            <a:spLocks noGrp="1"/>
+          </p:cNvSpPr>
+          <p:nvPr>
+            <p:ph type="title"/>
+          </p:nvPr>
+        </p:nvSpPr>
+        <p:spPr>
+          <a:xfrm>
+            <a:off x="519112" y="402776"/>
+            <a:ext cx="11149013" cy="747897"/>
+          </a:xfrm>
+        </p:spPr>
+        <p:txBody>
+          <a:bodyPr/>
+          <a:lstStyle/>
+          <a:p>
+            <a:r>
+              <a:rPr lang="de-DE" spc="-94" dirty="0">
+                <a:uFill>
+                  <a:solidFill>
+                    <a:srgbClr val="FFFFFF"/>
+                  </a:solidFill>
+                </a:uFill>
+                <a:latin typeface="Segoe UI Light"/>
+              </a:rPr>
+              <a:t>Raspberry </a:t>
+            </a:r>
+            <a:r>
+              <a:rPr lang="de-DE" spc="-94" dirty="0">
+                <a:uFill>
+                  <a:solidFill>
+                    <a:srgbClr val="FFFFFF"/>
+                  </a:solidFill>
+                </a:uFill>
+                <a:latin typeface="Segoe UI Light"/>
+                <a:sym typeface="Wingdings" panose="05000000000000000000" pitchFamily="2" charset="2"/>
+              </a:rPr>
+              <a:t>Skript – </a:t>
+            </a:r>
+            <a:r>
+              <a:rPr lang="de-DE" spc="-94" dirty="0" err="1">
+                <a:uFill>
+                  <a:solidFill>
+                    <a:srgbClr val="FFFFFF"/>
+                  </a:solidFill>
+                </a:uFill>
+                <a:latin typeface="Segoe UI Light"/>
+                <a:sym typeface="Wingdings" panose="05000000000000000000" pitchFamily="2" charset="2"/>
+              </a:rPr>
+              <a:t>IoT</a:t>
+            </a:r>
+            <a:r>
+              <a:rPr lang="de-DE" spc="-94" dirty="0">
+                <a:uFill>
+                  <a:solidFill>
+                    <a:srgbClr val="FFFFFF"/>
+                  </a:solidFill>
+                </a:uFill>
+                <a:latin typeface="Segoe UI Light"/>
+                <a:sym typeface="Wingdings" panose="05000000000000000000" pitchFamily="2" charset="2"/>
+              </a:rPr>
+              <a:t> Kommunikation</a:t>
+            </a:r>
+            <a:endParaRPr lang="de-DE" dirty="0"/>
+          </a:p>
+        </p:txBody>
+      </p:sp>
+      <p:pic>
+        <p:nvPicPr>
+          <p:cNvPr id="4" name="Grafik 3">
+            <a:extLst>
+              <a:ext uri="{FF2B5EF4-FFF2-40B4-BE49-F238E27FC236}">
+                <a16:creationId xmlns:a16="http://schemas.microsoft.com/office/drawing/2014/main" id="{2642F7E5-9AB1-4F7F-A9CF-CDBF21EEFB03}"/>
+              </a:ext>
+            </a:extLst>
+          </p:cNvPr>
+          <p:cNvPicPr>
+            <a:picLocks noChangeAspect="1"/>
+          </p:cNvPicPr>
+          <p:nvPr/>
+        </p:nvPicPr>
+        <p:blipFill>
+          <a:blip r:embed="rId2"/>
+          <a:stretch>
+            <a:fillRect/>
+          </a:stretch>
+        </p:blipFill>
+        <p:spPr>
+          <a:xfrm>
+            <a:off x="1810559" y="1300411"/>
+            <a:ext cx="8566118" cy="5051573"/>
+          </a:xfrm>
+          <a:prstGeom prst="rect">
+            <a:avLst/>
+          </a:prstGeom>
+        </p:spPr>
+      </p:pic>
+    </p:spTree>
+    <p:extLst>
+      <p:ext uri="{BB962C8B-B14F-4D97-AF65-F5344CB8AC3E}">
+        <p14:creationId xmlns:p14="http://schemas.microsoft.com/office/powerpoint/2010/main" val="178968271"/>
+      </p:ext>
+    </p:extLst>
+  </p:cSld>
+  <p:clrMapOvr>
+    <a:masterClrMapping/>
+  </p:clrMapOvr>
+  <p:transition>
+    <p:fade/>
+  </p:transition>
+</p:sld>
+</file>
+
+<file path=ppt/slides/slide2.xml><?xml version="1.0" encoding="utf-8"?>
+<p:sld xmlns:a="http://schemas.openxmlformats.org/drawingml/2006/main" xmlns:r="http://schemas.openxmlformats.org/officeDocument/2006/relationships" xmlns:p="http://schemas.openxmlformats.org/presentationml/2006/main">
+  <p:cSld>
+    <p:spTree>
+      <p:nvGrpSpPr>
+        <p:cNvPr id="1" name=""/>
+        <p:cNvGrpSpPr/>
+        <p:nvPr/>
+      </p:nvGrpSpPr>
+      <p:grpSpPr>
+        <a:xfrm>
+          <a:off x="0" y="0"/>
+          <a:ext cx="0" cy="0"/>
+          <a:chOff x="0" y="0"/>
+          <a:chExt cx="0" cy="0"/>
+        </a:xfrm>
+      </p:grpSpPr>
+      <p:sp>
+        <p:nvSpPr>
+          <p:cNvPr id="8" name="Titel 7">
+            <a:extLst>
+              <a:ext uri="{FF2B5EF4-FFF2-40B4-BE49-F238E27FC236}">
+                <a16:creationId xmlns:a16="http://schemas.microsoft.com/office/drawing/2014/main" id="{E7BB79B2-7F27-4579-924C-935E43BBB7D2}"/>
+              </a:ext>
+            </a:extLst>
+          </p:cNvPr>
+          <p:cNvSpPr>
+            <a:spLocks noGrp="1"/>
+          </p:cNvSpPr>
+          <p:nvPr>
+            <p:ph type="title"/>
+          </p:nvPr>
+        </p:nvSpPr>
+        <p:spPr/>
+        <p:txBody>
+          <a:bodyPr/>
+          <a:lstStyle/>
+          <a:p>
+            <a:r>
+              <a:rPr lang="de-DE" dirty="0"/>
+              <a:t>Übersicht</a:t>
+            </a:r>
+          </a:p>
+        </p:txBody>
+      </p:sp>
+      <p:sp>
+        <p:nvSpPr>
+          <p:cNvPr id="9" name="Textplatzhalter 8">
+            <a:extLst>
+              <a:ext uri="{FF2B5EF4-FFF2-40B4-BE49-F238E27FC236}">
+                <a16:creationId xmlns:a16="http://schemas.microsoft.com/office/drawing/2014/main" id="{ECD85AF2-25AF-4400-B538-3E425863B521}"/>
+              </a:ext>
+            </a:extLst>
+          </p:cNvPr>
+          <p:cNvSpPr>
+            <a:spLocks noGrp="1"/>
+          </p:cNvSpPr>
+          <p:nvPr>
+            <p:ph type="body" sz="quarter" idx="10"/>
+          </p:nvPr>
+        </p:nvSpPr>
+        <p:spPr>
+          <a:xfrm>
+            <a:off x="519112" y="1370525"/>
+            <a:ext cx="11149013" cy="4570482"/>
+          </a:xfrm>
+        </p:spPr>
+        <p:txBody>
+          <a:bodyPr/>
+          <a:lstStyle/>
+          <a:p>
+            <a:pPr marL="574675" indent="-571500">
+              <a:buFont typeface="Arial" panose="020B0604020202020204" pitchFamily="34" charset="0"/>
+              <a:buChar char="•"/>
+            </a:pPr>
+            <a:r>
+              <a:rPr lang="de-DE" dirty="0"/>
+              <a:t>Azure Übersicht</a:t>
+            </a:r>
+          </a:p>
+          <a:p>
+            <a:pPr marL="574675" indent="-571500">
+              <a:buFont typeface="Arial" panose="020B0604020202020204" pitchFamily="34" charset="0"/>
+              <a:buChar char="•"/>
+            </a:pPr>
+            <a:r>
+              <a:rPr lang="de-DE" dirty="0"/>
+              <a:t>Aufgabenstellung</a:t>
+            </a:r>
+          </a:p>
+          <a:p>
+            <a:pPr marL="574675" indent="-571500">
+              <a:buFont typeface="Arial" panose="020B0604020202020204" pitchFamily="34" charset="0"/>
+              <a:buChar char="•"/>
+            </a:pPr>
+            <a:r>
+              <a:rPr lang="de-DE" dirty="0"/>
+              <a:t>Aufbau</a:t>
+            </a:r>
+          </a:p>
+          <a:p>
+            <a:pPr marL="574675" indent="-571500">
+              <a:buFont typeface="Arial" panose="020B0604020202020204" pitchFamily="34" charset="0"/>
+              <a:buChar char="•"/>
+            </a:pPr>
+            <a:r>
+              <a:rPr lang="de-DE" dirty="0"/>
+              <a:t>Raspberry Pi</a:t>
+            </a:r>
+          </a:p>
+          <a:p>
+            <a:pPr marL="574675" indent="-571500">
+              <a:buFont typeface="Arial" panose="020B0604020202020204" pitchFamily="34" charset="0"/>
+              <a:buChar char="•"/>
+            </a:pPr>
+            <a:r>
+              <a:rPr lang="de-DE" dirty="0"/>
+              <a:t>Azure </a:t>
+            </a:r>
+            <a:r>
+              <a:rPr lang="de-DE" dirty="0" err="1"/>
+              <a:t>IoT</a:t>
+            </a:r>
+            <a:r>
+              <a:rPr lang="de-DE" dirty="0"/>
+              <a:t> Hub</a:t>
+            </a:r>
+          </a:p>
+          <a:p>
+            <a:pPr marL="574675" indent="-571500">
+              <a:buFont typeface="Arial" panose="020B0604020202020204" pitchFamily="34" charset="0"/>
+              <a:buChar char="•"/>
+            </a:pPr>
+            <a:r>
+              <a:rPr lang="de-DE" dirty="0"/>
+              <a:t>Ausblick</a:t>
+            </a:r>
+          </a:p>
+          <a:p>
+            <a:pPr marL="574675" indent="-571500">
+              <a:buFont typeface="Arial" panose="020B0604020202020204" pitchFamily="34" charset="0"/>
+              <a:buChar char="•"/>
+            </a:pPr>
+            <a:r>
+              <a:rPr lang="de-DE" dirty="0" err="1"/>
+              <a:t>Livedemo</a:t>
+            </a:r>
+            <a:endParaRPr lang="de-DE" dirty="0"/>
+          </a:p>
+        </p:txBody>
+      </p:sp>
+    </p:spTree>
+    <p:extLst>
+      <p:ext uri="{BB962C8B-B14F-4D97-AF65-F5344CB8AC3E}">
+        <p14:creationId xmlns:p14="http://schemas.microsoft.com/office/powerpoint/2010/main" val="402916855"/>
+      </p:ext>
+    </p:extLst>
+  </p:cSld>
+  <p:clrMapOvr>
+    <a:masterClrMapping/>
+  </p:clrMapOvr>
+  <mc:AlternateContent xmlns:mc="http://schemas.openxmlformats.org/markup-compatibility/2006" xmlns:p14="http://schemas.microsoft.com/office/powerpoint/2010/main">
+    <mc:Choice Requires="p14">
+      <p:transition spd="med" p14:dur="700">
+        <p:fade/>
+      </p:transition>
+    </mc:Choice>
+    <mc:Fallback xmlns="">
+      <p:transition spd="med">
+        <p:fade/>
+      </p:transition>
+    </mc:Fallback>
+  </mc:AlternateContent>
+</p:sld>
+</file>
+
+<file path=ppt/slides/slide20.xml><?xml version="1.0" encoding="utf-8"?>
 <p:sld xmlns:a="http://schemas.openxmlformats.org/drawingml/2006/main" xmlns:r="http://schemas.openxmlformats.org/officeDocument/2006/relationships" xmlns:p="http://schemas.openxmlformats.org/presentationml/2006/main">
   <p:cSld>
     <p:spTree>
@@ -9933,7 +10954,7 @@
 </p:sld>
 </file>
 
-<file path=ppt/slides/slide15.xml><?xml version="1.0" encoding="utf-8"?>
+<file path=ppt/slides/slide21.xml><?xml version="1.0" encoding="utf-8"?>
 <p:sld xmlns:a="http://schemas.openxmlformats.org/drawingml/2006/main" xmlns:r="http://schemas.openxmlformats.org/officeDocument/2006/relationships" xmlns:p="http://schemas.openxmlformats.org/presentationml/2006/main">
   <p:cSld>
     <p:spTree>
@@ -10058,7 +11079,7 @@
 </p:sld>
 </file>
 
-<file path=ppt/slides/slide16.xml><?xml version="1.0" encoding="utf-8"?>
+<file path=ppt/slides/slide22.xml><?xml version="1.0" encoding="utf-8"?>
 <p:sld xmlns:a="http://schemas.openxmlformats.org/drawingml/2006/main" xmlns:r="http://schemas.openxmlformats.org/officeDocument/2006/relationships" xmlns:p="http://schemas.openxmlformats.org/presentationml/2006/main">
   <p:cSld>
     <p:spTree>
@@ -10191,7 +11212,7 @@
 </p:sld>
 </file>
 
-<file path=ppt/slides/slide17.xml><?xml version="1.0" encoding="utf-8"?>
+<file path=ppt/slides/slide23.xml><?xml version="1.0" encoding="utf-8"?>
 <p:sld xmlns:a="http://schemas.openxmlformats.org/drawingml/2006/main" xmlns:r="http://schemas.openxmlformats.org/officeDocument/2006/relationships" xmlns:p="http://schemas.openxmlformats.org/presentationml/2006/main">
   <p:cSld>
     <p:spTree>
@@ -10307,7 +11328,7 @@
 </p:sld>
 </file>
 
-<file path=ppt/slides/slide18.xml><?xml version="1.0" encoding="utf-8"?>
+<file path=ppt/slides/slide24.xml><?xml version="1.0" encoding="utf-8"?>
 <p:sld xmlns:a="http://schemas.openxmlformats.org/drawingml/2006/main" xmlns:r="http://schemas.openxmlformats.org/officeDocument/2006/relationships" xmlns:p="http://schemas.openxmlformats.org/presentationml/2006/main">
   <p:cSld>
     <p:spTree>
@@ -10427,7 +11448,7 @@
 </p:sld>
 </file>
 
-<file path=ppt/slides/slide19.xml><?xml version="1.0" encoding="utf-8"?>
+<file path=ppt/slides/slide25.xml><?xml version="1.0" encoding="utf-8"?>
 <p:sld xmlns:a="http://schemas.openxmlformats.org/drawingml/2006/main" xmlns:r="http://schemas.openxmlformats.org/officeDocument/2006/relationships" xmlns:p="http://schemas.openxmlformats.org/presentationml/2006/main">
   <p:cSld>
     <p:spTree>
@@ -10565,183 +11586,7 @@
 </p:sld>
 </file>
 
-<file path=ppt/slides/slide2.xml><?xml version="1.0" encoding="utf-8"?>
-<p:sld xmlns:a="http://schemas.openxmlformats.org/drawingml/2006/main" xmlns:r="http://schemas.openxmlformats.org/officeDocument/2006/relationships" xmlns:p="http://schemas.openxmlformats.org/presentationml/2006/main">
-  <p:cSld>
-    <p:spTree>
-      <p:nvGrpSpPr>
-        <p:cNvPr id="1" name=""/>
-        <p:cNvGrpSpPr/>
-        <p:nvPr/>
-      </p:nvGrpSpPr>
-      <p:grpSpPr>
-        <a:xfrm>
-          <a:off x="0" y="0"/>
-          <a:ext cx="0" cy="0"/>
-          <a:chOff x="0" y="0"/>
-          <a:chExt cx="0" cy="0"/>
-        </a:xfrm>
-      </p:grpSpPr>
-      <p:sp>
-        <p:nvSpPr>
-          <p:cNvPr id="8" name="Titel 7">
-            <a:extLst>
-              <a:ext uri="{FF2B5EF4-FFF2-40B4-BE49-F238E27FC236}">
-                <a16:creationId xmlns:a16="http://schemas.microsoft.com/office/drawing/2014/main" id="{E7BB79B2-7F27-4579-924C-935E43BBB7D2}"/>
-              </a:ext>
-            </a:extLst>
-          </p:cNvPr>
-          <p:cNvSpPr>
-            <a:spLocks noGrp="1"/>
-          </p:cNvSpPr>
-          <p:nvPr>
-            <p:ph type="title"/>
-          </p:nvPr>
-        </p:nvSpPr>
-        <p:spPr/>
-        <p:txBody>
-          <a:bodyPr/>
-          <a:lstStyle/>
-          <a:p>
-            <a:r>
-              <a:rPr lang="de-DE" dirty="0"/>
-              <a:t>Übersicht</a:t>
-            </a:r>
-          </a:p>
-        </p:txBody>
-      </p:sp>
-      <p:sp>
-        <p:nvSpPr>
-          <p:cNvPr id="9" name="Textplatzhalter 8">
-            <a:extLst>
-              <a:ext uri="{FF2B5EF4-FFF2-40B4-BE49-F238E27FC236}">
-                <a16:creationId xmlns:a16="http://schemas.microsoft.com/office/drawing/2014/main" id="{ECD85AF2-25AF-4400-B538-3E425863B521}"/>
-              </a:ext>
-            </a:extLst>
-          </p:cNvPr>
-          <p:cNvSpPr>
-            <a:spLocks noGrp="1"/>
-          </p:cNvSpPr>
-          <p:nvPr>
-            <p:ph type="body" sz="quarter" idx="10"/>
-          </p:nvPr>
-        </p:nvSpPr>
-        <p:spPr>
-          <a:xfrm>
-            <a:off x="519112" y="1370525"/>
-            <a:ext cx="11149013" cy="4570482"/>
-          </a:xfrm>
-        </p:spPr>
-        <p:txBody>
-          <a:bodyPr/>
-          <a:lstStyle/>
-          <a:p>
-            <a:pPr marL="574675" indent="-571500">
-              <a:buFont typeface="Arial" panose="020B0604020202020204" pitchFamily="34" charset="0"/>
-              <a:buChar char="•"/>
-            </a:pPr>
-            <a:r>
-              <a:rPr lang="de-DE" dirty="0"/>
-              <a:t>Azure Übersicht</a:t>
-            </a:r>
-          </a:p>
-          <a:p>
-            <a:pPr marL="574675" indent="-571500">
-              <a:buFont typeface="Arial" panose="020B0604020202020204" pitchFamily="34" charset="0"/>
-              <a:buChar char="•"/>
-            </a:pPr>
-            <a:r>
-              <a:rPr lang="de-DE" dirty="0"/>
-              <a:t>Aufgabenstellung</a:t>
-            </a:r>
-          </a:p>
-          <a:p>
-            <a:pPr marL="574675" indent="-571500">
-              <a:buFont typeface="Arial" panose="020B0604020202020204" pitchFamily="34" charset="0"/>
-              <a:buChar char="•"/>
-            </a:pPr>
-            <a:r>
-              <a:rPr lang="de-DE" dirty="0"/>
-              <a:t>Aufbau</a:t>
-            </a:r>
-          </a:p>
-          <a:p>
-            <a:pPr marL="574675" indent="-571500">
-              <a:buFont typeface="Arial" panose="020B0604020202020204" pitchFamily="34" charset="0"/>
-              <a:buChar char="•"/>
-            </a:pPr>
-            <a:r>
-              <a:rPr lang="de-DE" dirty="0"/>
-              <a:t>Raspberry Pi</a:t>
-            </a:r>
-          </a:p>
-          <a:p>
-            <a:pPr marL="574675" indent="-571500">
-              <a:buFont typeface="Arial" panose="020B0604020202020204" pitchFamily="34" charset="0"/>
-              <a:buChar char="•"/>
-            </a:pPr>
-            <a:r>
-              <a:rPr lang="de-DE" dirty="0"/>
-              <a:t>Azure </a:t>
-            </a:r>
-            <a:r>
-              <a:rPr lang="de-DE" dirty="0" err="1"/>
-              <a:t>IoT</a:t>
-            </a:r>
-            <a:r>
-              <a:rPr lang="de-DE" dirty="0"/>
-              <a:t> Hub</a:t>
-            </a:r>
-          </a:p>
-          <a:p>
-            <a:pPr marL="574675" indent="-571500">
-              <a:buFont typeface="Arial" panose="020B0604020202020204" pitchFamily="34" charset="0"/>
-              <a:buChar char="•"/>
-            </a:pPr>
-            <a:r>
-              <a:rPr lang="de-DE" dirty="0"/>
-              <a:t>Ausblick</a:t>
-            </a:r>
-          </a:p>
-          <a:p>
-            <a:pPr marL="574675" indent="-571500">
-              <a:buFont typeface="Arial" panose="020B0604020202020204" pitchFamily="34" charset="0"/>
-              <a:buChar char="•"/>
-            </a:pPr>
-            <a:r>
-              <a:rPr lang="de-DE" dirty="0" err="1"/>
-              <a:t>Livedemo</a:t>
-            </a:r>
-            <a:endParaRPr lang="de-DE" dirty="0"/>
-          </a:p>
-        </p:txBody>
-      </p:sp>
-    </p:spTree>
-    <p:extLst>
-      <p:ext uri="{BB962C8B-B14F-4D97-AF65-F5344CB8AC3E}">
-        <p14:creationId xmlns:p14="http://schemas.microsoft.com/office/powerpoint/2010/main" val="402916855"/>
-      </p:ext>
-    </p:extLst>
-  </p:cSld>
-  <p:clrMapOvr>
-    <a:masterClrMapping/>
-  </p:clrMapOvr>
-  <mc:AlternateContent xmlns:mc="http://schemas.openxmlformats.org/markup-compatibility/2006" xmlns:p14="http://schemas.microsoft.com/office/powerpoint/2010/main">
-    <mc:Choice Requires="p14">
-      <p:transition spd="med" p14:dur="700">
-        <p:fade/>
-      </p:transition>
-    </mc:Choice>
-    <mc:Fallback xmlns="">
-      <p:transition spd="med">
-        <p:fade/>
-      </p:transition>
-    </mc:Fallback>
-  </mc:AlternateContent>
-</p:sld>
-</file>
-
-<file path=ppt/slides/slide20.xml><?xml version="1.0" encoding="utf-8"?>
+<file path=ppt/slides/slide26.xml><?xml version="1.0" encoding="utf-8"?>
 <p:sld xmlns:a="http://schemas.openxmlformats.org/drawingml/2006/main" xmlns:r="http://schemas.openxmlformats.org/officeDocument/2006/relationships" xmlns:p="http://schemas.openxmlformats.org/presentationml/2006/main">
   <p:cSld>
     <p:spTree>
@@ -10889,7 +11734,7 @@
 </p:sld>
 </file>
 
-<file path=ppt/slides/slide21.xml><?xml version="1.0" encoding="utf-8"?>
+<file path=ppt/slides/slide27.xml><?xml version="1.0" encoding="utf-8"?>
 <p:sld xmlns:a="http://schemas.openxmlformats.org/drawingml/2006/main" xmlns:r="http://schemas.openxmlformats.org/officeDocument/2006/relationships" xmlns:p="http://schemas.openxmlformats.org/presentationml/2006/main">
   <p:cSld>
     <p:spTree>
@@ -25617,6 +26462,15 @@
 </file>
 
 <file path=customXml/item1.xml><?xml version="1.0" encoding="utf-8"?>
+<?mso-contentType ?>
+<FormTemplates xmlns="http://schemas.microsoft.com/sharepoint/v3/contenttype/forms">
+  <Display>DocumentLibraryForm</Display>
+  <Edit>DocumentLibraryForm</Edit>
+  <New>DocumentLibraryForm</New>
+</FormTemplates>
+</file>
+
+<file path=customXml/item2.xml><?xml version="1.0" encoding="utf-8"?>
 <p:properties xmlns:p="http://schemas.microsoft.com/office/2006/metadata/properties" xmlns:xsi="http://www.w3.org/2001/XMLSchema-instance" xmlns:pc="http://schemas.microsoft.com/office/infopath/2007/PartnerControls">
   <documentManagement>
     <TaxKeywordTaxHTField xmlns="230e9df3-be65-4c73-a93b-d1236ebd677e">
@@ -25627,7 +26481,7 @@
 </p:properties>
 </file>
 
-<file path=customXml/item2.xml><?xml version="1.0" encoding="utf-8"?>
+<file path=customXml/item3.xml><?xml version="1.0" encoding="utf-8"?>
 <ct:contentTypeSchema xmlns:ct="http://schemas.microsoft.com/office/2006/metadata/contentType" xmlns:ma="http://schemas.microsoft.com/office/2006/metadata/properties/metaAttributes" ct:_="" ma:_="" ma:contentTypeName="Document" ma:contentTypeID="0x010100CA05B43BE68FE54B90DD26FDFB72BB05" ma:contentTypeVersion="0" ma:contentTypeDescription="Create a new document." ma:contentTypeScope="" ma:versionID="6df1bece345c1749bd9b91e82fa4a03a">
   <xsd:schema xmlns:xsd="http://www.w3.org/2001/XMLSchema" xmlns:xs="http://www.w3.org/2001/XMLSchema" xmlns:p="http://schemas.microsoft.com/office/2006/metadata/properties" xmlns:ns2="230e9df3-be65-4c73-a93b-d1236ebd677e" targetNamespace="http://schemas.microsoft.com/office/2006/metadata/properties" ma:root="true" ma:fieldsID="e317b0b832c9845d3aae3abd1bb0954e" ns2:_="">
     <xsd:import namespace="230e9df3-be65-4c73-a93b-d1236ebd677e"/>
@@ -25779,32 +26633,31 @@
 </ct:contentTypeSchema>
 </file>
 
-<file path=customXml/item3.xml><?xml version="1.0" encoding="utf-8"?>
-<?mso-contentType ?>
-<FormTemplates xmlns="http://schemas.microsoft.com/sharepoint/v3/contenttype/forms">
-  <Display>DocumentLibraryForm</Display>
-  <Edit>DocumentLibraryForm</Edit>
-  <New>DocumentLibraryForm</New>
-</FormTemplates>
-</file>
-
 <file path=customXml/itemProps1.xml><?xml version="1.0" encoding="utf-8"?>
-<ds:datastoreItem xmlns:ds="http://schemas.openxmlformats.org/officeDocument/2006/customXml" ds:itemID="{69B2F97D-0457-4986-9734-D03EB073C5EA}">
+<ds:datastoreItem xmlns:ds="http://schemas.openxmlformats.org/officeDocument/2006/customXml" ds:itemID="{B882D8D6-9D38-4159-A398-AAC3689D3D7C}">
   <ds:schemaRefs>
-    <ds:schemaRef ds:uri="http://schemas.microsoft.com/office/2006/documentManagement/types"/>
-    <ds:schemaRef ds:uri="http://schemas.openxmlformats.org/package/2006/metadata/core-properties"/>
-    <ds:schemaRef ds:uri="http://www.w3.org/XML/1998/namespace"/>
-    <ds:schemaRef ds:uri="http://purl.org/dc/dcmitype/"/>
-    <ds:schemaRef ds:uri="http://purl.org/dc/elements/1.1/"/>
-    <ds:schemaRef ds:uri="http://purl.org/dc/terms/"/>
-    <ds:schemaRef ds:uri="http://schemas.microsoft.com/office/infopath/2007/PartnerControls"/>
-    <ds:schemaRef ds:uri="230e9df3-be65-4c73-a93b-d1236ebd677e"/>
-    <ds:schemaRef ds:uri="http://schemas.microsoft.com/office/2006/metadata/properties"/>
+    <ds:schemaRef ds:uri="http://schemas.microsoft.com/sharepoint/v3/contenttype/forms"/>
   </ds:schemaRefs>
 </ds:datastoreItem>
 </file>
 
 <file path=customXml/itemProps2.xml><?xml version="1.0" encoding="utf-8"?>
+<ds:datastoreItem xmlns:ds="http://schemas.openxmlformats.org/officeDocument/2006/customXml" ds:itemID="{69B2F97D-0457-4986-9734-D03EB073C5EA}">
+  <ds:schemaRefs>
+    <ds:schemaRef ds:uri="http://schemas.microsoft.com/office/2006/documentManagement/types"/>
+    <ds:schemaRef ds:uri="http://purl.org/dc/elements/1.1/"/>
+    <ds:schemaRef ds:uri="http://schemas.microsoft.com/office/2006/metadata/properties"/>
+    <ds:schemaRef ds:uri="http://schemas.openxmlformats.org/package/2006/metadata/core-properties"/>
+    <ds:schemaRef ds:uri="http://schemas.microsoft.com/office/infopath/2007/PartnerControls"/>
+    <ds:schemaRef ds:uri="http://purl.org/dc/terms/"/>
+    <ds:schemaRef ds:uri="http://purl.org/dc/dcmitype/"/>
+    <ds:schemaRef ds:uri="230e9df3-be65-4c73-a93b-d1236ebd677e"/>
+    <ds:schemaRef ds:uri="http://www.w3.org/XML/1998/namespace"/>
+  </ds:schemaRefs>
+</ds:datastoreItem>
+</file>
+
+<file path=customXml/itemProps3.xml><?xml version="1.0" encoding="utf-8"?>
 <ds:datastoreItem xmlns:ds="http://schemas.openxmlformats.org/officeDocument/2006/customXml" ds:itemID="{8F590144-748D-417B-8B69-088F107B0F98}">
   <ds:schemaRefs>
     <ds:schemaRef ds:uri="http://schemas.microsoft.com/office/2006/metadata/contentType"/>
@@ -25820,12 +26673,4 @@
     <ds:schemaRef ds:uri="http://schemas.microsoft.com/internal/obd"/>
   </ds:schemaRefs>
 </ds:datastoreItem>
-</file>
-
-<file path=customXml/itemProps3.xml><?xml version="1.0" encoding="utf-8"?>
-<ds:datastoreItem xmlns:ds="http://schemas.openxmlformats.org/officeDocument/2006/customXml" ds:itemID="{B882D8D6-9D38-4159-A398-AAC3689D3D7C}">
-  <ds:schemaRefs>
-    <ds:schemaRef ds:uri="http://schemas.microsoft.com/sharepoint/v3/contenttype/forms"/>
-  </ds:schemaRefs>
-</ds:datastoreItem>
 </file>